--- a/doc/XXL-JOB架构图.pptx
+++ b/doc/XXL-JOB架构图.pptx
@@ -5,13 +5,14 @@
     <p:sldMasterId id="2147483648" r:id="rId1"/>
   </p:sldMasterIdLst>
   <p:notesMasterIdLst>
-    <p:notesMasterId r:id="rId6"/>
+    <p:notesMasterId r:id="rId7"/>
   </p:notesMasterIdLst>
   <p:sldIdLst>
     <p:sldId id="259" r:id="rId2"/>
     <p:sldId id="258" r:id="rId3"/>
     <p:sldId id="260" r:id="rId4"/>
     <p:sldId id="261" r:id="rId5"/>
+    <p:sldId id="262" r:id="rId6"/>
   </p:sldIdLst>
   <p:sldSz cx="12192000" cy="6858000"/>
   <p:notesSz cx="6858000" cy="9144000"/>
@@ -200,7 +201,7 @@
           <a:p>
             <a:fld id="{D2A48B96-639E-45A3-A0BA-2464DFDB1FAA}" type="datetimeFigureOut">
               <a:rPr lang="zh-CN" altLang="en-US" smtClean="0"/>
-              <a:t>17/5/11</a:t>
+              <a:t>17/7/17</a:t>
             </a:fld>
             <a:endParaRPr lang="zh-CN" altLang="en-US"/>
           </a:p>
@@ -874,6 +875,267 @@
 </p:notes>
 </file>
 
+<file path=ppt/notesSlides/notesSlide4.xml><?xml version="1.0" encoding="utf-8"?>
+<p:notes xmlns:a="http://schemas.openxmlformats.org/drawingml/2006/main" xmlns:r="http://schemas.openxmlformats.org/officeDocument/2006/relationships" xmlns:p="http://schemas.openxmlformats.org/presentationml/2006/main">
+  <p:cSld>
+    <p:spTree>
+      <p:nvGrpSpPr>
+        <p:cNvPr id="1" name=""/>
+        <p:cNvGrpSpPr/>
+        <p:nvPr/>
+      </p:nvGrpSpPr>
+      <p:grpSpPr>
+        <a:xfrm>
+          <a:off x="0" y="0"/>
+          <a:ext cx="0" cy="0"/>
+          <a:chOff x="0" y="0"/>
+          <a:chExt cx="0" cy="0"/>
+        </a:xfrm>
+      </p:grpSpPr>
+      <p:sp>
+        <p:nvSpPr>
+          <p:cNvPr id="8193" name="幻灯片图像占位符 1"/>
+          <p:cNvSpPr>
+            <a:spLocks noGrp="1" noRot="1" noChangeAspect="1" noTextEdit="1"/>
+          </p:cNvSpPr>
+          <p:nvPr>
+            <p:ph type="sldImg"/>
+          </p:nvPr>
+        </p:nvSpPr>
+        <p:spPr bwMode="auto">
+          <a:noFill/>
+          <a:ln>
+            <a:solidFill>
+              <a:srgbClr val="000000"/>
+            </a:solidFill>
+            <a:miter lim="800000"/>
+            <a:headEnd/>
+            <a:tailEnd/>
+          </a:ln>
+          <a:extLst>
+            <a:ext uri="{909E8E84-426E-40DD-AFC4-6F175D3DCCD1}">
+              <a14:hiddenFill xmlns:a14="http://schemas.microsoft.com/office/drawing/2010/main">
+                <a:solidFill>
+                  <a:srgbClr val="FFFFFF"/>
+                </a:solidFill>
+              </a14:hiddenFill>
+            </a:ext>
+            <a:ext uri="{FAA26D3D-D897-4be2-8F04-BA451C77F1D7}">
+              <ma14:placeholderFlag xmlns:ma14="http://schemas.microsoft.com/office/mac/drawingml/2011/main" val="1"/>
+            </a:ext>
+          </a:extLst>
+        </p:spPr>
+      </p:sp>
+      <p:sp>
+        <p:nvSpPr>
+          <p:cNvPr id="8194" name="备注占位符 2"/>
+          <p:cNvSpPr>
+            <a:spLocks noGrp="1"/>
+          </p:cNvSpPr>
+          <p:nvPr>
+            <p:ph type="body" idx="1"/>
+          </p:nvPr>
+        </p:nvSpPr>
+        <p:spPr bwMode="auto">
+          <a:noFill/>
+          <a:extLst>
+            <a:ext uri="{909E8E84-426E-40DD-AFC4-6F175D3DCCD1}">
+              <a14:hiddenFill xmlns:a14="http://schemas.microsoft.com/office/drawing/2010/main">
+                <a:solidFill>
+                  <a:srgbClr val="FFFFFF"/>
+                </a:solidFill>
+              </a14:hiddenFill>
+            </a:ext>
+            <a:ext uri="{91240B29-F687-4F45-9708-019B960494DF}">
+              <a14:hiddenLine xmlns:a14="http://schemas.microsoft.com/office/drawing/2010/main" w="9525">
+                <a:solidFill>
+                  <a:srgbClr val="000000"/>
+                </a:solidFill>
+                <a:miter lim="800000"/>
+                <a:headEnd/>
+                <a:tailEnd/>
+              </a14:hiddenLine>
+            </a:ext>
+            <a:ext uri="{FAA26D3D-D897-4be2-8F04-BA451C77F1D7}">
+              <ma14:placeholderFlag xmlns:ma14="http://schemas.microsoft.com/office/mac/drawingml/2011/main" val="1"/>
+            </a:ext>
+          </a:extLst>
+        </p:spPr>
+        <p:txBody>
+          <a:bodyPr/>
+          <a:lstStyle/>
+          <a:p>
+            <a:endParaRPr kumimoji="0" lang="zh-CN" altLang="en-US" dirty="0">
+              <a:latin typeface="Arial" charset="0"/>
+              <a:ea typeface="ＭＳ Ｐゴシック" charset="-128"/>
+            </a:endParaRPr>
+          </a:p>
+        </p:txBody>
+      </p:sp>
+      <p:sp>
+        <p:nvSpPr>
+          <p:cNvPr id="8195" name="灯片编号占位符 3"/>
+          <p:cNvSpPr>
+            <a:spLocks noGrp="1"/>
+          </p:cNvSpPr>
+          <p:nvPr>
+            <p:ph type="sldNum" sz="quarter" idx="5"/>
+          </p:nvPr>
+        </p:nvSpPr>
+        <p:spPr bwMode="auto">
+          <a:noFill/>
+          <a:extLst>
+            <a:ext uri="{909E8E84-426E-40DD-AFC4-6F175D3DCCD1}">
+              <a14:hiddenFill xmlns:a14="http://schemas.microsoft.com/office/drawing/2010/main">
+                <a:solidFill>
+                  <a:srgbClr val="FFFFFF"/>
+                </a:solidFill>
+              </a14:hiddenFill>
+            </a:ext>
+            <a:ext uri="{91240B29-F687-4F45-9708-019B960494DF}">
+              <a14:hiddenLine xmlns:a14="http://schemas.microsoft.com/office/drawing/2010/main" w="9525">
+                <a:solidFill>
+                  <a:srgbClr val="000000"/>
+                </a:solidFill>
+                <a:miter lim="800000"/>
+                <a:headEnd/>
+                <a:tailEnd/>
+              </a14:hiddenLine>
+            </a:ext>
+          </a:extLst>
+        </p:spPr>
+        <p:txBody>
+          <a:bodyPr/>
+          <a:lstStyle>
+            <a:lvl1pPr>
+              <a:defRPr sz="2400">
+                <a:solidFill>
+                  <a:schemeClr val="tx1"/>
+                </a:solidFill>
+                <a:latin typeface="Arial" charset="0"/>
+                <a:ea typeface="宋体" charset="0"/>
+              </a:defRPr>
+            </a:lvl1pPr>
+            <a:lvl2pPr marL="742950" indent="-285750">
+              <a:defRPr sz="2400">
+                <a:solidFill>
+                  <a:schemeClr val="tx1"/>
+                </a:solidFill>
+                <a:latin typeface="Arial" charset="0"/>
+                <a:ea typeface="宋体" charset="0"/>
+              </a:defRPr>
+            </a:lvl2pPr>
+            <a:lvl3pPr marL="1143000" indent="-228600">
+              <a:defRPr sz="2400">
+                <a:solidFill>
+                  <a:schemeClr val="tx1"/>
+                </a:solidFill>
+                <a:latin typeface="Arial" charset="0"/>
+                <a:ea typeface="宋体" charset="0"/>
+              </a:defRPr>
+            </a:lvl3pPr>
+            <a:lvl4pPr marL="1600200" indent="-228600">
+              <a:defRPr sz="2400">
+                <a:solidFill>
+                  <a:schemeClr val="tx1"/>
+                </a:solidFill>
+                <a:latin typeface="Arial" charset="0"/>
+                <a:ea typeface="宋体" charset="0"/>
+              </a:defRPr>
+            </a:lvl4pPr>
+            <a:lvl5pPr marL="2057400" indent="-228600">
+              <a:defRPr sz="2400">
+                <a:solidFill>
+                  <a:schemeClr val="tx1"/>
+                </a:solidFill>
+                <a:latin typeface="Arial" charset="0"/>
+                <a:ea typeface="宋体" charset="0"/>
+              </a:defRPr>
+            </a:lvl5pPr>
+            <a:lvl6pPr marL="2514600" indent="-228600" eaLnBrk="0" fontAlgn="base" hangingPunct="0">
+              <a:spcBef>
+                <a:spcPct val="0"/>
+              </a:spcBef>
+              <a:spcAft>
+                <a:spcPct val="0"/>
+              </a:spcAft>
+              <a:defRPr sz="2400">
+                <a:solidFill>
+                  <a:schemeClr val="tx1"/>
+                </a:solidFill>
+                <a:latin typeface="Arial" charset="0"/>
+                <a:ea typeface="宋体" charset="0"/>
+              </a:defRPr>
+            </a:lvl6pPr>
+            <a:lvl7pPr marL="2971800" indent="-228600" eaLnBrk="0" fontAlgn="base" hangingPunct="0">
+              <a:spcBef>
+                <a:spcPct val="0"/>
+              </a:spcBef>
+              <a:spcAft>
+                <a:spcPct val="0"/>
+              </a:spcAft>
+              <a:defRPr sz="2400">
+                <a:solidFill>
+                  <a:schemeClr val="tx1"/>
+                </a:solidFill>
+                <a:latin typeface="Arial" charset="0"/>
+                <a:ea typeface="宋体" charset="0"/>
+              </a:defRPr>
+            </a:lvl7pPr>
+            <a:lvl8pPr marL="3429000" indent="-228600" eaLnBrk="0" fontAlgn="base" hangingPunct="0">
+              <a:spcBef>
+                <a:spcPct val="0"/>
+              </a:spcBef>
+              <a:spcAft>
+                <a:spcPct val="0"/>
+              </a:spcAft>
+              <a:defRPr sz="2400">
+                <a:solidFill>
+                  <a:schemeClr val="tx1"/>
+                </a:solidFill>
+                <a:latin typeface="Arial" charset="0"/>
+                <a:ea typeface="宋体" charset="0"/>
+              </a:defRPr>
+            </a:lvl8pPr>
+            <a:lvl9pPr marL="3886200" indent="-228600" eaLnBrk="0" fontAlgn="base" hangingPunct="0">
+              <a:spcBef>
+                <a:spcPct val="0"/>
+              </a:spcBef>
+              <a:spcAft>
+                <a:spcPct val="0"/>
+              </a:spcAft>
+              <a:defRPr sz="2400">
+                <a:solidFill>
+                  <a:schemeClr val="tx1"/>
+                </a:solidFill>
+                <a:latin typeface="Arial" charset="0"/>
+                <a:ea typeface="宋体" charset="0"/>
+              </a:defRPr>
+            </a:lvl9pPr>
+          </a:lstStyle>
+          <a:p>
+            <a:fld id="{80DF3984-D036-8146-80F3-60605DE9315C}" type="slidenum">
+              <a:rPr lang="zh-CN" altLang="en-US" sz="1200"/>
+              <a:pPr/>
+              <a:t>5</a:t>
+            </a:fld>
+            <a:endParaRPr lang="zh-CN" altLang="en-US" sz="1200"/>
+          </a:p>
+        </p:txBody>
+      </p:sp>
+    </p:spTree>
+    <p:extLst>
+      <p:ext uri="{BB962C8B-B14F-4D97-AF65-F5344CB8AC3E}">
+        <p14:creationId xmlns:p14="http://schemas.microsoft.com/office/powerpoint/2010/main" val="928548894"/>
+      </p:ext>
+    </p:extLst>
+  </p:cSld>
+  <p:clrMapOvr>
+    <a:masterClrMapping/>
+  </p:clrMapOvr>
+</p:notes>
+</file>
+
 <file path=ppt/slideLayouts/slideLayout1.xml><?xml version="1.0" encoding="utf-8"?>
 <p:sldLayout xmlns:a="http://schemas.openxmlformats.org/drawingml/2006/main" xmlns:r="http://schemas.openxmlformats.org/officeDocument/2006/relationships" xmlns:p="http://schemas.openxmlformats.org/presentationml/2006/main" type="title" preserve="1">
   <p:cSld name="标题幻灯片">
@@ -1005,7 +1267,7 @@
           <a:p>
             <a:fld id="{D997B5FA-0921-464F-AAE1-844C04324D75}" type="datetimeFigureOut">
               <a:rPr lang="zh-CN" altLang="en-US" smtClean="0"/>
-              <a:t>17/5/11</a:t>
+              <a:t>17/7/17</a:t>
             </a:fld>
             <a:endParaRPr lang="zh-CN" altLang="en-US"/>
           </a:p>
@@ -1170,7 +1432,7 @@
           <a:p>
             <a:fld id="{D997B5FA-0921-464F-AAE1-844C04324D75}" type="datetimeFigureOut">
               <a:rPr lang="zh-CN" altLang="en-US" smtClean="0"/>
-              <a:t>17/5/11</a:t>
+              <a:t>17/7/17</a:t>
             </a:fld>
             <a:endParaRPr lang="zh-CN" altLang="en-US"/>
           </a:p>
@@ -1345,7 +1607,7 @@
           <a:p>
             <a:fld id="{D997B5FA-0921-464F-AAE1-844C04324D75}" type="datetimeFigureOut">
               <a:rPr lang="zh-CN" altLang="en-US" smtClean="0"/>
-              <a:t>17/5/11</a:t>
+              <a:t>17/7/17</a:t>
             </a:fld>
             <a:endParaRPr lang="zh-CN" altLang="en-US"/>
           </a:p>
@@ -1510,7 +1772,7 @@
           <a:p>
             <a:fld id="{D997B5FA-0921-464F-AAE1-844C04324D75}" type="datetimeFigureOut">
               <a:rPr lang="zh-CN" altLang="en-US" smtClean="0"/>
-              <a:t>17/5/11</a:t>
+              <a:t>17/7/17</a:t>
             </a:fld>
             <a:endParaRPr lang="zh-CN" altLang="en-US"/>
           </a:p>
@@ -1751,7 +2013,7 @@
           <a:p>
             <a:fld id="{D997B5FA-0921-464F-AAE1-844C04324D75}" type="datetimeFigureOut">
               <a:rPr lang="zh-CN" altLang="en-US" smtClean="0"/>
-              <a:t>17/5/11</a:t>
+              <a:t>17/7/17</a:t>
             </a:fld>
             <a:endParaRPr lang="zh-CN" altLang="en-US"/>
           </a:p>
@@ -1978,7 +2240,7 @@
           <a:p>
             <a:fld id="{D997B5FA-0921-464F-AAE1-844C04324D75}" type="datetimeFigureOut">
               <a:rPr lang="zh-CN" altLang="en-US" smtClean="0"/>
-              <a:t>17/5/11</a:t>
+              <a:t>17/7/17</a:t>
             </a:fld>
             <a:endParaRPr lang="zh-CN" altLang="en-US"/>
           </a:p>
@@ -2340,7 +2602,7 @@
           <a:p>
             <a:fld id="{D997B5FA-0921-464F-AAE1-844C04324D75}" type="datetimeFigureOut">
               <a:rPr lang="zh-CN" altLang="en-US" smtClean="0"/>
-              <a:t>17/5/11</a:t>
+              <a:t>17/7/17</a:t>
             </a:fld>
             <a:endParaRPr lang="zh-CN" altLang="en-US"/>
           </a:p>
@@ -2453,7 +2715,7 @@
           <a:p>
             <a:fld id="{D997B5FA-0921-464F-AAE1-844C04324D75}" type="datetimeFigureOut">
               <a:rPr lang="zh-CN" altLang="en-US" smtClean="0"/>
-              <a:t>17/5/11</a:t>
+              <a:t>17/7/17</a:t>
             </a:fld>
             <a:endParaRPr lang="zh-CN" altLang="en-US"/>
           </a:p>
@@ -2543,7 +2805,7 @@
           <a:p>
             <a:fld id="{D997B5FA-0921-464F-AAE1-844C04324D75}" type="datetimeFigureOut">
               <a:rPr lang="zh-CN" altLang="en-US" smtClean="0"/>
-              <a:t>17/5/11</a:t>
+              <a:t>17/7/17</a:t>
             </a:fld>
             <a:endParaRPr lang="zh-CN" altLang="en-US"/>
           </a:p>
@@ -2815,7 +3077,7 @@
           <a:p>
             <a:fld id="{D997B5FA-0921-464F-AAE1-844C04324D75}" type="datetimeFigureOut">
               <a:rPr lang="zh-CN" altLang="en-US" smtClean="0"/>
-              <a:t>17/5/11</a:t>
+              <a:t>17/7/17</a:t>
             </a:fld>
             <a:endParaRPr lang="zh-CN" altLang="en-US"/>
           </a:p>
@@ -3063,7 +3325,7 @@
           <a:p>
             <a:fld id="{D997B5FA-0921-464F-AAE1-844C04324D75}" type="datetimeFigureOut">
               <a:rPr lang="zh-CN" altLang="en-US" smtClean="0"/>
-              <a:t>17/5/11</a:t>
+              <a:t>17/7/17</a:t>
             </a:fld>
             <a:endParaRPr lang="zh-CN" altLang="en-US"/>
           </a:p>
@@ -3271,7 +3533,7 @@
           <a:p>
             <a:fld id="{D997B5FA-0921-464F-AAE1-844C04324D75}" type="datetimeFigureOut">
               <a:rPr lang="zh-CN" altLang="en-US" smtClean="0"/>
-              <a:t>17/5/11</a:t>
+              <a:t>17/7/17</a:t>
             </a:fld>
             <a:endParaRPr lang="zh-CN" altLang="en-US"/>
           </a:p>
@@ -5859,7 +6121,7 @@
           <a:p>
             <a:pPr algn="ctr"/>
             <a:r>
-              <a:rPr lang="en-US">
+              <a:rPr lang="en-US" dirty="0">
                 <a:latin typeface="微软雅黑" charset="0"/>
                 <a:ea typeface="微软雅黑" charset="0"/>
               </a:rPr>
@@ -7481,7 +7743,7 @@
           <a:p>
             <a:pPr algn="ctr"/>
             <a:r>
-              <a:rPr lang="en-US">
+              <a:rPr lang="en-US" dirty="0">
                 <a:latin typeface="微软雅黑" charset="0"/>
                 <a:ea typeface="微软雅黑" charset="0"/>
               </a:rPr>
@@ -8875,21 +9137,8 @@
                 <a:ea typeface="Heiti SC Light" charset="-122"/>
                 <a:cs typeface="Heiti SC Light" charset="-122"/>
               </a:rPr>
-              <a:t>注册</a:t>
-            </a:r>
-            <a:r>
-              <a:rPr kumimoji="1" lang="zh-CN" altLang="en-US" sz="1400" dirty="0" smtClean="0">
-                <a:latin typeface="Heiti SC Light" charset="-122"/>
-                <a:ea typeface="Heiti SC Light" charset="-122"/>
-                <a:cs typeface="Heiti SC Light" charset="-122"/>
-              </a:rPr>
-              <a:t>服务</a:t>
-            </a:r>
-            <a:endParaRPr kumimoji="1" lang="zh-CN" altLang="en-US" sz="1400" dirty="0" smtClean="0">
-              <a:latin typeface="Heiti SC Light" charset="-122"/>
-              <a:ea typeface="Heiti SC Light" charset="-122"/>
-              <a:cs typeface="Heiti SC Light" charset="-122"/>
-            </a:endParaRPr>
+              <a:t>注册服务</a:t>
+            </a:r>
           </a:p>
           <a:p>
             <a:pPr algn="ctr">
@@ -8901,23 +9150,7 @@
                 <a:ea typeface="Heiti SC Light" charset="-122"/>
                 <a:cs typeface="Heiti SC Light" charset="-122"/>
               </a:rPr>
-              <a:t>(</a:t>
-            </a:r>
-            <a:r>
-              <a:rPr kumimoji="1" lang="en-US" altLang="zh-CN" sz="1400" dirty="0" smtClean="0">
-                <a:latin typeface="Heiti SC Light" charset="-122"/>
-                <a:ea typeface="Heiti SC Light" charset="-122"/>
-                <a:cs typeface="Heiti SC Light" charset="-122"/>
-              </a:rPr>
-              <a:t>API</a:t>
-            </a:r>
-            <a:r>
-              <a:rPr kumimoji="1" lang="en-US" altLang="zh-CN" sz="1400" dirty="0" smtClean="0">
-                <a:latin typeface="Heiti SC Light" charset="-122"/>
-                <a:ea typeface="Heiti SC Light" charset="-122"/>
-                <a:cs typeface="Heiti SC Light" charset="-122"/>
-              </a:rPr>
-              <a:t>)</a:t>
+              <a:t>(API)</a:t>
             </a:r>
             <a:endParaRPr kumimoji="1" lang="zh-CN" altLang="en-US" sz="1400" dirty="0">
               <a:latin typeface="Heiti SC Light" charset="-122"/>
@@ -9143,7 +9376,7 @@
               <a:defRPr/>
             </a:pPr>
             <a:r>
-              <a:rPr kumimoji="1" lang="en-US" altLang="zh-CN" sz="1400" dirty="0" err="1">
+              <a:rPr kumimoji="1" lang="en-US" altLang="zh-CN" sz="1400" dirty="0">
                 <a:latin typeface="Heiti SC Light" charset="-122"/>
                 <a:ea typeface="Heiti SC Light" charset="-122"/>
                 <a:cs typeface="Heiti SC Light" charset="-122"/>
@@ -9366,7 +9599,7 @@
               <a:defRPr/>
             </a:pPr>
             <a:r>
-              <a:rPr kumimoji="1" lang="en-US" altLang="zh-CN" sz="1400" dirty="0" err="1" smtClean="0">
+              <a:rPr kumimoji="1" lang="en-US" altLang="zh-CN" sz="1400" dirty="0" smtClean="0">
                 <a:latin typeface="Heiti SC Light" charset="-122"/>
                 <a:ea typeface="Heiti SC Light" charset="-122"/>
                 <a:cs typeface="Heiti SC Light" charset="-122"/>
@@ -10808,7 +11041,7 @@
           <a:p>
             <a:pPr algn="ctr"/>
             <a:r>
-              <a:rPr kumimoji="1" lang="en-US" altLang="zh-CN" sz="1400" dirty="0" err="1">
+              <a:rPr kumimoji="1" lang="en-US" altLang="zh-CN" sz="1400" dirty="0">
                 <a:latin typeface="Heiti SC Light" charset="-122"/>
                 <a:ea typeface="Heiti SC Light" charset="-122"/>
                 <a:cs typeface="Heiti SC Light" charset="-122"/>
@@ -11243,11 +11476,6 @@
               </a:rPr>
               <a:t>回调线程</a:t>
             </a:r>
-            <a:endParaRPr kumimoji="1" lang="zh-CN" altLang="en-US" sz="1400" dirty="0">
-              <a:latin typeface="Heiti SC Light" charset="-122"/>
-              <a:ea typeface="Heiti SC Light" charset="-122"/>
-              <a:cs typeface="Heiti SC Light" charset="-122"/>
-            </a:endParaRPr>
           </a:p>
         </p:txBody>
       </p:sp>
@@ -11485,6 +11713,2883 @@
     <p:extLst>
       <p:ext uri="{BB962C8B-B14F-4D97-AF65-F5344CB8AC3E}">
         <p14:creationId xmlns:p14="http://schemas.microsoft.com/office/powerpoint/2010/main" val="1678395511"/>
+      </p:ext>
+    </p:extLst>
+  </p:cSld>
+  <p:clrMapOvr>
+    <a:masterClrMapping/>
+  </p:clrMapOvr>
+  <p:timing>
+    <p:tnLst>
+      <p:par>
+        <p:cTn id="1" dur="indefinite" restart="never" nodeType="tmRoot"/>
+      </p:par>
+    </p:tnLst>
+  </p:timing>
+</p:sld>
+</file>
+
+<file path=ppt/slides/slide5.xml><?xml version="1.0" encoding="utf-8"?>
+<p:sld xmlns:a="http://schemas.openxmlformats.org/drawingml/2006/main" xmlns:r="http://schemas.openxmlformats.org/officeDocument/2006/relationships" xmlns:p="http://schemas.openxmlformats.org/presentationml/2006/main">
+  <p:cSld>
+    <p:spTree>
+      <p:nvGrpSpPr>
+        <p:cNvPr id="1" name=""/>
+        <p:cNvGrpSpPr/>
+        <p:nvPr/>
+      </p:nvGrpSpPr>
+      <p:grpSpPr>
+        <a:xfrm>
+          <a:off x="0" y="0"/>
+          <a:ext cx="0" cy="0"/>
+          <a:chOff x="0" y="0"/>
+          <a:chExt cx="0" cy="0"/>
+        </a:xfrm>
+      </p:grpSpPr>
+      <p:sp>
+        <p:nvSpPr>
+          <p:cNvPr id="49" name="矩形 48"/>
+          <p:cNvSpPr/>
+          <p:nvPr/>
+        </p:nvSpPr>
+        <p:spPr>
+          <a:xfrm>
+            <a:off x="363855" y="355600"/>
+            <a:ext cx="11457940" cy="6147435"/>
+          </a:xfrm>
+          <a:prstGeom prst="rect">
+            <a:avLst/>
+          </a:prstGeom>
+          <a:pattFill prst="pct5">
+            <a:fgClr>
+              <a:schemeClr val="accent1"/>
+            </a:fgClr>
+            <a:bgClr>
+              <a:schemeClr val="bg1"/>
+            </a:bgClr>
+          </a:pattFill>
+          <a:ln w="28575" cmpd="sng">
+            <a:noFill/>
+            <a:prstDash val="dash"/>
+          </a:ln>
+        </p:spPr>
+        <p:style>
+          <a:lnRef idx="2">
+            <a:schemeClr val="accent3"/>
+          </a:lnRef>
+          <a:fillRef idx="1">
+            <a:schemeClr val="lt1"/>
+          </a:fillRef>
+          <a:effectRef idx="0">
+            <a:schemeClr val="accent3"/>
+          </a:effectRef>
+          <a:fontRef idx="minor">
+            <a:schemeClr val="dk1"/>
+          </a:fontRef>
+        </p:style>
+        <p:txBody>
+          <a:bodyPr rtlCol="0" anchor="b"/>
+          <a:lstStyle/>
+          <a:p>
+            <a:pPr algn="ctr"/>
+            <a:r>
+              <a:rPr lang="en-US" altLang="zh-CN" sz="3200" b="1" dirty="0" smtClean="0"/>
+              <a:t>XXL-JOB</a:t>
+            </a:r>
+            <a:r>
+              <a:rPr lang="zh-CN" altLang="en-US" sz="3200" b="1" dirty="0"/>
+              <a:t>架构图 </a:t>
+            </a:r>
+            <a:r>
+              <a:rPr lang="en-US" altLang="zh-CN" sz="3200" b="1" dirty="0" smtClean="0"/>
+              <a:t>v1.8</a:t>
+            </a:r>
+            <a:endParaRPr lang="en-US" altLang="zh-CN" sz="3200" b="1" dirty="0"/>
+          </a:p>
+        </p:txBody>
+      </p:sp>
+      <p:sp>
+        <p:nvSpPr>
+          <p:cNvPr id="14" name="矩形 13"/>
+          <p:cNvSpPr/>
+          <p:nvPr/>
+        </p:nvSpPr>
+        <p:spPr>
+          <a:xfrm>
+            <a:off x="622491" y="576163"/>
+            <a:ext cx="5778309" cy="5176329"/>
+          </a:xfrm>
+          <a:prstGeom prst="rect">
+            <a:avLst/>
+          </a:prstGeom>
+          <a:solidFill>
+            <a:srgbClr val="9FC2E8"/>
+          </a:solidFill>
+          <a:ln>
+            <a:noFill/>
+          </a:ln>
+        </p:spPr>
+        <p:style>
+          <a:lnRef idx="2">
+            <a:schemeClr val="accent1">
+              <a:shade val="50000"/>
+            </a:schemeClr>
+          </a:lnRef>
+          <a:fillRef idx="1">
+            <a:schemeClr val="accent1"/>
+          </a:fillRef>
+          <a:effectRef idx="0">
+            <a:schemeClr val="accent1"/>
+          </a:effectRef>
+          <a:fontRef idx="minor">
+            <a:schemeClr val="lt1"/>
+          </a:fontRef>
+        </p:style>
+        <p:txBody>
+          <a:bodyPr anchor="b"/>
+          <a:lstStyle/>
+          <a:p>
+            <a:pPr algn="ctr">
+              <a:defRPr/>
+            </a:pPr>
+            <a:r>
+              <a:rPr kumimoji="1" lang="zh-CN" altLang="en-US" sz="1600" b="1" dirty="0">
+                <a:solidFill>
+                  <a:schemeClr val="tx1"/>
+                </a:solidFill>
+                <a:latin typeface="Heiti SC Light" charset="-122"/>
+                <a:ea typeface="Heiti SC Light" charset="-122"/>
+                <a:cs typeface="Heiti SC Light" charset="-122"/>
+              </a:rPr>
+              <a:t>调度中心</a:t>
+            </a:r>
+          </a:p>
+        </p:txBody>
+      </p:sp>
+      <p:sp>
+        <p:nvSpPr>
+          <p:cNvPr id="7" name="进程 6"/>
+          <p:cNvSpPr/>
+          <p:nvPr/>
+        </p:nvSpPr>
+        <p:spPr>
+          <a:xfrm>
+            <a:off x="720867" y="4786674"/>
+            <a:ext cx="3336094" cy="442510"/>
+          </a:xfrm>
+          <a:prstGeom prst="flowChartProcess">
+            <a:avLst/>
+          </a:prstGeom>
+          <a:ln/>
+        </p:spPr>
+        <p:style>
+          <a:lnRef idx="1">
+            <a:schemeClr val="accent4"/>
+          </a:lnRef>
+          <a:fillRef idx="2">
+            <a:schemeClr val="accent4"/>
+          </a:fillRef>
+          <a:effectRef idx="1">
+            <a:schemeClr val="accent4"/>
+          </a:effectRef>
+          <a:fontRef idx="minor">
+            <a:schemeClr val="dk1"/>
+          </a:fontRef>
+        </p:style>
+        <p:txBody>
+          <a:bodyPr anchor="ctr"/>
+          <a:lstStyle/>
+          <a:p>
+            <a:pPr algn="ctr">
+              <a:defRPr/>
+            </a:pPr>
+            <a:r>
+              <a:rPr kumimoji="1" lang="zh-CN" altLang="en-US" sz="1600" b="1" smtClean="0">
+                <a:latin typeface="Heiti SC Light" charset="-122"/>
+                <a:ea typeface="Heiti SC Light" charset="-122"/>
+                <a:cs typeface="Heiti SC Light" charset="-122"/>
+              </a:rPr>
+              <a:t>数据中心</a:t>
+            </a:r>
+            <a:endParaRPr kumimoji="1" lang="zh-CN" altLang="en-US" sz="1600" b="1" dirty="0">
+              <a:latin typeface="Heiti SC Light" charset="-122"/>
+              <a:ea typeface="Heiti SC Light" charset="-122"/>
+              <a:cs typeface="Heiti SC Light" charset="-122"/>
+            </a:endParaRPr>
+          </a:p>
+        </p:txBody>
+      </p:sp>
+      <p:sp>
+        <p:nvSpPr>
+          <p:cNvPr id="9" name="矩形 8"/>
+          <p:cNvSpPr/>
+          <p:nvPr/>
+        </p:nvSpPr>
+        <p:spPr>
+          <a:xfrm>
+            <a:off x="5931089" y="7076091"/>
+            <a:ext cx="2920811" cy="841124"/>
+          </a:xfrm>
+          <a:prstGeom prst="rect">
+            <a:avLst/>
+          </a:prstGeom>
+          <a:solidFill>
+            <a:srgbClr val="E8DDF4"/>
+          </a:solidFill>
+          <a:ln>
+            <a:noFill/>
+          </a:ln>
+        </p:spPr>
+        <p:style>
+          <a:lnRef idx="1">
+            <a:schemeClr val="accent1"/>
+          </a:lnRef>
+          <a:fillRef idx="2">
+            <a:schemeClr val="accent1"/>
+          </a:fillRef>
+          <a:effectRef idx="1">
+            <a:schemeClr val="accent1"/>
+          </a:effectRef>
+          <a:fontRef idx="minor">
+            <a:schemeClr val="dk1"/>
+          </a:fontRef>
+        </p:style>
+        <p:txBody>
+          <a:bodyPr anchor="b"/>
+          <a:lstStyle/>
+          <a:p>
+            <a:pPr algn="ctr">
+              <a:defRPr/>
+            </a:pPr>
+            <a:r>
+              <a:rPr kumimoji="1" lang="zh-CN" altLang="en-US" sz="1600" b="1" dirty="0" smtClean="0">
+                <a:latin typeface="Heiti SC Light" charset="-122"/>
+                <a:ea typeface="Heiti SC Light" charset="-122"/>
+                <a:cs typeface="Heiti SC Light" charset="-122"/>
+              </a:rPr>
+              <a:t>注册中心</a:t>
+            </a:r>
+            <a:endParaRPr kumimoji="1" lang="zh-CN" altLang="en-US" sz="1600" b="1" dirty="0">
+              <a:latin typeface="Heiti SC Light" charset="-122"/>
+              <a:ea typeface="Heiti SC Light" charset="-122"/>
+              <a:cs typeface="Heiti SC Light" charset="-122"/>
+            </a:endParaRPr>
+          </a:p>
+        </p:txBody>
+      </p:sp>
+      <p:sp>
+        <p:nvSpPr>
+          <p:cNvPr id="29" name="可选流程 28"/>
+          <p:cNvSpPr/>
+          <p:nvPr/>
+        </p:nvSpPr>
+        <p:spPr>
+          <a:xfrm>
+            <a:off x="4271056" y="4568832"/>
+            <a:ext cx="1659412" cy="572325"/>
+          </a:xfrm>
+          <a:prstGeom prst="flowChartAlternateProcess">
+            <a:avLst/>
+          </a:prstGeom>
+          <a:solidFill>
+            <a:srgbClr val="9379B3"/>
+          </a:solidFill>
+        </p:spPr>
+        <p:style>
+          <a:lnRef idx="0">
+            <a:schemeClr val="accent1"/>
+          </a:lnRef>
+          <a:fillRef idx="3">
+            <a:schemeClr val="accent1"/>
+          </a:fillRef>
+          <a:effectRef idx="3">
+            <a:schemeClr val="accent1"/>
+          </a:effectRef>
+          <a:fontRef idx="minor">
+            <a:schemeClr val="lt1"/>
+          </a:fontRef>
+        </p:style>
+        <p:txBody>
+          <a:bodyPr anchor="ctr"/>
+          <a:lstStyle/>
+          <a:p>
+            <a:pPr algn="ctr">
+              <a:defRPr/>
+            </a:pPr>
+            <a:r>
+              <a:rPr kumimoji="1" lang="zh-CN" altLang="en-US" sz="1400" dirty="0" smtClean="0">
+                <a:latin typeface="Heiti SC Light" charset="-122"/>
+                <a:ea typeface="Heiti SC Light" charset="-122"/>
+                <a:cs typeface="Heiti SC Light" charset="-122"/>
+              </a:rPr>
+              <a:t>注册服务</a:t>
+            </a:r>
+          </a:p>
+          <a:p>
+            <a:pPr algn="ctr">
+              <a:defRPr/>
+            </a:pPr>
+            <a:r>
+              <a:rPr kumimoji="1" lang="en-US" altLang="zh-CN" sz="1400" dirty="0" smtClean="0">
+                <a:latin typeface="Heiti SC Light" charset="-122"/>
+                <a:ea typeface="Heiti SC Light" charset="-122"/>
+                <a:cs typeface="Heiti SC Light" charset="-122"/>
+              </a:rPr>
+              <a:t>(API)</a:t>
+            </a:r>
+            <a:endParaRPr kumimoji="1" lang="zh-CN" altLang="en-US" sz="1400" dirty="0">
+              <a:latin typeface="Heiti SC Light" charset="-122"/>
+              <a:ea typeface="Heiti SC Light" charset="-122"/>
+              <a:cs typeface="Heiti SC Light" charset="-122"/>
+            </a:endParaRPr>
+          </a:p>
+        </p:txBody>
+      </p:sp>
+      <p:sp>
+        <p:nvSpPr>
+          <p:cNvPr id="4" name="矩形 3"/>
+          <p:cNvSpPr/>
+          <p:nvPr/>
+        </p:nvSpPr>
+        <p:spPr>
+          <a:xfrm>
+            <a:off x="720867" y="688297"/>
+            <a:ext cx="1672839" cy="1961502"/>
+          </a:xfrm>
+          <a:prstGeom prst="rect">
+            <a:avLst/>
+          </a:prstGeom>
+          <a:solidFill>
+            <a:srgbClr val="E0EBFF"/>
+          </a:solidFill>
+          <a:ln>
+            <a:noFill/>
+          </a:ln>
+        </p:spPr>
+        <p:style>
+          <a:lnRef idx="1">
+            <a:schemeClr val="accent1"/>
+          </a:lnRef>
+          <a:fillRef idx="2">
+            <a:schemeClr val="accent1"/>
+          </a:fillRef>
+          <a:effectRef idx="1">
+            <a:schemeClr val="accent1"/>
+          </a:effectRef>
+          <a:fontRef idx="minor">
+            <a:schemeClr val="dk1"/>
+          </a:fontRef>
+        </p:style>
+        <p:txBody>
+          <a:bodyPr anchor="t"/>
+          <a:lstStyle/>
+          <a:p>
+            <a:pPr algn="ctr">
+              <a:defRPr/>
+            </a:pPr>
+            <a:r>
+              <a:rPr kumimoji="1" lang="zh-CN" altLang="en-US" sz="1400" dirty="0" smtClean="0">
+                <a:latin typeface="Heiti SC Light" charset="-122"/>
+                <a:ea typeface="Heiti SC Light" charset="-122"/>
+                <a:cs typeface="Heiti SC Light" charset="-122"/>
+              </a:rPr>
+              <a:t>任务管理</a:t>
+            </a:r>
+            <a:endParaRPr kumimoji="1" lang="zh-CN" altLang="en-US" sz="1400" dirty="0">
+              <a:latin typeface="Heiti SC Light" charset="-122"/>
+              <a:ea typeface="Heiti SC Light" charset="-122"/>
+              <a:cs typeface="Heiti SC Light" charset="-122"/>
+            </a:endParaRPr>
+          </a:p>
+        </p:txBody>
+      </p:sp>
+      <p:sp>
+        <p:nvSpPr>
+          <p:cNvPr id="5" name="可选流程 4"/>
+          <p:cNvSpPr/>
+          <p:nvPr/>
+        </p:nvSpPr>
+        <p:spPr>
+          <a:xfrm>
+            <a:off x="799893" y="1015627"/>
+            <a:ext cx="1535914" cy="251629"/>
+          </a:xfrm>
+          <a:prstGeom prst="flowChartAlternateProcess">
+            <a:avLst/>
+          </a:prstGeom>
+          <a:solidFill>
+            <a:srgbClr val="6095C9"/>
+          </a:solidFill>
+        </p:spPr>
+        <p:style>
+          <a:lnRef idx="0">
+            <a:schemeClr val="accent1"/>
+          </a:lnRef>
+          <a:fillRef idx="3">
+            <a:schemeClr val="accent1"/>
+          </a:fillRef>
+          <a:effectRef idx="3">
+            <a:schemeClr val="accent1"/>
+          </a:effectRef>
+          <a:fontRef idx="minor">
+            <a:schemeClr val="lt1"/>
+          </a:fontRef>
+        </p:style>
+        <p:txBody>
+          <a:bodyPr anchor="ctr"/>
+          <a:lstStyle/>
+          <a:p>
+            <a:pPr>
+              <a:defRPr/>
+            </a:pPr>
+            <a:r>
+              <a:rPr kumimoji="1" lang="zh-CN" altLang="en-US" sz="1400" dirty="0" smtClean="0">
+                <a:latin typeface="Heiti SC Light" charset="-122"/>
+                <a:ea typeface="Heiti SC Light" charset="-122"/>
+                <a:cs typeface="Heiti SC Light" charset="-122"/>
+              </a:rPr>
+              <a:t>执行器</a:t>
+            </a:r>
+            <a:endParaRPr kumimoji="1" lang="zh-CN" altLang="en-US" sz="1400" dirty="0">
+              <a:latin typeface="Heiti SC Light" charset="-122"/>
+              <a:ea typeface="Heiti SC Light" charset="-122"/>
+              <a:cs typeface="Heiti SC Light" charset="-122"/>
+            </a:endParaRPr>
+          </a:p>
+        </p:txBody>
+      </p:sp>
+      <p:sp>
+        <p:nvSpPr>
+          <p:cNvPr id="60" name="可选流程 59"/>
+          <p:cNvSpPr/>
+          <p:nvPr/>
+        </p:nvSpPr>
+        <p:spPr>
+          <a:xfrm>
+            <a:off x="799893" y="1406309"/>
+            <a:ext cx="1535914" cy="281598"/>
+          </a:xfrm>
+          <a:prstGeom prst="flowChartAlternateProcess">
+            <a:avLst/>
+          </a:prstGeom>
+          <a:solidFill>
+            <a:srgbClr val="6095C9"/>
+          </a:solidFill>
+        </p:spPr>
+        <p:style>
+          <a:lnRef idx="0">
+            <a:schemeClr val="accent1"/>
+          </a:lnRef>
+          <a:fillRef idx="3">
+            <a:schemeClr val="accent1"/>
+          </a:fillRef>
+          <a:effectRef idx="3">
+            <a:schemeClr val="accent1"/>
+          </a:effectRef>
+          <a:fontRef idx="minor">
+            <a:schemeClr val="lt1"/>
+          </a:fontRef>
+        </p:style>
+        <p:txBody>
+          <a:bodyPr anchor="ctr"/>
+          <a:lstStyle/>
+          <a:p>
+            <a:pPr>
+              <a:defRPr/>
+            </a:pPr>
+            <a:r>
+              <a:rPr kumimoji="1" lang="zh-CN" altLang="en-US" sz="1400" dirty="0">
+                <a:latin typeface="Heiti SC Light" charset="-122"/>
+                <a:ea typeface="Heiti SC Light" charset="-122"/>
+                <a:cs typeface="Heiti SC Light" charset="-122"/>
+              </a:rPr>
+              <a:t>任务</a:t>
+            </a:r>
+            <a:r>
+              <a:rPr kumimoji="1" lang="zh-CN" altLang="en-US" sz="1400" dirty="0" smtClean="0">
+                <a:latin typeface="Heiti SC Light" charset="-122"/>
+                <a:ea typeface="Heiti SC Light" charset="-122"/>
+                <a:cs typeface="Heiti SC Light" charset="-122"/>
+              </a:rPr>
+              <a:t>模式</a:t>
+            </a:r>
+            <a:endParaRPr kumimoji="1" lang="zh-CN" altLang="en-US" sz="1400" dirty="0">
+              <a:latin typeface="Heiti SC Light" charset="-122"/>
+              <a:ea typeface="Heiti SC Light" charset="-122"/>
+              <a:cs typeface="Heiti SC Light" charset="-122"/>
+            </a:endParaRPr>
+          </a:p>
+        </p:txBody>
+      </p:sp>
+      <p:sp>
+        <p:nvSpPr>
+          <p:cNvPr id="62" name="可选流程 61"/>
+          <p:cNvSpPr/>
+          <p:nvPr/>
+        </p:nvSpPr>
+        <p:spPr>
+          <a:xfrm>
+            <a:off x="799893" y="1830646"/>
+            <a:ext cx="1535914" cy="255324"/>
+          </a:xfrm>
+          <a:prstGeom prst="flowChartAlternateProcess">
+            <a:avLst/>
+          </a:prstGeom>
+          <a:solidFill>
+            <a:srgbClr val="6095C9"/>
+          </a:solidFill>
+        </p:spPr>
+        <p:style>
+          <a:lnRef idx="0">
+            <a:schemeClr val="accent1"/>
+          </a:lnRef>
+          <a:fillRef idx="3">
+            <a:schemeClr val="accent1"/>
+          </a:fillRef>
+          <a:effectRef idx="3">
+            <a:schemeClr val="accent1"/>
+          </a:effectRef>
+          <a:fontRef idx="minor">
+            <a:schemeClr val="lt1"/>
+          </a:fontRef>
+        </p:style>
+        <p:txBody>
+          <a:bodyPr anchor="ctr"/>
+          <a:lstStyle/>
+          <a:p>
+            <a:pPr>
+              <a:defRPr/>
+            </a:pPr>
+            <a:r>
+              <a:rPr kumimoji="1" lang="en-US" altLang="zh-CN" sz="1400" dirty="0">
+                <a:latin typeface="Heiti SC Light" charset="-122"/>
+                <a:ea typeface="Heiti SC Light" charset="-122"/>
+                <a:cs typeface="Heiti SC Light" charset="-122"/>
+              </a:rPr>
+              <a:t>JobHandler</a:t>
+            </a:r>
+            <a:endParaRPr kumimoji="1" lang="zh-CN" altLang="en-US" sz="1400" dirty="0">
+              <a:latin typeface="Heiti SC Light" charset="-122"/>
+              <a:ea typeface="Heiti SC Light" charset="-122"/>
+              <a:cs typeface="Heiti SC Light" charset="-122"/>
+            </a:endParaRPr>
+          </a:p>
+        </p:txBody>
+      </p:sp>
+      <p:sp>
+        <p:nvSpPr>
+          <p:cNvPr id="63" name="可选流程 62"/>
+          <p:cNvSpPr/>
+          <p:nvPr/>
+        </p:nvSpPr>
+        <p:spPr>
+          <a:xfrm>
+            <a:off x="799893" y="2206727"/>
+            <a:ext cx="1535914" cy="274201"/>
+          </a:xfrm>
+          <a:prstGeom prst="flowChartAlternateProcess">
+            <a:avLst/>
+          </a:prstGeom>
+          <a:solidFill>
+            <a:srgbClr val="6095C9"/>
+          </a:solidFill>
+        </p:spPr>
+        <p:style>
+          <a:lnRef idx="0">
+            <a:schemeClr val="accent1"/>
+          </a:lnRef>
+          <a:fillRef idx="3">
+            <a:schemeClr val="accent1"/>
+          </a:fillRef>
+          <a:effectRef idx="3">
+            <a:schemeClr val="accent1"/>
+          </a:effectRef>
+          <a:fontRef idx="minor">
+            <a:schemeClr val="lt1"/>
+          </a:fontRef>
+        </p:style>
+        <p:txBody>
+          <a:bodyPr anchor="ctr"/>
+          <a:lstStyle/>
+          <a:p>
+            <a:pPr>
+              <a:defRPr/>
+            </a:pPr>
+            <a:r>
+              <a:rPr kumimoji="1" lang="en-US" altLang="zh-CN" sz="1400" dirty="0" smtClean="0">
+                <a:latin typeface="Heiti SC Light" charset="-122"/>
+                <a:ea typeface="Heiti SC Light" charset="-122"/>
+                <a:cs typeface="Heiti SC Light" charset="-122"/>
+              </a:rPr>
+              <a:t>……</a:t>
+            </a:r>
+            <a:endParaRPr kumimoji="1" lang="zh-CN" altLang="en-US" sz="1400" dirty="0">
+              <a:latin typeface="Heiti SC Light" charset="-122"/>
+              <a:ea typeface="Heiti SC Light" charset="-122"/>
+              <a:cs typeface="Heiti SC Light" charset="-122"/>
+            </a:endParaRPr>
+          </a:p>
+        </p:txBody>
+      </p:sp>
+      <p:sp>
+        <p:nvSpPr>
+          <p:cNvPr id="10" name="矩形 9"/>
+          <p:cNvSpPr/>
+          <p:nvPr/>
+        </p:nvSpPr>
+        <p:spPr>
+          <a:xfrm>
+            <a:off x="2388914" y="688297"/>
+            <a:ext cx="1668047" cy="1961502"/>
+          </a:xfrm>
+          <a:prstGeom prst="rect">
+            <a:avLst/>
+          </a:prstGeom>
+          <a:solidFill>
+            <a:srgbClr val="DEF7FF"/>
+          </a:solidFill>
+          <a:ln>
+            <a:noFill/>
+          </a:ln>
+        </p:spPr>
+        <p:style>
+          <a:lnRef idx="1">
+            <a:schemeClr val="accent1"/>
+          </a:lnRef>
+          <a:fillRef idx="2">
+            <a:schemeClr val="accent1"/>
+          </a:fillRef>
+          <a:effectRef idx="1">
+            <a:schemeClr val="accent1"/>
+          </a:effectRef>
+          <a:fontRef idx="minor">
+            <a:schemeClr val="dk1"/>
+          </a:fontRef>
+        </p:style>
+        <p:txBody>
+          <a:bodyPr anchor="t"/>
+          <a:lstStyle/>
+          <a:p>
+            <a:pPr algn="ctr">
+              <a:defRPr/>
+            </a:pPr>
+            <a:r>
+              <a:rPr kumimoji="1" lang="zh-CN" altLang="en-US" sz="1400" b="1" dirty="0" smtClean="0">
+                <a:latin typeface="Heiti SC Light" charset="-122"/>
+                <a:ea typeface="Heiti SC Light" charset="-122"/>
+                <a:cs typeface="Heiti SC Light" charset="-122"/>
+              </a:rPr>
+              <a:t>执行器管理</a:t>
+            </a:r>
+            <a:endParaRPr kumimoji="1" lang="zh-CN" altLang="en-US" sz="1400" b="1" dirty="0">
+              <a:latin typeface="Heiti SC Light" charset="-122"/>
+              <a:ea typeface="Heiti SC Light" charset="-122"/>
+              <a:cs typeface="Heiti SC Light" charset="-122"/>
+            </a:endParaRPr>
+          </a:p>
+        </p:txBody>
+      </p:sp>
+      <p:sp>
+        <p:nvSpPr>
+          <p:cNvPr id="40" name="可选流程 39"/>
+          <p:cNvSpPr/>
+          <p:nvPr/>
+        </p:nvSpPr>
+        <p:spPr>
+          <a:xfrm>
+            <a:off x="2491980" y="1009669"/>
+            <a:ext cx="1432847" cy="272004"/>
+          </a:xfrm>
+          <a:prstGeom prst="flowChartAlternateProcess">
+            <a:avLst/>
+          </a:prstGeom>
+          <a:solidFill>
+            <a:srgbClr val="4BACC6"/>
+          </a:solidFill>
+        </p:spPr>
+        <p:style>
+          <a:lnRef idx="0">
+            <a:schemeClr val="accent1"/>
+          </a:lnRef>
+          <a:fillRef idx="3">
+            <a:schemeClr val="accent1"/>
+          </a:fillRef>
+          <a:effectRef idx="3">
+            <a:schemeClr val="accent1"/>
+          </a:effectRef>
+          <a:fontRef idx="minor">
+            <a:schemeClr val="lt1"/>
+          </a:fontRef>
+        </p:style>
+        <p:txBody>
+          <a:bodyPr anchor="ctr"/>
+          <a:lstStyle/>
+          <a:p>
+            <a:pPr>
+              <a:defRPr/>
+            </a:pPr>
+            <a:r>
+              <a:rPr kumimoji="1" lang="zh-CN" altLang="en-US" sz="1400" dirty="0" smtClean="0">
+                <a:latin typeface="Heiti SC Light" charset="-122"/>
+                <a:ea typeface="Heiti SC Light" charset="-122"/>
+                <a:cs typeface="Heiti SC Light" charset="-122"/>
+              </a:rPr>
+              <a:t>注册方式</a:t>
+            </a:r>
+            <a:endParaRPr kumimoji="1" lang="zh-CN" altLang="en-US" sz="1400" dirty="0">
+              <a:latin typeface="Heiti SC Light" charset="-122"/>
+              <a:ea typeface="Heiti SC Light" charset="-122"/>
+              <a:cs typeface="Heiti SC Light" charset="-122"/>
+            </a:endParaRPr>
+          </a:p>
+        </p:txBody>
+      </p:sp>
+      <p:sp>
+        <p:nvSpPr>
+          <p:cNvPr id="66" name="可选流程 65"/>
+          <p:cNvSpPr/>
+          <p:nvPr/>
+        </p:nvSpPr>
+        <p:spPr>
+          <a:xfrm>
+            <a:off x="2491979" y="1400460"/>
+            <a:ext cx="1432847" cy="275832"/>
+          </a:xfrm>
+          <a:prstGeom prst="flowChartAlternateProcess">
+            <a:avLst/>
+          </a:prstGeom>
+          <a:solidFill>
+            <a:srgbClr val="4BACC6"/>
+          </a:solidFill>
+        </p:spPr>
+        <p:style>
+          <a:lnRef idx="0">
+            <a:schemeClr val="accent1"/>
+          </a:lnRef>
+          <a:fillRef idx="3">
+            <a:schemeClr val="accent1"/>
+          </a:fillRef>
+          <a:effectRef idx="3">
+            <a:schemeClr val="accent1"/>
+          </a:effectRef>
+          <a:fontRef idx="minor">
+            <a:schemeClr val="lt1"/>
+          </a:fontRef>
+        </p:style>
+        <p:txBody>
+          <a:bodyPr anchor="ctr"/>
+          <a:lstStyle/>
+          <a:p>
+            <a:pPr>
+              <a:defRPr/>
+            </a:pPr>
+            <a:r>
+              <a:rPr kumimoji="1" lang="en-US" altLang="zh-CN" sz="1400" dirty="0" smtClean="0">
+                <a:latin typeface="Heiti SC Light" charset="-122"/>
+                <a:ea typeface="Heiti SC Light" charset="-122"/>
+                <a:cs typeface="Heiti SC Light" charset="-122"/>
+              </a:rPr>
+              <a:t>AppName</a:t>
+            </a:r>
+            <a:endParaRPr kumimoji="1" lang="zh-CN" altLang="en-US" sz="1400" dirty="0">
+              <a:latin typeface="Heiti SC Light" charset="-122"/>
+              <a:ea typeface="Heiti SC Light" charset="-122"/>
+              <a:cs typeface="Heiti SC Light" charset="-122"/>
+            </a:endParaRPr>
+          </a:p>
+        </p:txBody>
+      </p:sp>
+      <p:sp>
+        <p:nvSpPr>
+          <p:cNvPr id="67" name="可选流程 66"/>
+          <p:cNvSpPr/>
+          <p:nvPr/>
+        </p:nvSpPr>
+        <p:spPr>
+          <a:xfrm>
+            <a:off x="2491978" y="1834820"/>
+            <a:ext cx="1432847" cy="263850"/>
+          </a:xfrm>
+          <a:prstGeom prst="flowChartAlternateProcess">
+            <a:avLst/>
+          </a:prstGeom>
+          <a:solidFill>
+            <a:srgbClr val="4BACC6"/>
+          </a:solidFill>
+        </p:spPr>
+        <p:style>
+          <a:lnRef idx="0">
+            <a:schemeClr val="accent1"/>
+          </a:lnRef>
+          <a:fillRef idx="3">
+            <a:schemeClr val="accent1"/>
+          </a:fillRef>
+          <a:effectRef idx="3">
+            <a:schemeClr val="accent1"/>
+          </a:effectRef>
+          <a:fontRef idx="minor">
+            <a:schemeClr val="lt1"/>
+          </a:fontRef>
+        </p:style>
+        <p:txBody>
+          <a:bodyPr anchor="ctr"/>
+          <a:lstStyle/>
+          <a:p>
+            <a:pPr>
+              <a:defRPr/>
+            </a:pPr>
+            <a:r>
+              <a:rPr kumimoji="1" lang="zh-CN" altLang="en-US" sz="1400" dirty="0" smtClean="0">
+                <a:latin typeface="Heiti SC Light" charset="-122"/>
+                <a:ea typeface="Heiti SC Light" charset="-122"/>
+                <a:cs typeface="Heiti SC Light" charset="-122"/>
+              </a:rPr>
+              <a:t>机器地址列表</a:t>
+            </a:r>
+            <a:endParaRPr kumimoji="1" lang="zh-CN" altLang="en-US" sz="1400" dirty="0">
+              <a:latin typeface="Heiti SC Light" charset="-122"/>
+              <a:ea typeface="Heiti SC Light" charset="-122"/>
+              <a:cs typeface="Heiti SC Light" charset="-122"/>
+            </a:endParaRPr>
+          </a:p>
+        </p:txBody>
+      </p:sp>
+      <p:sp>
+        <p:nvSpPr>
+          <p:cNvPr id="68" name="可选流程 67"/>
+          <p:cNvSpPr/>
+          <p:nvPr/>
+        </p:nvSpPr>
+        <p:spPr>
+          <a:xfrm>
+            <a:off x="2491977" y="2217078"/>
+            <a:ext cx="1432847" cy="263850"/>
+          </a:xfrm>
+          <a:prstGeom prst="flowChartAlternateProcess">
+            <a:avLst/>
+          </a:prstGeom>
+          <a:solidFill>
+            <a:srgbClr val="4BACC6"/>
+          </a:solidFill>
+        </p:spPr>
+        <p:style>
+          <a:lnRef idx="0">
+            <a:schemeClr val="accent1"/>
+          </a:lnRef>
+          <a:fillRef idx="3">
+            <a:schemeClr val="accent1"/>
+          </a:fillRef>
+          <a:effectRef idx="3">
+            <a:schemeClr val="accent1"/>
+          </a:effectRef>
+          <a:fontRef idx="minor">
+            <a:schemeClr val="lt1"/>
+          </a:fontRef>
+        </p:style>
+        <p:txBody>
+          <a:bodyPr anchor="ctr"/>
+          <a:lstStyle/>
+          <a:p>
+            <a:pPr>
+              <a:defRPr/>
+            </a:pPr>
+            <a:r>
+              <a:rPr kumimoji="1" lang="en-US" altLang="zh-CN" sz="1400" dirty="0" smtClean="0">
+                <a:latin typeface="Heiti SC Light" charset="-122"/>
+                <a:ea typeface="Heiti SC Light" charset="-122"/>
+                <a:cs typeface="Heiti SC Light" charset="-122"/>
+              </a:rPr>
+              <a:t>……</a:t>
+            </a:r>
+            <a:endParaRPr kumimoji="1" lang="zh-CN" altLang="en-US" sz="1400" dirty="0">
+              <a:latin typeface="Heiti SC Light" charset="-122"/>
+              <a:ea typeface="Heiti SC Light" charset="-122"/>
+              <a:cs typeface="Heiti SC Light" charset="-122"/>
+            </a:endParaRPr>
+          </a:p>
+        </p:txBody>
+      </p:sp>
+      <p:cxnSp>
+        <p:nvCxnSpPr>
+          <p:cNvPr id="86" name="直线箭头连接符 85"/>
+          <p:cNvCxnSpPr/>
+          <p:nvPr/>
+        </p:nvCxnSpPr>
+        <p:spPr>
+          <a:xfrm>
+            <a:off x="11955553" y="7258143"/>
+            <a:ext cx="9228" cy="410923"/>
+          </a:xfrm>
+          <a:prstGeom prst="straightConnector1">
+            <a:avLst/>
+          </a:prstGeom>
+          <a:ln w="28575">
+            <a:prstDash val="dash"/>
+            <a:headEnd type="none" w="med" len="med"/>
+            <a:tailEnd type="arrow" w="med" len="med"/>
+          </a:ln>
+        </p:spPr>
+        <p:style>
+          <a:lnRef idx="1">
+            <a:schemeClr val="accent1"/>
+          </a:lnRef>
+          <a:fillRef idx="0">
+            <a:schemeClr val="accent1"/>
+          </a:fillRef>
+          <a:effectRef idx="0">
+            <a:schemeClr val="accent1"/>
+          </a:effectRef>
+          <a:fontRef idx="minor">
+            <a:schemeClr val="tx1"/>
+          </a:fontRef>
+        </p:style>
+      </p:cxnSp>
+      <p:cxnSp>
+        <p:nvCxnSpPr>
+          <p:cNvPr id="87" name="直线箭头连接符 86"/>
+          <p:cNvCxnSpPr/>
+          <p:nvPr/>
+        </p:nvCxnSpPr>
+        <p:spPr>
+          <a:xfrm flipV="1">
+            <a:off x="12192000" y="7245443"/>
+            <a:ext cx="0" cy="417180"/>
+          </a:xfrm>
+          <a:prstGeom prst="straightConnector1">
+            <a:avLst/>
+          </a:prstGeom>
+          <a:ln w="28575">
+            <a:prstDash val="dash"/>
+            <a:headEnd type="none" w="med" len="med"/>
+            <a:tailEnd type="arrow" w="med" len="med"/>
+          </a:ln>
+        </p:spPr>
+        <p:style>
+          <a:lnRef idx="1">
+            <a:schemeClr val="accent1"/>
+          </a:lnRef>
+          <a:fillRef idx="0">
+            <a:schemeClr val="accent1"/>
+          </a:fillRef>
+          <a:effectRef idx="0">
+            <a:schemeClr val="accent1"/>
+          </a:effectRef>
+          <a:fontRef idx="minor">
+            <a:schemeClr val="tx1"/>
+          </a:fontRef>
+        </p:style>
+      </p:cxnSp>
+      <p:sp>
+        <p:nvSpPr>
+          <p:cNvPr id="101" name="矩形 100"/>
+          <p:cNvSpPr/>
+          <p:nvPr/>
+        </p:nvSpPr>
+        <p:spPr>
+          <a:xfrm>
+            <a:off x="6400801" y="576163"/>
+            <a:ext cx="5181600" cy="5176329"/>
+          </a:xfrm>
+          <a:prstGeom prst="rect">
+            <a:avLst/>
+          </a:prstGeom>
+          <a:ln>
+            <a:noFill/>
+          </a:ln>
+        </p:spPr>
+        <p:style>
+          <a:lnRef idx="1">
+            <a:schemeClr val="accent6"/>
+          </a:lnRef>
+          <a:fillRef idx="2">
+            <a:schemeClr val="accent6"/>
+          </a:fillRef>
+          <a:effectRef idx="1">
+            <a:schemeClr val="accent6"/>
+          </a:effectRef>
+          <a:fontRef idx="minor">
+            <a:schemeClr val="dk1"/>
+          </a:fontRef>
+        </p:style>
+        <p:txBody>
+          <a:bodyPr anchor="b"/>
+          <a:lstStyle/>
+          <a:p>
+            <a:pPr algn="ctr">
+              <a:defRPr/>
+            </a:pPr>
+            <a:r>
+              <a:rPr kumimoji="1" lang="zh-CN" altLang="en-US" sz="1600" b="1" dirty="0" smtClean="0">
+                <a:latin typeface="Heiti SC Light" charset="-122"/>
+                <a:ea typeface="Heiti SC Light" charset="-122"/>
+                <a:cs typeface="Heiti SC Light" charset="-122"/>
+              </a:rPr>
+              <a:t>执行器</a:t>
+            </a:r>
+            <a:endParaRPr kumimoji="1" lang="zh-CN" altLang="en-US" sz="1600" b="1" dirty="0">
+              <a:latin typeface="Heiti SC Light" charset="-122"/>
+              <a:ea typeface="Heiti SC Light" charset="-122"/>
+              <a:cs typeface="Heiti SC Light" charset="-122"/>
+            </a:endParaRPr>
+          </a:p>
+        </p:txBody>
+      </p:sp>
+      <p:cxnSp>
+        <p:nvCxnSpPr>
+          <p:cNvPr id="133" name="直线箭头连接符 132"/>
+          <p:cNvCxnSpPr/>
+          <p:nvPr/>
+        </p:nvCxnSpPr>
+        <p:spPr>
+          <a:xfrm>
+            <a:off x="12476487" y="7419060"/>
+            <a:ext cx="413345" cy="1"/>
+          </a:xfrm>
+          <a:prstGeom prst="straightConnector1">
+            <a:avLst/>
+          </a:prstGeom>
+          <a:ln w="28575">
+            <a:prstDash val="dash"/>
+            <a:headEnd type="none" w="med" len="med"/>
+            <a:tailEnd type="arrow" w="med" len="med"/>
+          </a:ln>
+        </p:spPr>
+        <p:style>
+          <a:lnRef idx="1">
+            <a:schemeClr val="accent1"/>
+          </a:lnRef>
+          <a:fillRef idx="0">
+            <a:schemeClr val="accent1"/>
+          </a:fillRef>
+          <a:effectRef idx="0">
+            <a:schemeClr val="accent1"/>
+          </a:effectRef>
+          <a:fontRef idx="minor">
+            <a:schemeClr val="tx1"/>
+          </a:fontRef>
+        </p:style>
+      </p:cxnSp>
+      <p:cxnSp>
+        <p:nvCxnSpPr>
+          <p:cNvPr id="134" name="直线箭头连接符 133"/>
+          <p:cNvCxnSpPr/>
+          <p:nvPr/>
+        </p:nvCxnSpPr>
+        <p:spPr>
+          <a:xfrm flipH="1">
+            <a:off x="12434527" y="7662622"/>
+            <a:ext cx="429217" cy="1"/>
+          </a:xfrm>
+          <a:prstGeom prst="straightConnector1">
+            <a:avLst/>
+          </a:prstGeom>
+          <a:ln w="28575">
+            <a:prstDash val="dash"/>
+            <a:headEnd type="none" w="med" len="med"/>
+            <a:tailEnd type="arrow" w="med" len="med"/>
+          </a:ln>
+        </p:spPr>
+        <p:style>
+          <a:lnRef idx="1">
+            <a:schemeClr val="accent1"/>
+          </a:lnRef>
+          <a:fillRef idx="0">
+            <a:schemeClr val="accent1"/>
+          </a:fillRef>
+          <a:effectRef idx="0">
+            <a:schemeClr val="accent1"/>
+          </a:effectRef>
+          <a:fontRef idx="minor">
+            <a:schemeClr val="tx1"/>
+          </a:fontRef>
+        </p:style>
+      </p:cxnSp>
+      <p:sp>
+        <p:nvSpPr>
+          <p:cNvPr id="3" name="圆角矩形 2"/>
+          <p:cNvSpPr/>
+          <p:nvPr/>
+        </p:nvSpPr>
+        <p:spPr>
+          <a:xfrm>
+            <a:off x="4274542" y="832978"/>
+            <a:ext cx="1655926" cy="586589"/>
+          </a:xfrm>
+          <a:prstGeom prst="roundRect">
+            <a:avLst/>
+          </a:prstGeom>
+        </p:spPr>
+        <p:style>
+          <a:lnRef idx="0">
+            <a:schemeClr val="accent2"/>
+          </a:lnRef>
+          <a:fillRef idx="3">
+            <a:schemeClr val="accent2"/>
+          </a:fillRef>
+          <a:effectRef idx="3">
+            <a:schemeClr val="accent2"/>
+          </a:effectRef>
+          <a:fontRef idx="minor">
+            <a:schemeClr val="lt1"/>
+          </a:fontRef>
+        </p:style>
+        <p:txBody>
+          <a:bodyPr anchor="ctr"/>
+          <a:lstStyle/>
+          <a:p>
+            <a:pPr algn="ctr">
+              <a:defRPr/>
+            </a:pPr>
+            <a:r>
+              <a:rPr kumimoji="1" lang="zh-CN" altLang="en-US" sz="1400" dirty="0" smtClean="0">
+                <a:latin typeface="Heiti SC Light" charset="-122"/>
+                <a:ea typeface="Heiti SC Light" charset="-122"/>
+                <a:cs typeface="Heiti SC Light" charset="-122"/>
+              </a:rPr>
+              <a:t>调度器</a:t>
+            </a:r>
+          </a:p>
+          <a:p>
+            <a:pPr algn="ctr">
+              <a:defRPr/>
+            </a:pPr>
+            <a:r>
+              <a:rPr kumimoji="1" lang="en-US" altLang="zh-CN" sz="1400" dirty="0" smtClean="0">
+                <a:latin typeface="Heiti SC Light" charset="-122"/>
+                <a:ea typeface="Heiti SC Light" charset="-122"/>
+                <a:cs typeface="Heiti SC Light" charset="-122"/>
+              </a:rPr>
+              <a:t>(quartz)</a:t>
+            </a:r>
+            <a:endParaRPr kumimoji="1" lang="zh-CN" altLang="en-US" sz="1400" dirty="0">
+              <a:latin typeface="Heiti SC Light" charset="-122"/>
+              <a:ea typeface="Heiti SC Light" charset="-122"/>
+              <a:cs typeface="Heiti SC Light" charset="-122"/>
+            </a:endParaRPr>
+          </a:p>
+        </p:txBody>
+      </p:sp>
+      <p:sp>
+        <p:nvSpPr>
+          <p:cNvPr id="139" name="圆角矩形 138"/>
+          <p:cNvSpPr/>
+          <p:nvPr/>
+        </p:nvSpPr>
+        <p:spPr>
+          <a:xfrm>
+            <a:off x="4276756" y="3340779"/>
+            <a:ext cx="1659413" cy="574484"/>
+          </a:xfrm>
+          <a:prstGeom prst="roundRect">
+            <a:avLst/>
+          </a:prstGeom>
+          <a:solidFill>
+            <a:srgbClr val="58B8D1"/>
+          </a:solidFill>
+        </p:spPr>
+        <p:style>
+          <a:lnRef idx="0">
+            <a:schemeClr val="accent1"/>
+          </a:lnRef>
+          <a:fillRef idx="3">
+            <a:schemeClr val="accent1"/>
+          </a:fillRef>
+          <a:effectRef idx="3">
+            <a:schemeClr val="accent1"/>
+          </a:effectRef>
+          <a:fontRef idx="minor">
+            <a:schemeClr val="lt1"/>
+          </a:fontRef>
+        </p:style>
+        <p:txBody>
+          <a:bodyPr anchor="ctr"/>
+          <a:lstStyle/>
+          <a:p>
+            <a:pPr algn="ctr">
+              <a:defRPr/>
+            </a:pPr>
+            <a:r>
+              <a:rPr kumimoji="1" lang="zh-CN" altLang="en-US" sz="1400" dirty="0">
+                <a:latin typeface="Heiti SC Light" charset="-122"/>
+                <a:ea typeface="Heiti SC Light" charset="-122"/>
+                <a:cs typeface="Heiti SC Light" charset="-122"/>
+              </a:rPr>
+              <a:t>回调</a:t>
+            </a:r>
+            <a:r>
+              <a:rPr kumimoji="1" lang="zh-CN" altLang="en-US" sz="1400" dirty="0" smtClean="0">
+                <a:latin typeface="Heiti SC Light" charset="-122"/>
+                <a:ea typeface="Heiti SC Light" charset="-122"/>
+                <a:cs typeface="Heiti SC Light" charset="-122"/>
+              </a:rPr>
+              <a:t>服务</a:t>
+            </a:r>
+          </a:p>
+          <a:p>
+            <a:pPr algn="ctr">
+              <a:defRPr/>
+            </a:pPr>
+            <a:r>
+              <a:rPr kumimoji="1" lang="en-US" altLang="zh-CN" sz="1400" dirty="0">
+                <a:latin typeface="Heiti SC Light" charset="-122"/>
+                <a:ea typeface="Heiti SC Light" charset="-122"/>
+                <a:cs typeface="Heiti SC Light" charset="-122"/>
+              </a:rPr>
+              <a:t>(API)</a:t>
+            </a:r>
+            <a:endParaRPr kumimoji="1" lang="zh-CN" altLang="en-US" sz="1400" dirty="0">
+              <a:latin typeface="Heiti SC Light" charset="-122"/>
+              <a:ea typeface="Heiti SC Light" charset="-122"/>
+              <a:cs typeface="Heiti SC Light" charset="-122"/>
+            </a:endParaRPr>
+          </a:p>
+        </p:txBody>
+      </p:sp>
+      <p:sp>
+        <p:nvSpPr>
+          <p:cNvPr id="153" name="矩形 152"/>
+          <p:cNvSpPr/>
+          <p:nvPr/>
+        </p:nvSpPr>
+        <p:spPr>
+          <a:xfrm>
+            <a:off x="720867" y="2657780"/>
+            <a:ext cx="1668047" cy="1961502"/>
+          </a:xfrm>
+          <a:prstGeom prst="rect">
+            <a:avLst/>
+          </a:prstGeom>
+          <a:solidFill>
+            <a:srgbClr val="DEF7FF"/>
+          </a:solidFill>
+          <a:ln>
+            <a:noFill/>
+          </a:ln>
+        </p:spPr>
+        <p:style>
+          <a:lnRef idx="1">
+            <a:schemeClr val="accent1"/>
+          </a:lnRef>
+          <a:fillRef idx="2">
+            <a:schemeClr val="accent1"/>
+          </a:fillRef>
+          <a:effectRef idx="1">
+            <a:schemeClr val="accent1"/>
+          </a:effectRef>
+          <a:fontRef idx="minor">
+            <a:schemeClr val="dk1"/>
+          </a:fontRef>
+        </p:style>
+        <p:txBody>
+          <a:bodyPr anchor="t"/>
+          <a:lstStyle/>
+          <a:p>
+            <a:pPr algn="ctr">
+              <a:defRPr/>
+            </a:pPr>
+            <a:r>
+              <a:rPr kumimoji="1" lang="zh-CN" altLang="en-US" sz="1400" b="1" dirty="0">
+                <a:latin typeface="Heiti SC Light" charset="-122"/>
+                <a:ea typeface="Heiti SC Light" charset="-122"/>
+                <a:cs typeface="Heiti SC Light" charset="-122"/>
+              </a:rPr>
+              <a:t>日志管理</a:t>
+            </a:r>
+          </a:p>
+        </p:txBody>
+      </p:sp>
+      <p:sp>
+        <p:nvSpPr>
+          <p:cNvPr id="154" name="可选流程 153"/>
+          <p:cNvSpPr/>
+          <p:nvPr/>
+        </p:nvSpPr>
+        <p:spPr>
+          <a:xfrm>
+            <a:off x="823933" y="2979152"/>
+            <a:ext cx="1432847" cy="272004"/>
+          </a:xfrm>
+          <a:prstGeom prst="flowChartAlternateProcess">
+            <a:avLst/>
+          </a:prstGeom>
+          <a:solidFill>
+            <a:srgbClr val="4BACC6"/>
+          </a:solidFill>
+        </p:spPr>
+        <p:style>
+          <a:lnRef idx="0">
+            <a:schemeClr val="accent1"/>
+          </a:lnRef>
+          <a:fillRef idx="3">
+            <a:schemeClr val="accent1"/>
+          </a:fillRef>
+          <a:effectRef idx="3">
+            <a:schemeClr val="accent1"/>
+          </a:effectRef>
+          <a:fontRef idx="minor">
+            <a:schemeClr val="lt1"/>
+          </a:fontRef>
+        </p:style>
+        <p:txBody>
+          <a:bodyPr anchor="ctr"/>
+          <a:lstStyle/>
+          <a:p>
+            <a:pPr>
+              <a:defRPr/>
+            </a:pPr>
+            <a:r>
+              <a:rPr kumimoji="1" lang="zh-CN" altLang="en-US" sz="1400" dirty="0">
+                <a:latin typeface="Heiti SC Light" charset="-122"/>
+                <a:ea typeface="Heiti SC Light" charset="-122"/>
+                <a:cs typeface="Heiti SC Light" charset="-122"/>
+              </a:rPr>
+              <a:t>调度日志</a:t>
+            </a:r>
+          </a:p>
+        </p:txBody>
+      </p:sp>
+      <p:sp>
+        <p:nvSpPr>
+          <p:cNvPr id="155" name="可选流程 154"/>
+          <p:cNvSpPr/>
+          <p:nvPr/>
+        </p:nvSpPr>
+        <p:spPr>
+          <a:xfrm>
+            <a:off x="823932" y="3369943"/>
+            <a:ext cx="1432847" cy="275832"/>
+          </a:xfrm>
+          <a:prstGeom prst="flowChartAlternateProcess">
+            <a:avLst/>
+          </a:prstGeom>
+          <a:solidFill>
+            <a:srgbClr val="4BACC6"/>
+          </a:solidFill>
+        </p:spPr>
+        <p:style>
+          <a:lnRef idx="0">
+            <a:schemeClr val="accent1"/>
+          </a:lnRef>
+          <a:fillRef idx="3">
+            <a:schemeClr val="accent1"/>
+          </a:fillRef>
+          <a:effectRef idx="3">
+            <a:schemeClr val="accent1"/>
+          </a:effectRef>
+          <a:fontRef idx="minor">
+            <a:schemeClr val="lt1"/>
+          </a:fontRef>
+        </p:style>
+        <p:txBody>
+          <a:bodyPr anchor="ctr"/>
+          <a:lstStyle/>
+          <a:p>
+            <a:pPr>
+              <a:defRPr/>
+            </a:pPr>
+            <a:r>
+              <a:rPr kumimoji="1" lang="en-US" altLang="zh-CN" sz="1400" dirty="0">
+                <a:latin typeface="Heiti SC Light" charset="-122"/>
+                <a:ea typeface="Heiti SC Light" charset="-122"/>
+                <a:cs typeface="Heiti SC Light" charset="-122"/>
+              </a:rPr>
+              <a:t>Rolling</a:t>
+            </a:r>
+            <a:r>
+              <a:rPr kumimoji="1" lang="zh-CN" altLang="en-US" sz="1400" dirty="0">
+                <a:latin typeface="Heiti SC Light" charset="-122"/>
+                <a:ea typeface="Heiti SC Light" charset="-122"/>
+                <a:cs typeface="Heiti SC Light" charset="-122"/>
+              </a:rPr>
+              <a:t>日志</a:t>
+            </a:r>
+          </a:p>
+        </p:txBody>
+      </p:sp>
+      <p:sp>
+        <p:nvSpPr>
+          <p:cNvPr id="156" name="可选流程 155"/>
+          <p:cNvSpPr/>
+          <p:nvPr/>
+        </p:nvSpPr>
+        <p:spPr>
+          <a:xfrm>
+            <a:off x="823931" y="3804303"/>
+            <a:ext cx="1432847" cy="263850"/>
+          </a:xfrm>
+          <a:prstGeom prst="flowChartAlternateProcess">
+            <a:avLst/>
+          </a:prstGeom>
+          <a:solidFill>
+            <a:srgbClr val="4BACC6"/>
+          </a:solidFill>
+        </p:spPr>
+        <p:style>
+          <a:lnRef idx="0">
+            <a:schemeClr val="accent1"/>
+          </a:lnRef>
+          <a:fillRef idx="3">
+            <a:schemeClr val="accent1"/>
+          </a:fillRef>
+          <a:effectRef idx="3">
+            <a:schemeClr val="accent1"/>
+          </a:effectRef>
+          <a:fontRef idx="minor">
+            <a:schemeClr val="lt1"/>
+          </a:fontRef>
+        </p:style>
+        <p:txBody>
+          <a:bodyPr anchor="ctr"/>
+          <a:lstStyle/>
+          <a:p>
+            <a:pPr>
+              <a:defRPr/>
+            </a:pPr>
+            <a:r>
+              <a:rPr kumimoji="1" lang="en-US" altLang="zh-CN" sz="1400" dirty="0">
+                <a:latin typeface="Heiti SC Light" charset="-122"/>
+                <a:ea typeface="Heiti SC Light" charset="-122"/>
+                <a:cs typeface="Heiti SC Light" charset="-122"/>
+              </a:rPr>
+              <a:t>GLUE</a:t>
+            </a:r>
+            <a:r>
+              <a:rPr kumimoji="1" lang="zh-CN" altLang="en-US" sz="1400" dirty="0">
+                <a:latin typeface="Heiti SC Light" charset="-122"/>
+                <a:ea typeface="Heiti SC Light" charset="-122"/>
+                <a:cs typeface="Heiti SC Light" charset="-122"/>
+              </a:rPr>
+              <a:t>版本日志</a:t>
+            </a:r>
+          </a:p>
+        </p:txBody>
+      </p:sp>
+      <p:sp>
+        <p:nvSpPr>
+          <p:cNvPr id="157" name="可选流程 156"/>
+          <p:cNvSpPr/>
+          <p:nvPr/>
+        </p:nvSpPr>
+        <p:spPr>
+          <a:xfrm>
+            <a:off x="823930" y="4186561"/>
+            <a:ext cx="1432847" cy="263850"/>
+          </a:xfrm>
+          <a:prstGeom prst="flowChartAlternateProcess">
+            <a:avLst/>
+          </a:prstGeom>
+          <a:solidFill>
+            <a:srgbClr val="4BACC6"/>
+          </a:solidFill>
+        </p:spPr>
+        <p:style>
+          <a:lnRef idx="0">
+            <a:schemeClr val="accent1"/>
+          </a:lnRef>
+          <a:fillRef idx="3">
+            <a:schemeClr val="accent1"/>
+          </a:fillRef>
+          <a:effectRef idx="3">
+            <a:schemeClr val="accent1"/>
+          </a:effectRef>
+          <a:fontRef idx="minor">
+            <a:schemeClr val="lt1"/>
+          </a:fontRef>
+        </p:style>
+        <p:txBody>
+          <a:bodyPr anchor="ctr"/>
+          <a:lstStyle/>
+          <a:p>
+            <a:pPr>
+              <a:defRPr/>
+            </a:pPr>
+            <a:r>
+              <a:rPr kumimoji="1" lang="en-US" altLang="zh-CN" sz="1400" dirty="0" smtClean="0">
+                <a:latin typeface="Heiti SC Light" charset="-122"/>
+                <a:ea typeface="Heiti SC Light" charset="-122"/>
+                <a:cs typeface="Heiti SC Light" charset="-122"/>
+              </a:rPr>
+              <a:t>……</a:t>
+            </a:r>
+            <a:endParaRPr kumimoji="1" lang="zh-CN" altLang="en-US" sz="1400" dirty="0">
+              <a:latin typeface="Heiti SC Light" charset="-122"/>
+              <a:ea typeface="Heiti SC Light" charset="-122"/>
+              <a:cs typeface="Heiti SC Light" charset="-122"/>
+            </a:endParaRPr>
+          </a:p>
+        </p:txBody>
+      </p:sp>
+      <p:sp>
+        <p:nvSpPr>
+          <p:cNvPr id="158" name="矩形 157"/>
+          <p:cNvSpPr/>
+          <p:nvPr/>
+        </p:nvSpPr>
+        <p:spPr>
+          <a:xfrm>
+            <a:off x="2384122" y="2645252"/>
+            <a:ext cx="1672839" cy="1974030"/>
+          </a:xfrm>
+          <a:prstGeom prst="rect">
+            <a:avLst/>
+          </a:prstGeom>
+          <a:solidFill>
+            <a:srgbClr val="E0EBFF"/>
+          </a:solidFill>
+          <a:ln>
+            <a:noFill/>
+          </a:ln>
+        </p:spPr>
+        <p:style>
+          <a:lnRef idx="1">
+            <a:schemeClr val="accent1"/>
+          </a:lnRef>
+          <a:fillRef idx="2">
+            <a:schemeClr val="accent1"/>
+          </a:fillRef>
+          <a:effectRef idx="1">
+            <a:schemeClr val="accent1"/>
+          </a:effectRef>
+          <a:fontRef idx="minor">
+            <a:schemeClr val="dk1"/>
+          </a:fontRef>
+        </p:style>
+        <p:txBody>
+          <a:bodyPr anchor="t"/>
+          <a:lstStyle/>
+          <a:p>
+            <a:pPr algn="ctr">
+              <a:defRPr/>
+            </a:pPr>
+            <a:r>
+              <a:rPr kumimoji="1" lang="zh-CN" altLang="en-US" sz="1400" dirty="0" smtClean="0">
+                <a:latin typeface="Heiti SC Light" charset="-122"/>
+                <a:ea typeface="Heiti SC Light" charset="-122"/>
+                <a:cs typeface="Heiti SC Light" charset="-122"/>
+              </a:rPr>
+              <a:t>其他</a:t>
+            </a:r>
+            <a:endParaRPr kumimoji="1" lang="zh-CN" altLang="en-US" sz="1400" dirty="0">
+              <a:latin typeface="Heiti SC Light" charset="-122"/>
+              <a:ea typeface="Heiti SC Light" charset="-122"/>
+              <a:cs typeface="Heiti SC Light" charset="-122"/>
+            </a:endParaRPr>
+          </a:p>
+        </p:txBody>
+      </p:sp>
+      <p:sp>
+        <p:nvSpPr>
+          <p:cNvPr id="159" name="可选流程 158"/>
+          <p:cNvSpPr/>
+          <p:nvPr/>
+        </p:nvSpPr>
+        <p:spPr>
+          <a:xfrm>
+            <a:off x="2463148" y="2972582"/>
+            <a:ext cx="1535914" cy="251629"/>
+          </a:xfrm>
+          <a:prstGeom prst="flowChartAlternateProcess">
+            <a:avLst/>
+          </a:prstGeom>
+          <a:solidFill>
+            <a:srgbClr val="6095C9"/>
+          </a:solidFill>
+        </p:spPr>
+        <p:style>
+          <a:lnRef idx="0">
+            <a:schemeClr val="accent1"/>
+          </a:lnRef>
+          <a:fillRef idx="3">
+            <a:schemeClr val="accent1"/>
+          </a:fillRef>
+          <a:effectRef idx="3">
+            <a:schemeClr val="accent1"/>
+          </a:effectRef>
+          <a:fontRef idx="minor">
+            <a:schemeClr val="lt1"/>
+          </a:fontRef>
+        </p:style>
+        <p:txBody>
+          <a:bodyPr anchor="ctr"/>
+          <a:lstStyle/>
+          <a:p>
+            <a:pPr>
+              <a:defRPr/>
+            </a:pPr>
+            <a:r>
+              <a:rPr kumimoji="1" lang="zh-CN" altLang="en-US" sz="1400" dirty="0" smtClean="0">
+                <a:latin typeface="Heiti SC Light" charset="-122"/>
+                <a:ea typeface="Heiti SC Light" charset="-122"/>
+                <a:cs typeface="Heiti SC Light" charset="-122"/>
+              </a:rPr>
+              <a:t>运行报表</a:t>
+            </a:r>
+            <a:endParaRPr kumimoji="1" lang="zh-CN" altLang="en-US" sz="1400" dirty="0">
+              <a:latin typeface="Heiti SC Light" charset="-122"/>
+              <a:ea typeface="Heiti SC Light" charset="-122"/>
+              <a:cs typeface="Heiti SC Light" charset="-122"/>
+            </a:endParaRPr>
+          </a:p>
+        </p:txBody>
+      </p:sp>
+      <p:sp>
+        <p:nvSpPr>
+          <p:cNvPr id="160" name="可选流程 159"/>
+          <p:cNvSpPr/>
+          <p:nvPr/>
+        </p:nvSpPr>
+        <p:spPr>
+          <a:xfrm>
+            <a:off x="2463148" y="3363264"/>
+            <a:ext cx="1535914" cy="281598"/>
+          </a:xfrm>
+          <a:prstGeom prst="flowChartAlternateProcess">
+            <a:avLst/>
+          </a:prstGeom>
+          <a:solidFill>
+            <a:srgbClr val="6095C9"/>
+          </a:solidFill>
+        </p:spPr>
+        <p:style>
+          <a:lnRef idx="0">
+            <a:schemeClr val="accent1"/>
+          </a:lnRef>
+          <a:fillRef idx="3">
+            <a:schemeClr val="accent1"/>
+          </a:fillRef>
+          <a:effectRef idx="3">
+            <a:schemeClr val="accent1"/>
+          </a:effectRef>
+          <a:fontRef idx="minor">
+            <a:schemeClr val="lt1"/>
+          </a:fontRef>
+        </p:style>
+        <p:txBody>
+          <a:bodyPr anchor="ctr"/>
+          <a:lstStyle/>
+          <a:p>
+            <a:pPr>
+              <a:defRPr/>
+            </a:pPr>
+            <a:r>
+              <a:rPr kumimoji="1" lang="zh-CN" altLang="en-US" sz="1400" dirty="0" smtClean="0">
+                <a:latin typeface="Heiti SC Light" charset="-122"/>
+                <a:ea typeface="Heiti SC Light" charset="-122"/>
+                <a:cs typeface="Heiti SC Light" charset="-122"/>
+              </a:rPr>
+              <a:t>失败告警</a:t>
+            </a:r>
+            <a:endParaRPr kumimoji="1" lang="zh-CN" altLang="en-US" sz="1400" dirty="0">
+              <a:latin typeface="Heiti SC Light" charset="-122"/>
+              <a:ea typeface="Heiti SC Light" charset="-122"/>
+              <a:cs typeface="Heiti SC Light" charset="-122"/>
+            </a:endParaRPr>
+          </a:p>
+        </p:txBody>
+      </p:sp>
+      <p:sp>
+        <p:nvSpPr>
+          <p:cNvPr id="161" name="可选流程 160"/>
+          <p:cNvSpPr/>
+          <p:nvPr/>
+        </p:nvSpPr>
+        <p:spPr>
+          <a:xfrm>
+            <a:off x="2463148" y="3787601"/>
+            <a:ext cx="1535914" cy="255324"/>
+          </a:xfrm>
+          <a:prstGeom prst="flowChartAlternateProcess">
+            <a:avLst/>
+          </a:prstGeom>
+          <a:solidFill>
+            <a:srgbClr val="6095C9"/>
+          </a:solidFill>
+        </p:spPr>
+        <p:style>
+          <a:lnRef idx="0">
+            <a:schemeClr val="accent1"/>
+          </a:lnRef>
+          <a:fillRef idx="3">
+            <a:schemeClr val="accent1"/>
+          </a:fillRef>
+          <a:effectRef idx="3">
+            <a:schemeClr val="accent1"/>
+          </a:effectRef>
+          <a:fontRef idx="minor">
+            <a:schemeClr val="lt1"/>
+          </a:fontRef>
+        </p:style>
+        <p:txBody>
+          <a:bodyPr anchor="ctr"/>
+          <a:lstStyle/>
+          <a:p>
+            <a:pPr>
+              <a:defRPr/>
+            </a:pPr>
+            <a:r>
+              <a:rPr kumimoji="1" lang="zh-CN" altLang="en-US" sz="1400" dirty="0" smtClean="0">
+                <a:latin typeface="Heiti SC Light" charset="-122"/>
+                <a:ea typeface="Heiti SC Light" charset="-122"/>
+                <a:cs typeface="Heiti SC Light" charset="-122"/>
+              </a:rPr>
+              <a:t>任务依赖</a:t>
+            </a:r>
+            <a:endParaRPr kumimoji="1" lang="zh-CN" altLang="en-US" sz="1400" dirty="0">
+              <a:latin typeface="Heiti SC Light" charset="-122"/>
+              <a:ea typeface="Heiti SC Light" charset="-122"/>
+              <a:cs typeface="Heiti SC Light" charset="-122"/>
+            </a:endParaRPr>
+          </a:p>
+        </p:txBody>
+      </p:sp>
+      <p:sp>
+        <p:nvSpPr>
+          <p:cNvPr id="162" name="可选流程 161"/>
+          <p:cNvSpPr/>
+          <p:nvPr/>
+        </p:nvSpPr>
+        <p:spPr>
+          <a:xfrm>
+            <a:off x="2463148" y="4163682"/>
+            <a:ext cx="1535914" cy="274201"/>
+          </a:xfrm>
+          <a:prstGeom prst="flowChartAlternateProcess">
+            <a:avLst/>
+          </a:prstGeom>
+          <a:solidFill>
+            <a:srgbClr val="6095C9"/>
+          </a:solidFill>
+        </p:spPr>
+        <p:style>
+          <a:lnRef idx="0">
+            <a:schemeClr val="accent1"/>
+          </a:lnRef>
+          <a:fillRef idx="3">
+            <a:schemeClr val="accent1"/>
+          </a:fillRef>
+          <a:effectRef idx="3">
+            <a:schemeClr val="accent1"/>
+          </a:effectRef>
+          <a:fontRef idx="minor">
+            <a:schemeClr val="lt1"/>
+          </a:fontRef>
+        </p:style>
+        <p:txBody>
+          <a:bodyPr anchor="ctr"/>
+          <a:lstStyle/>
+          <a:p>
+            <a:pPr>
+              <a:defRPr/>
+            </a:pPr>
+            <a:r>
+              <a:rPr kumimoji="1" lang="en-US" altLang="zh-CN" sz="1400" dirty="0" smtClean="0">
+                <a:latin typeface="Heiti SC Light" charset="-122"/>
+                <a:ea typeface="Heiti SC Light" charset="-122"/>
+                <a:cs typeface="Heiti SC Light" charset="-122"/>
+              </a:rPr>
+              <a:t>……</a:t>
+            </a:r>
+            <a:endParaRPr kumimoji="1" lang="zh-CN" altLang="en-US" sz="1400" dirty="0">
+              <a:latin typeface="Heiti SC Light" charset="-122"/>
+              <a:ea typeface="Heiti SC Light" charset="-122"/>
+              <a:cs typeface="Heiti SC Light" charset="-122"/>
+            </a:endParaRPr>
+          </a:p>
+        </p:txBody>
+      </p:sp>
+      <p:sp>
+        <p:nvSpPr>
+          <p:cNvPr id="30" name="可选流程 29"/>
+          <p:cNvSpPr/>
+          <p:nvPr/>
+        </p:nvSpPr>
+        <p:spPr>
+          <a:xfrm>
+            <a:off x="6903492" y="4598011"/>
+            <a:ext cx="1948408" cy="566196"/>
+          </a:xfrm>
+          <a:prstGeom prst="flowChartAlternateProcess">
+            <a:avLst/>
+          </a:prstGeom>
+          <a:solidFill>
+            <a:srgbClr val="9379B3"/>
+          </a:solidFill>
+        </p:spPr>
+        <p:style>
+          <a:lnRef idx="0">
+            <a:schemeClr val="accent1"/>
+          </a:lnRef>
+          <a:fillRef idx="3">
+            <a:schemeClr val="accent1"/>
+          </a:fillRef>
+          <a:effectRef idx="3">
+            <a:schemeClr val="accent1"/>
+          </a:effectRef>
+          <a:fontRef idx="minor">
+            <a:schemeClr val="lt1"/>
+          </a:fontRef>
+        </p:style>
+        <p:txBody>
+          <a:bodyPr anchor="ctr"/>
+          <a:lstStyle/>
+          <a:p>
+            <a:pPr algn="ctr">
+              <a:defRPr/>
+            </a:pPr>
+            <a:r>
+              <a:rPr kumimoji="1" lang="zh-CN" altLang="en-US" sz="1400" dirty="0" smtClean="0">
+                <a:latin typeface="Heiti SC Light" charset="-122"/>
+                <a:ea typeface="Heiti SC Light" charset="-122"/>
+                <a:cs typeface="Heiti SC Light" charset="-122"/>
+              </a:rPr>
+              <a:t>注册线程</a:t>
+            </a:r>
+            <a:endParaRPr kumimoji="1" lang="zh-CN" altLang="en-US" sz="1400" dirty="0">
+              <a:latin typeface="Heiti SC Light" charset="-122"/>
+              <a:ea typeface="Heiti SC Light" charset="-122"/>
+              <a:cs typeface="Heiti SC Light" charset="-122"/>
+            </a:endParaRPr>
+          </a:p>
+        </p:txBody>
+      </p:sp>
+      <p:sp>
+        <p:nvSpPr>
+          <p:cNvPr id="97" name="可选流程 96"/>
+          <p:cNvSpPr/>
+          <p:nvPr/>
+        </p:nvSpPr>
+        <p:spPr>
+          <a:xfrm>
+            <a:off x="6850420" y="844864"/>
+            <a:ext cx="2469578" cy="586589"/>
+          </a:xfrm>
+          <a:prstGeom prst="flowChartAlternateProcess">
+            <a:avLst/>
+          </a:prstGeom>
+        </p:spPr>
+        <p:style>
+          <a:lnRef idx="0">
+            <a:schemeClr val="accent2"/>
+          </a:lnRef>
+          <a:fillRef idx="3">
+            <a:schemeClr val="accent2"/>
+          </a:fillRef>
+          <a:effectRef idx="3">
+            <a:schemeClr val="accent2"/>
+          </a:effectRef>
+          <a:fontRef idx="minor">
+            <a:schemeClr val="lt1"/>
+          </a:fontRef>
+        </p:style>
+        <p:txBody>
+          <a:bodyPr rtlCol="0" anchor="ctr"/>
+          <a:lstStyle/>
+          <a:p>
+            <a:pPr algn="ctr"/>
+            <a:r>
+              <a:rPr kumimoji="1" lang="zh-CN" altLang="en-US" sz="1400" dirty="0" smtClean="0">
+                <a:latin typeface="Heiti SC Light" charset="-122"/>
+                <a:ea typeface="Heiti SC Light" charset="-122"/>
+                <a:cs typeface="Heiti SC Light" charset="-122"/>
+              </a:rPr>
+              <a:t>执行器服务</a:t>
+            </a:r>
+            <a:r>
+              <a:rPr kumimoji="1" lang="en-US" altLang="zh-CN" sz="1400" dirty="0" smtClean="0">
+                <a:latin typeface="Heiti SC Light" charset="-122"/>
+                <a:ea typeface="Heiti SC Light" charset="-122"/>
+                <a:cs typeface="Heiti SC Light" charset="-122"/>
+              </a:rPr>
+              <a:t>(jetty)</a:t>
+            </a:r>
+            <a:endParaRPr kumimoji="1" lang="zh-CN" altLang="en-US" sz="1400" dirty="0">
+              <a:latin typeface="Heiti SC Light" charset="-122"/>
+              <a:ea typeface="Heiti SC Light" charset="-122"/>
+              <a:cs typeface="Heiti SC Light" charset="-122"/>
+            </a:endParaRPr>
+          </a:p>
+        </p:txBody>
+      </p:sp>
+      <p:cxnSp>
+        <p:nvCxnSpPr>
+          <p:cNvPr id="99" name="直线箭头连接符 98"/>
+          <p:cNvCxnSpPr>
+            <a:stCxn id="3" idx="3"/>
+          </p:cNvCxnSpPr>
+          <p:nvPr/>
+        </p:nvCxnSpPr>
+        <p:spPr>
+          <a:xfrm flipV="1">
+            <a:off x="5930468" y="1120818"/>
+            <a:ext cx="902673" cy="5455"/>
+          </a:xfrm>
+          <a:prstGeom prst="straightConnector1">
+            <a:avLst/>
+          </a:prstGeom>
+          <a:ln w="28575">
+            <a:prstDash val="sysDash"/>
+            <a:headEnd type="none" w="med" len="med"/>
+            <a:tailEnd type="arrow" w="med" len="med"/>
+          </a:ln>
+        </p:spPr>
+        <p:style>
+          <a:lnRef idx="2">
+            <a:schemeClr val="accent1"/>
+          </a:lnRef>
+          <a:fillRef idx="0">
+            <a:schemeClr val="accent1"/>
+          </a:fillRef>
+          <a:effectRef idx="1">
+            <a:schemeClr val="accent1"/>
+          </a:effectRef>
+          <a:fontRef idx="minor">
+            <a:schemeClr val="tx1"/>
+          </a:fontRef>
+        </p:style>
+      </p:cxnSp>
+      <p:sp>
+        <p:nvSpPr>
+          <p:cNvPr id="169" name="矩形 168"/>
+          <p:cNvSpPr/>
+          <p:nvPr/>
+        </p:nvSpPr>
+        <p:spPr>
+          <a:xfrm>
+            <a:off x="9740643" y="832978"/>
+            <a:ext cx="1588645" cy="3248072"/>
+          </a:xfrm>
+          <a:prstGeom prst="rect">
+            <a:avLst/>
+          </a:prstGeom>
+          <a:solidFill>
+            <a:srgbClr val="DEF7FF"/>
+          </a:solidFill>
+          <a:ln>
+            <a:noFill/>
+          </a:ln>
+        </p:spPr>
+        <p:style>
+          <a:lnRef idx="1">
+            <a:schemeClr val="accent1"/>
+          </a:lnRef>
+          <a:fillRef idx="2">
+            <a:schemeClr val="accent1"/>
+          </a:fillRef>
+          <a:effectRef idx="1">
+            <a:schemeClr val="accent1"/>
+          </a:effectRef>
+          <a:fontRef idx="minor">
+            <a:schemeClr val="dk1"/>
+          </a:fontRef>
+        </p:style>
+        <p:txBody>
+          <a:bodyPr anchor="b"/>
+          <a:lstStyle/>
+          <a:p>
+            <a:pPr algn="ctr">
+              <a:defRPr/>
+            </a:pPr>
+            <a:endParaRPr kumimoji="1" lang="zh-CN" altLang="en-US" sz="1600" b="1" dirty="0">
+              <a:latin typeface="Heiti SC Light" charset="-122"/>
+              <a:ea typeface="Heiti SC Light" charset="-122"/>
+              <a:cs typeface="Heiti SC Light" charset="-122"/>
+            </a:endParaRPr>
+          </a:p>
+        </p:txBody>
+      </p:sp>
+      <p:cxnSp>
+        <p:nvCxnSpPr>
+          <p:cNvPr id="171" name="直线箭头连接符 170"/>
+          <p:cNvCxnSpPr/>
+          <p:nvPr/>
+        </p:nvCxnSpPr>
+        <p:spPr>
+          <a:xfrm>
+            <a:off x="9367694" y="1187007"/>
+            <a:ext cx="355704" cy="3349"/>
+          </a:xfrm>
+          <a:prstGeom prst="straightConnector1">
+            <a:avLst/>
+          </a:prstGeom>
+          <a:ln w="28575">
+            <a:prstDash val="sysDash"/>
+            <a:headEnd type="none" w="med" len="med"/>
+            <a:tailEnd type="arrow" w="med" len="med"/>
+          </a:ln>
+        </p:spPr>
+        <p:style>
+          <a:lnRef idx="2">
+            <a:schemeClr val="accent1"/>
+          </a:lnRef>
+          <a:fillRef idx="0">
+            <a:schemeClr val="accent1"/>
+          </a:fillRef>
+          <a:effectRef idx="1">
+            <a:schemeClr val="accent1"/>
+          </a:effectRef>
+          <a:fontRef idx="minor">
+            <a:schemeClr val="tx1"/>
+          </a:fontRef>
+        </p:style>
+      </p:cxnSp>
+      <p:sp>
+        <p:nvSpPr>
+          <p:cNvPr id="177" name="矩形 176"/>
+          <p:cNvSpPr/>
+          <p:nvPr/>
+        </p:nvSpPr>
+        <p:spPr>
+          <a:xfrm>
+            <a:off x="6874533" y="3224448"/>
+            <a:ext cx="2445465" cy="856602"/>
+          </a:xfrm>
+          <a:prstGeom prst="rect">
+            <a:avLst/>
+          </a:prstGeom>
+          <a:solidFill>
+            <a:srgbClr val="DEF7FF"/>
+          </a:solidFill>
+          <a:ln>
+            <a:solidFill>
+              <a:srgbClr val="FFF2CD"/>
+            </a:solidFill>
+          </a:ln>
+        </p:spPr>
+        <p:style>
+          <a:lnRef idx="1">
+            <a:schemeClr val="accent1"/>
+          </a:lnRef>
+          <a:fillRef idx="2">
+            <a:schemeClr val="accent1"/>
+          </a:fillRef>
+          <a:effectRef idx="1">
+            <a:schemeClr val="accent1"/>
+          </a:effectRef>
+          <a:fontRef idx="minor">
+            <a:schemeClr val="dk1"/>
+          </a:fontRef>
+        </p:style>
+        <p:txBody>
+          <a:bodyPr anchor="b"/>
+          <a:lstStyle/>
+          <a:p>
+            <a:pPr algn="ctr">
+              <a:defRPr/>
+            </a:pPr>
+            <a:endParaRPr kumimoji="1" lang="zh-CN" altLang="en-US" sz="1600" b="1" dirty="0">
+              <a:latin typeface="Heiti SC Light" charset="-122"/>
+              <a:ea typeface="Heiti SC Light" charset="-122"/>
+              <a:cs typeface="Heiti SC Light" charset="-122"/>
+            </a:endParaRPr>
+          </a:p>
+        </p:txBody>
+      </p:sp>
+      <p:sp>
+        <p:nvSpPr>
+          <p:cNvPr id="178" name="磁盘 177"/>
+          <p:cNvSpPr/>
+          <p:nvPr/>
+        </p:nvSpPr>
+        <p:spPr>
+          <a:xfrm>
+            <a:off x="8115679" y="3330715"/>
+            <a:ext cx="1128362" cy="644066"/>
+          </a:xfrm>
+          <a:prstGeom prst="flowChartMagneticDisk">
+            <a:avLst/>
+          </a:prstGeom>
+        </p:spPr>
+        <p:style>
+          <a:lnRef idx="1">
+            <a:schemeClr val="accent4"/>
+          </a:lnRef>
+          <a:fillRef idx="2">
+            <a:schemeClr val="accent4"/>
+          </a:fillRef>
+          <a:effectRef idx="1">
+            <a:schemeClr val="accent4"/>
+          </a:effectRef>
+          <a:fontRef idx="minor">
+            <a:schemeClr val="dk1"/>
+          </a:fontRef>
+        </p:style>
+        <p:txBody>
+          <a:bodyPr rtlCol="0" anchor="ctr"/>
+          <a:lstStyle/>
+          <a:p>
+            <a:pPr algn="ctr"/>
+            <a:r>
+              <a:rPr kumimoji="1" lang="zh-CN" altLang="en-US" sz="1400" dirty="0" smtClean="0">
+                <a:latin typeface="Heiti SC Light" charset="-122"/>
+                <a:ea typeface="Heiti SC Light" charset="-122"/>
+                <a:cs typeface="Heiti SC Light" charset="-122"/>
+              </a:rPr>
+              <a:t>调度结果</a:t>
+            </a:r>
+          </a:p>
+          <a:p>
+            <a:pPr algn="ctr"/>
+            <a:r>
+              <a:rPr kumimoji="1" lang="en-US" altLang="zh-CN" sz="1400" dirty="0" smtClean="0">
+                <a:latin typeface="Heiti SC Light" charset="-122"/>
+                <a:ea typeface="Heiti SC Light" charset="-122"/>
+                <a:cs typeface="Heiti SC Light" charset="-122"/>
+              </a:rPr>
+              <a:t>(queue)</a:t>
+            </a:r>
+            <a:endParaRPr kumimoji="1" lang="zh-CN" altLang="en-US" sz="1400" dirty="0">
+              <a:latin typeface="Heiti SC Light" charset="-122"/>
+              <a:ea typeface="Heiti SC Light" charset="-122"/>
+              <a:cs typeface="Heiti SC Light" charset="-122"/>
+            </a:endParaRPr>
+          </a:p>
+        </p:txBody>
+      </p:sp>
+      <p:cxnSp>
+        <p:nvCxnSpPr>
+          <p:cNvPr id="185" name="直线箭头连接符 184"/>
+          <p:cNvCxnSpPr/>
+          <p:nvPr/>
+        </p:nvCxnSpPr>
+        <p:spPr>
+          <a:xfrm flipH="1">
+            <a:off x="5940012" y="2356487"/>
+            <a:ext cx="893129" cy="645"/>
+          </a:xfrm>
+          <a:prstGeom prst="straightConnector1">
+            <a:avLst/>
+          </a:prstGeom>
+          <a:ln w="28575">
+            <a:prstDash val="sysDash"/>
+            <a:headEnd type="none" w="med" len="med"/>
+            <a:tailEnd type="arrow" w="med" len="med"/>
+          </a:ln>
+        </p:spPr>
+        <p:style>
+          <a:lnRef idx="2">
+            <a:schemeClr val="accent1"/>
+          </a:lnRef>
+          <a:fillRef idx="0">
+            <a:schemeClr val="accent1"/>
+          </a:fillRef>
+          <a:effectRef idx="1">
+            <a:schemeClr val="accent1"/>
+          </a:effectRef>
+          <a:fontRef idx="minor">
+            <a:schemeClr val="tx1"/>
+          </a:fontRef>
+        </p:style>
+      </p:cxnSp>
+      <p:sp>
+        <p:nvSpPr>
+          <p:cNvPr id="194" name="可选流程 193"/>
+          <p:cNvSpPr/>
+          <p:nvPr/>
+        </p:nvSpPr>
+        <p:spPr>
+          <a:xfrm>
+            <a:off x="9907238" y="2193143"/>
+            <a:ext cx="1295671" cy="611595"/>
+          </a:xfrm>
+          <a:prstGeom prst="flowChartAlternateProcess">
+            <a:avLst/>
+          </a:prstGeom>
+          <a:solidFill>
+            <a:srgbClr val="4BACC6"/>
+          </a:solidFill>
+        </p:spPr>
+        <p:style>
+          <a:lnRef idx="0">
+            <a:schemeClr val="accent1"/>
+          </a:lnRef>
+          <a:fillRef idx="3">
+            <a:schemeClr val="accent1"/>
+          </a:fillRef>
+          <a:effectRef idx="3">
+            <a:schemeClr val="accent1"/>
+          </a:effectRef>
+          <a:fontRef idx="minor">
+            <a:schemeClr val="lt1"/>
+          </a:fontRef>
+        </p:style>
+        <p:txBody>
+          <a:bodyPr anchor="ctr"/>
+          <a:lstStyle/>
+          <a:p>
+            <a:pPr algn="ctr"/>
+            <a:r>
+              <a:rPr kumimoji="1" lang="en-US" altLang="zh-CN" sz="1400" dirty="0">
+                <a:latin typeface="Heiti SC Light" charset="-122"/>
+                <a:ea typeface="Heiti SC Light" charset="-122"/>
+                <a:cs typeface="Heiti SC Light" charset="-122"/>
+              </a:rPr>
+              <a:t>JobHandler</a:t>
+            </a:r>
+            <a:endParaRPr kumimoji="1" lang="zh-CN" altLang="en-US" sz="1400" dirty="0">
+              <a:latin typeface="Heiti SC Light" charset="-122"/>
+              <a:ea typeface="Heiti SC Light" charset="-122"/>
+              <a:cs typeface="Heiti SC Light" charset="-122"/>
+            </a:endParaRPr>
+          </a:p>
+        </p:txBody>
+      </p:sp>
+      <p:sp>
+        <p:nvSpPr>
+          <p:cNvPr id="195" name="可选流程 194"/>
+          <p:cNvSpPr/>
+          <p:nvPr/>
+        </p:nvSpPr>
+        <p:spPr>
+          <a:xfrm>
+            <a:off x="9907238" y="3253003"/>
+            <a:ext cx="1295671" cy="606434"/>
+          </a:xfrm>
+          <a:prstGeom prst="flowChartAlternateProcess">
+            <a:avLst/>
+          </a:prstGeom>
+          <a:solidFill>
+            <a:srgbClr val="4BACC6"/>
+          </a:solidFill>
+        </p:spPr>
+        <p:style>
+          <a:lnRef idx="0">
+            <a:schemeClr val="accent1"/>
+          </a:lnRef>
+          <a:fillRef idx="3">
+            <a:schemeClr val="accent1"/>
+          </a:fillRef>
+          <a:effectRef idx="3">
+            <a:schemeClr val="accent1"/>
+          </a:effectRef>
+          <a:fontRef idx="minor">
+            <a:schemeClr val="lt1"/>
+          </a:fontRef>
+        </p:style>
+        <p:txBody>
+          <a:bodyPr anchor="ctr"/>
+          <a:lstStyle/>
+          <a:p>
+            <a:pPr algn="ctr"/>
+            <a:r>
+              <a:rPr kumimoji="1" lang="zh-CN" altLang="en-US" sz="1400" dirty="0">
+                <a:latin typeface="Heiti SC Light" charset="-122"/>
+                <a:ea typeface="Heiti SC Light" charset="-122"/>
+                <a:cs typeface="Heiti SC Light" charset="-122"/>
+              </a:rPr>
+              <a:t>任务线程</a:t>
+            </a:r>
+          </a:p>
+        </p:txBody>
+      </p:sp>
+      <p:sp>
+        <p:nvSpPr>
+          <p:cNvPr id="196" name="磁盘 195"/>
+          <p:cNvSpPr/>
+          <p:nvPr/>
+        </p:nvSpPr>
+        <p:spPr>
+          <a:xfrm>
+            <a:off x="9904842" y="1079536"/>
+            <a:ext cx="1295671" cy="663886"/>
+          </a:xfrm>
+          <a:prstGeom prst="flowChartMagneticDisk">
+            <a:avLst/>
+          </a:prstGeom>
+        </p:spPr>
+        <p:style>
+          <a:lnRef idx="1">
+            <a:schemeClr val="accent4"/>
+          </a:lnRef>
+          <a:fillRef idx="2">
+            <a:schemeClr val="accent4"/>
+          </a:fillRef>
+          <a:effectRef idx="1">
+            <a:schemeClr val="accent4"/>
+          </a:effectRef>
+          <a:fontRef idx="minor">
+            <a:schemeClr val="dk1"/>
+          </a:fontRef>
+        </p:style>
+        <p:txBody>
+          <a:bodyPr anchor="ctr"/>
+          <a:lstStyle/>
+          <a:p>
+            <a:pPr algn="ctr"/>
+            <a:r>
+              <a:rPr kumimoji="1" lang="zh-CN" altLang="en-US" sz="1400" dirty="0">
+                <a:latin typeface="Heiti SC Light" charset="-122"/>
+                <a:ea typeface="Heiti SC Light" charset="-122"/>
+                <a:cs typeface="Heiti SC Light" charset="-122"/>
+              </a:rPr>
+              <a:t>调度请求</a:t>
+            </a:r>
+          </a:p>
+          <a:p>
+            <a:pPr algn="ctr"/>
+            <a:r>
+              <a:rPr kumimoji="1" lang="en-US" altLang="zh-CN" sz="1400" dirty="0">
+                <a:latin typeface="Heiti SC Light" charset="-122"/>
+                <a:ea typeface="Heiti SC Light" charset="-122"/>
+                <a:cs typeface="Heiti SC Light" charset="-122"/>
+              </a:rPr>
+              <a:t>(queue)</a:t>
+            </a:r>
+            <a:endParaRPr kumimoji="1" lang="zh-CN" altLang="en-US" sz="1400" dirty="0">
+              <a:latin typeface="Heiti SC Light" charset="-122"/>
+              <a:ea typeface="Heiti SC Light" charset="-122"/>
+              <a:cs typeface="Heiti SC Light" charset="-122"/>
+            </a:endParaRPr>
+          </a:p>
+        </p:txBody>
+      </p:sp>
+      <p:cxnSp>
+        <p:nvCxnSpPr>
+          <p:cNvPr id="207" name="直线箭头连接符 206"/>
+          <p:cNvCxnSpPr/>
+          <p:nvPr/>
+        </p:nvCxnSpPr>
+        <p:spPr>
+          <a:xfrm flipH="1" flipV="1">
+            <a:off x="5938417" y="3627371"/>
+            <a:ext cx="872707" cy="11641"/>
+          </a:xfrm>
+          <a:prstGeom prst="straightConnector1">
+            <a:avLst/>
+          </a:prstGeom>
+          <a:ln w="28575">
+            <a:prstDash val="sysDash"/>
+            <a:headEnd type="none" w="med" len="med"/>
+            <a:tailEnd type="arrow" w="med" len="med"/>
+          </a:ln>
+        </p:spPr>
+        <p:style>
+          <a:lnRef idx="2">
+            <a:schemeClr val="accent1"/>
+          </a:lnRef>
+          <a:fillRef idx="0">
+            <a:schemeClr val="accent1"/>
+          </a:fillRef>
+          <a:effectRef idx="1">
+            <a:schemeClr val="accent1"/>
+          </a:effectRef>
+          <a:fontRef idx="minor">
+            <a:schemeClr val="tx1"/>
+          </a:fontRef>
+        </p:style>
+      </p:cxnSp>
+      <p:sp>
+        <p:nvSpPr>
+          <p:cNvPr id="57" name="圆角矩形 56"/>
+          <p:cNvSpPr/>
+          <p:nvPr/>
+        </p:nvSpPr>
+        <p:spPr>
+          <a:xfrm>
+            <a:off x="9224192" y="4620762"/>
+            <a:ext cx="1990310" cy="567638"/>
+          </a:xfrm>
+          <a:prstGeom prst="roundRect">
+            <a:avLst/>
+          </a:prstGeom>
+          <a:solidFill>
+            <a:srgbClr val="58B8D1"/>
+          </a:solidFill>
+        </p:spPr>
+        <p:style>
+          <a:lnRef idx="0">
+            <a:schemeClr val="accent1"/>
+          </a:lnRef>
+          <a:fillRef idx="3">
+            <a:schemeClr val="accent1"/>
+          </a:fillRef>
+          <a:effectRef idx="3">
+            <a:schemeClr val="accent1"/>
+          </a:effectRef>
+          <a:fontRef idx="minor">
+            <a:schemeClr val="lt1"/>
+          </a:fontRef>
+        </p:style>
+        <p:txBody>
+          <a:bodyPr anchor="ctr"/>
+          <a:lstStyle/>
+          <a:p>
+            <a:pPr algn="ctr">
+              <a:defRPr/>
+            </a:pPr>
+            <a:r>
+              <a:rPr kumimoji="1" lang="zh-CN" altLang="en-US" sz="1400" dirty="0">
+                <a:latin typeface="Heiti SC Light" charset="-122"/>
+                <a:ea typeface="Heiti SC Light" charset="-122"/>
+                <a:cs typeface="Heiti SC Light" charset="-122"/>
+              </a:rPr>
+              <a:t>自研</a:t>
+            </a:r>
+            <a:r>
+              <a:rPr kumimoji="1" lang="en-US" altLang="zh-CN" sz="1400" dirty="0">
+                <a:latin typeface="Heiti SC Light" charset="-122"/>
+                <a:ea typeface="Heiti SC Light" charset="-122"/>
+                <a:cs typeface="Heiti SC Light" charset="-122"/>
+              </a:rPr>
+              <a:t>RPC</a:t>
+            </a:r>
+            <a:endParaRPr kumimoji="1" lang="zh-CN" altLang="en-US" sz="1400" dirty="0">
+              <a:latin typeface="Heiti SC Light" charset="-122"/>
+              <a:ea typeface="Heiti SC Light" charset="-122"/>
+              <a:cs typeface="Heiti SC Light" charset="-122"/>
+            </a:endParaRPr>
+          </a:p>
+        </p:txBody>
+      </p:sp>
+      <p:cxnSp>
+        <p:nvCxnSpPr>
+          <p:cNvPr id="52" name="直线箭头连接符 51"/>
+          <p:cNvCxnSpPr/>
+          <p:nvPr/>
+        </p:nvCxnSpPr>
+        <p:spPr>
+          <a:xfrm flipH="1" flipV="1">
+            <a:off x="5943168" y="4896551"/>
+            <a:ext cx="903294" cy="11119"/>
+          </a:xfrm>
+          <a:prstGeom prst="straightConnector1">
+            <a:avLst/>
+          </a:prstGeom>
+          <a:ln w="28575">
+            <a:prstDash val="sysDash"/>
+            <a:headEnd type="none" w="med" len="med"/>
+            <a:tailEnd type="arrow" w="med" len="med"/>
+          </a:ln>
+        </p:spPr>
+        <p:style>
+          <a:lnRef idx="2">
+            <a:schemeClr val="accent1"/>
+          </a:lnRef>
+          <a:fillRef idx="0">
+            <a:schemeClr val="accent1"/>
+          </a:fillRef>
+          <a:effectRef idx="1">
+            <a:schemeClr val="accent1"/>
+          </a:effectRef>
+          <a:fontRef idx="minor">
+            <a:schemeClr val="tx1"/>
+          </a:fontRef>
+        </p:style>
+      </p:cxnSp>
+      <p:sp>
+        <p:nvSpPr>
+          <p:cNvPr id="81" name="矩形 80"/>
+          <p:cNvSpPr/>
+          <p:nvPr/>
+        </p:nvSpPr>
+        <p:spPr>
+          <a:xfrm>
+            <a:off x="6861591" y="1940899"/>
+            <a:ext cx="2458407" cy="856602"/>
+          </a:xfrm>
+          <a:prstGeom prst="rect">
+            <a:avLst/>
+          </a:prstGeom>
+          <a:solidFill>
+            <a:srgbClr val="E0EBFF"/>
+          </a:solidFill>
+          <a:ln>
+            <a:solidFill>
+              <a:srgbClr val="FFF2CD"/>
+            </a:solidFill>
+          </a:ln>
+        </p:spPr>
+        <p:style>
+          <a:lnRef idx="1">
+            <a:schemeClr val="accent1"/>
+          </a:lnRef>
+          <a:fillRef idx="2">
+            <a:schemeClr val="accent1"/>
+          </a:fillRef>
+          <a:effectRef idx="1">
+            <a:schemeClr val="accent1"/>
+          </a:effectRef>
+          <a:fontRef idx="minor">
+            <a:schemeClr val="dk1"/>
+          </a:fontRef>
+        </p:style>
+        <p:txBody>
+          <a:bodyPr anchor="b"/>
+          <a:lstStyle/>
+          <a:p>
+            <a:pPr algn="ctr">
+              <a:defRPr/>
+            </a:pPr>
+            <a:endParaRPr kumimoji="1" lang="zh-CN" altLang="en-US" sz="1600" b="1" dirty="0">
+              <a:latin typeface="Heiti SC Light" charset="-122"/>
+              <a:ea typeface="Heiti SC Light" charset="-122"/>
+              <a:cs typeface="Heiti SC Light" charset="-122"/>
+            </a:endParaRPr>
+          </a:p>
+        </p:txBody>
+      </p:sp>
+      <p:sp>
+        <p:nvSpPr>
+          <p:cNvPr id="82" name="多文档 81"/>
+          <p:cNvSpPr/>
+          <p:nvPr/>
+        </p:nvSpPr>
+        <p:spPr>
+          <a:xfrm>
+            <a:off x="8102736" y="2034466"/>
+            <a:ext cx="1128362" cy="644066"/>
+          </a:xfrm>
+          <a:prstGeom prst="flowChartMultidocument">
+            <a:avLst/>
+          </a:prstGeom>
+        </p:spPr>
+        <p:style>
+          <a:lnRef idx="1">
+            <a:schemeClr val="accent3"/>
+          </a:lnRef>
+          <a:fillRef idx="2">
+            <a:schemeClr val="accent3"/>
+          </a:fillRef>
+          <a:effectRef idx="1">
+            <a:schemeClr val="accent3"/>
+          </a:effectRef>
+          <a:fontRef idx="minor">
+            <a:schemeClr val="dk1"/>
+          </a:fontRef>
+        </p:style>
+        <p:txBody>
+          <a:bodyPr rtlCol="0" anchor="ctr"/>
+          <a:lstStyle/>
+          <a:p>
+            <a:pPr algn="ctr">
+              <a:defRPr/>
+            </a:pPr>
+            <a:r>
+              <a:rPr kumimoji="1" lang="zh-CN" altLang="en-US" sz="1400" dirty="0">
+                <a:latin typeface="Heiti SC Light" charset="-122"/>
+                <a:ea typeface="Heiti SC Light" charset="-122"/>
+                <a:cs typeface="Heiti SC Light" charset="-122"/>
+              </a:rPr>
+              <a:t>执行日志</a:t>
+            </a:r>
+          </a:p>
+          <a:p>
+            <a:pPr algn="ctr">
+              <a:defRPr/>
+            </a:pPr>
+            <a:r>
+              <a:rPr kumimoji="1" lang="en-US" altLang="zh-CN" sz="1400" dirty="0">
+                <a:latin typeface="Heiti SC Light" charset="-122"/>
+                <a:ea typeface="Heiti SC Light" charset="-122"/>
+                <a:cs typeface="Heiti SC Light" charset="-122"/>
+              </a:rPr>
+              <a:t>(Log</a:t>
+            </a:r>
+            <a:r>
+              <a:rPr kumimoji="1" lang="zh-CN" altLang="en-US" sz="1400" dirty="0">
+                <a:latin typeface="Heiti SC Light" charset="-122"/>
+                <a:ea typeface="Heiti SC Light" charset="-122"/>
+                <a:cs typeface="Heiti SC Light" charset="-122"/>
+              </a:rPr>
+              <a:t>文件</a:t>
+            </a:r>
+            <a:r>
+              <a:rPr kumimoji="1" lang="en-US" altLang="zh-CN" sz="1400" dirty="0">
+                <a:latin typeface="Heiti SC Light" charset="-122"/>
+                <a:ea typeface="Heiti SC Light" charset="-122"/>
+                <a:cs typeface="Heiti SC Light" charset="-122"/>
+              </a:rPr>
+              <a:t>)</a:t>
+            </a:r>
+            <a:endParaRPr kumimoji="1" lang="zh-CN" altLang="en-US" sz="1400" dirty="0">
+              <a:latin typeface="Heiti SC Light" charset="-122"/>
+              <a:ea typeface="Heiti SC Light" charset="-122"/>
+              <a:cs typeface="Heiti SC Light" charset="-122"/>
+            </a:endParaRPr>
+          </a:p>
+        </p:txBody>
+      </p:sp>
+      <p:sp>
+        <p:nvSpPr>
+          <p:cNvPr id="102" name="圆角矩形 101"/>
+          <p:cNvSpPr/>
+          <p:nvPr/>
+        </p:nvSpPr>
+        <p:spPr>
+          <a:xfrm>
+            <a:off x="6959119" y="3361483"/>
+            <a:ext cx="1074713" cy="575198"/>
+          </a:xfrm>
+          <a:prstGeom prst="roundRect">
+            <a:avLst/>
+          </a:prstGeom>
+          <a:solidFill>
+            <a:srgbClr val="58B8D1"/>
+          </a:solidFill>
+        </p:spPr>
+        <p:style>
+          <a:lnRef idx="0">
+            <a:schemeClr val="accent1"/>
+          </a:lnRef>
+          <a:fillRef idx="3">
+            <a:schemeClr val="accent1"/>
+          </a:fillRef>
+          <a:effectRef idx="3">
+            <a:schemeClr val="accent1"/>
+          </a:effectRef>
+          <a:fontRef idx="minor">
+            <a:schemeClr val="lt1"/>
+          </a:fontRef>
+        </p:style>
+        <p:txBody>
+          <a:bodyPr anchor="ctr"/>
+          <a:lstStyle/>
+          <a:p>
+            <a:pPr algn="ctr"/>
+            <a:r>
+              <a:rPr kumimoji="1" lang="zh-CN" altLang="en-US" sz="1400" dirty="0">
+                <a:latin typeface="Heiti SC Light" charset="-122"/>
+                <a:ea typeface="Heiti SC Light" charset="-122"/>
+                <a:cs typeface="Heiti SC Light" charset="-122"/>
+              </a:rPr>
+              <a:t>回调线程</a:t>
+            </a:r>
+          </a:p>
+        </p:txBody>
+      </p:sp>
+      <p:cxnSp>
+        <p:nvCxnSpPr>
+          <p:cNvPr id="118" name="直线箭头连接符 117"/>
+          <p:cNvCxnSpPr/>
+          <p:nvPr/>
+        </p:nvCxnSpPr>
+        <p:spPr>
+          <a:xfrm flipH="1">
+            <a:off x="9337243" y="2378430"/>
+            <a:ext cx="366394" cy="3349"/>
+          </a:xfrm>
+          <a:prstGeom prst="straightConnector1">
+            <a:avLst/>
+          </a:prstGeom>
+          <a:ln w="28575">
+            <a:prstDash val="sysDash"/>
+            <a:headEnd type="none" w="med" len="med"/>
+            <a:tailEnd type="arrow" w="med" len="med"/>
+          </a:ln>
+        </p:spPr>
+        <p:style>
+          <a:lnRef idx="2">
+            <a:schemeClr val="accent1"/>
+          </a:lnRef>
+          <a:fillRef idx="0">
+            <a:schemeClr val="accent1"/>
+          </a:fillRef>
+          <a:effectRef idx="1">
+            <a:schemeClr val="accent1"/>
+          </a:effectRef>
+          <a:fontRef idx="minor">
+            <a:schemeClr val="tx1"/>
+          </a:fontRef>
+        </p:style>
+      </p:cxnSp>
+      <p:cxnSp>
+        <p:nvCxnSpPr>
+          <p:cNvPr id="120" name="直线箭头连接符 119"/>
+          <p:cNvCxnSpPr/>
+          <p:nvPr/>
+        </p:nvCxnSpPr>
+        <p:spPr>
+          <a:xfrm flipH="1">
+            <a:off x="9337243" y="3661114"/>
+            <a:ext cx="366394" cy="3349"/>
+          </a:xfrm>
+          <a:prstGeom prst="straightConnector1">
+            <a:avLst/>
+          </a:prstGeom>
+          <a:ln w="28575">
+            <a:prstDash val="sysDash"/>
+            <a:headEnd type="none" w="med" len="med"/>
+            <a:tailEnd type="arrow" w="med" len="med"/>
+          </a:ln>
+        </p:spPr>
+        <p:style>
+          <a:lnRef idx="2">
+            <a:schemeClr val="accent1"/>
+          </a:lnRef>
+          <a:fillRef idx="0">
+            <a:schemeClr val="accent1"/>
+          </a:fillRef>
+          <a:effectRef idx="1">
+            <a:schemeClr val="accent1"/>
+          </a:effectRef>
+          <a:fontRef idx="minor">
+            <a:schemeClr val="tx1"/>
+          </a:fontRef>
+        </p:style>
+      </p:cxnSp>
+      <p:sp>
+        <p:nvSpPr>
+          <p:cNvPr id="121" name="可选流程 120"/>
+          <p:cNvSpPr/>
+          <p:nvPr/>
+        </p:nvSpPr>
+        <p:spPr>
+          <a:xfrm>
+            <a:off x="4275442" y="2073176"/>
+            <a:ext cx="1654126" cy="582276"/>
+          </a:xfrm>
+          <a:prstGeom prst="flowChartAlternateProcess">
+            <a:avLst/>
+          </a:prstGeom>
+          <a:solidFill>
+            <a:srgbClr val="6095C9"/>
+          </a:solidFill>
+        </p:spPr>
+        <p:style>
+          <a:lnRef idx="0">
+            <a:schemeClr val="accent1"/>
+          </a:lnRef>
+          <a:fillRef idx="3">
+            <a:schemeClr val="accent1"/>
+          </a:fillRef>
+          <a:effectRef idx="3">
+            <a:schemeClr val="accent1"/>
+          </a:effectRef>
+          <a:fontRef idx="minor">
+            <a:schemeClr val="lt1"/>
+          </a:fontRef>
+        </p:style>
+        <p:txBody>
+          <a:bodyPr anchor="ctr"/>
+          <a:lstStyle/>
+          <a:p>
+            <a:pPr algn="ctr">
+              <a:defRPr/>
+            </a:pPr>
+            <a:r>
+              <a:rPr kumimoji="1" lang="en-US" altLang="zh-CN" sz="1400" dirty="0">
+                <a:latin typeface="Heiti SC Light" charset="-122"/>
+                <a:ea typeface="Heiti SC Light" charset="-122"/>
+                <a:cs typeface="Heiti SC Light" charset="-122"/>
+              </a:rPr>
+              <a:t>Rolling</a:t>
+            </a:r>
+            <a:r>
+              <a:rPr kumimoji="1" lang="zh-CN" altLang="en-US" sz="1400" dirty="0">
+                <a:latin typeface="Heiti SC Light" charset="-122"/>
+                <a:ea typeface="Heiti SC Light" charset="-122"/>
+                <a:cs typeface="Heiti SC Light" charset="-122"/>
+              </a:rPr>
+              <a:t>日志</a:t>
+            </a:r>
+          </a:p>
+          <a:p>
+            <a:pPr algn="ctr">
+              <a:defRPr/>
+            </a:pPr>
+            <a:r>
+              <a:rPr kumimoji="1" lang="en-US" altLang="zh-CN" sz="1400" dirty="0">
+                <a:latin typeface="Heiti SC Light" charset="-122"/>
+                <a:ea typeface="Heiti SC Light" charset="-122"/>
+                <a:cs typeface="Heiti SC Light" charset="-122"/>
+              </a:rPr>
+              <a:t>(</a:t>
+            </a:r>
+            <a:r>
+              <a:rPr kumimoji="1" lang="zh-CN" altLang="en-US" sz="1400" dirty="0">
+                <a:latin typeface="Heiti SC Light" charset="-122"/>
+                <a:ea typeface="Heiti SC Light" charset="-122"/>
+                <a:cs typeface="Heiti SC Light" charset="-122"/>
+              </a:rPr>
+              <a:t>实时</a:t>
+            </a:r>
+            <a:r>
+              <a:rPr kumimoji="1" lang="en-US" altLang="zh-CN" sz="1400" dirty="0">
+                <a:latin typeface="Heiti SC Light" charset="-122"/>
+                <a:ea typeface="Heiti SC Light" charset="-122"/>
+                <a:cs typeface="Heiti SC Light" charset="-122"/>
+              </a:rPr>
+              <a:t>)</a:t>
+            </a:r>
+            <a:endParaRPr kumimoji="1" lang="zh-CN" altLang="en-US" sz="1400" dirty="0">
+              <a:latin typeface="Heiti SC Light" charset="-122"/>
+              <a:ea typeface="Heiti SC Light" charset="-122"/>
+              <a:cs typeface="Heiti SC Light" charset="-122"/>
+            </a:endParaRPr>
+          </a:p>
+        </p:txBody>
+      </p:sp>
+      <p:sp>
+        <p:nvSpPr>
+          <p:cNvPr id="122" name="可选流程 121"/>
+          <p:cNvSpPr/>
+          <p:nvPr/>
+        </p:nvSpPr>
+        <p:spPr>
+          <a:xfrm>
+            <a:off x="6959118" y="2073918"/>
+            <a:ext cx="1074713" cy="580685"/>
+          </a:xfrm>
+          <a:prstGeom prst="flowChartAlternateProcess">
+            <a:avLst/>
+          </a:prstGeom>
+          <a:solidFill>
+            <a:srgbClr val="6095C9"/>
+          </a:solidFill>
+        </p:spPr>
+        <p:style>
+          <a:lnRef idx="0">
+            <a:schemeClr val="accent1"/>
+          </a:lnRef>
+          <a:fillRef idx="3">
+            <a:schemeClr val="accent1"/>
+          </a:fillRef>
+          <a:effectRef idx="3">
+            <a:schemeClr val="accent1"/>
+          </a:effectRef>
+          <a:fontRef idx="minor">
+            <a:schemeClr val="lt1"/>
+          </a:fontRef>
+        </p:style>
+        <p:txBody>
+          <a:bodyPr anchor="ctr"/>
+          <a:lstStyle/>
+          <a:p>
+            <a:pPr algn="ctr">
+              <a:defRPr/>
+            </a:pPr>
+            <a:r>
+              <a:rPr kumimoji="1" lang="zh-CN" altLang="en-US" sz="1400" dirty="0">
+                <a:latin typeface="Heiti SC Light" charset="-122"/>
+                <a:ea typeface="Heiti SC Light" charset="-122"/>
+                <a:cs typeface="Heiti SC Light" charset="-122"/>
+              </a:rPr>
+              <a:t>日志服务</a:t>
+            </a:r>
+          </a:p>
+          <a:p>
+            <a:pPr algn="ctr">
+              <a:defRPr/>
+            </a:pPr>
+            <a:r>
+              <a:rPr kumimoji="1" lang="en-US" altLang="zh-CN" sz="1400" dirty="0">
+                <a:latin typeface="Heiti SC Light" charset="-122"/>
+                <a:ea typeface="Heiti SC Light" charset="-122"/>
+                <a:cs typeface="Heiti SC Light" charset="-122"/>
+              </a:rPr>
+              <a:t>(jetty)</a:t>
+            </a:r>
+            <a:endParaRPr kumimoji="1" lang="zh-CN" altLang="en-US" sz="1400" dirty="0">
+              <a:latin typeface="Heiti SC Light" charset="-122"/>
+              <a:ea typeface="Heiti SC Light" charset="-122"/>
+              <a:cs typeface="Heiti SC Light" charset="-122"/>
+            </a:endParaRPr>
+          </a:p>
+        </p:txBody>
+      </p:sp>
+    </p:spTree>
+    <p:extLst>
+      <p:ext uri="{BB962C8B-B14F-4D97-AF65-F5344CB8AC3E}">
+        <p14:creationId xmlns:p14="http://schemas.microsoft.com/office/powerpoint/2010/main" val="786243555"/>
       </p:ext>
     </p:extLst>
   </p:cSld>

--- a/doc/XXL-JOB架构图.pptx
+++ b/doc/XXL-JOB架构图.pptx
@@ -5,7 +5,7 @@
     <p:sldMasterId id="2147483648" r:id="rId1"/>
   </p:sldMasterIdLst>
   <p:notesMasterIdLst>
-    <p:notesMasterId r:id="rId7"/>
+    <p:notesMasterId r:id="rId8"/>
   </p:notesMasterIdLst>
   <p:sldIdLst>
     <p:sldId id="259" r:id="rId2"/>
@@ -13,6 +13,7 @@
     <p:sldId id="260" r:id="rId4"/>
     <p:sldId id="261" r:id="rId5"/>
     <p:sldId id="262" r:id="rId6"/>
+    <p:sldId id="263" r:id="rId7"/>
   </p:sldIdLst>
   <p:sldSz cx="12192000" cy="6858000"/>
   <p:notesSz cx="6858000" cy="9144000"/>
@@ -201,7 +202,7 @@
           <a:p>
             <a:fld id="{D2A48B96-639E-45A3-A0BA-2464DFDB1FAA}" type="datetimeFigureOut">
               <a:rPr lang="zh-CN" altLang="en-US" smtClean="0"/>
-              <a:t>17/7/17</a:t>
+              <a:t>17/8/14</a:t>
             </a:fld>
             <a:endParaRPr lang="zh-CN" altLang="en-US"/>
           </a:p>
@@ -1267,7 +1268,7 @@
           <a:p>
             <a:fld id="{D997B5FA-0921-464F-AAE1-844C04324D75}" type="datetimeFigureOut">
               <a:rPr lang="zh-CN" altLang="en-US" smtClean="0"/>
-              <a:t>17/7/17</a:t>
+              <a:t>17/8/14</a:t>
             </a:fld>
             <a:endParaRPr lang="zh-CN" altLang="en-US"/>
           </a:p>
@@ -1432,7 +1433,7 @@
           <a:p>
             <a:fld id="{D997B5FA-0921-464F-AAE1-844C04324D75}" type="datetimeFigureOut">
               <a:rPr lang="zh-CN" altLang="en-US" smtClean="0"/>
-              <a:t>17/7/17</a:t>
+              <a:t>17/8/14</a:t>
             </a:fld>
             <a:endParaRPr lang="zh-CN" altLang="en-US"/>
           </a:p>
@@ -1607,7 +1608,7 @@
           <a:p>
             <a:fld id="{D997B5FA-0921-464F-AAE1-844C04324D75}" type="datetimeFigureOut">
               <a:rPr lang="zh-CN" altLang="en-US" smtClean="0"/>
-              <a:t>17/7/17</a:t>
+              <a:t>17/8/14</a:t>
             </a:fld>
             <a:endParaRPr lang="zh-CN" altLang="en-US"/>
           </a:p>
@@ -1772,7 +1773,7 @@
           <a:p>
             <a:fld id="{D997B5FA-0921-464F-AAE1-844C04324D75}" type="datetimeFigureOut">
               <a:rPr lang="zh-CN" altLang="en-US" smtClean="0"/>
-              <a:t>17/7/17</a:t>
+              <a:t>17/8/14</a:t>
             </a:fld>
             <a:endParaRPr lang="zh-CN" altLang="en-US"/>
           </a:p>
@@ -2013,7 +2014,7 @@
           <a:p>
             <a:fld id="{D997B5FA-0921-464F-AAE1-844C04324D75}" type="datetimeFigureOut">
               <a:rPr lang="zh-CN" altLang="en-US" smtClean="0"/>
-              <a:t>17/7/17</a:t>
+              <a:t>17/8/14</a:t>
             </a:fld>
             <a:endParaRPr lang="zh-CN" altLang="en-US"/>
           </a:p>
@@ -2240,7 +2241,7 @@
           <a:p>
             <a:fld id="{D997B5FA-0921-464F-AAE1-844C04324D75}" type="datetimeFigureOut">
               <a:rPr lang="zh-CN" altLang="en-US" smtClean="0"/>
-              <a:t>17/7/17</a:t>
+              <a:t>17/8/14</a:t>
             </a:fld>
             <a:endParaRPr lang="zh-CN" altLang="en-US"/>
           </a:p>
@@ -2602,7 +2603,7 @@
           <a:p>
             <a:fld id="{D997B5FA-0921-464F-AAE1-844C04324D75}" type="datetimeFigureOut">
               <a:rPr lang="zh-CN" altLang="en-US" smtClean="0"/>
-              <a:t>17/7/17</a:t>
+              <a:t>17/8/14</a:t>
             </a:fld>
             <a:endParaRPr lang="zh-CN" altLang="en-US"/>
           </a:p>
@@ -2715,7 +2716,7 @@
           <a:p>
             <a:fld id="{D997B5FA-0921-464F-AAE1-844C04324D75}" type="datetimeFigureOut">
               <a:rPr lang="zh-CN" altLang="en-US" smtClean="0"/>
-              <a:t>17/7/17</a:t>
+              <a:t>17/8/14</a:t>
             </a:fld>
             <a:endParaRPr lang="zh-CN" altLang="en-US"/>
           </a:p>
@@ -2805,7 +2806,7 @@
           <a:p>
             <a:fld id="{D997B5FA-0921-464F-AAE1-844C04324D75}" type="datetimeFigureOut">
               <a:rPr lang="zh-CN" altLang="en-US" smtClean="0"/>
-              <a:t>17/7/17</a:t>
+              <a:t>17/8/14</a:t>
             </a:fld>
             <a:endParaRPr lang="zh-CN" altLang="en-US"/>
           </a:p>
@@ -3077,7 +3078,7 @@
           <a:p>
             <a:fld id="{D997B5FA-0921-464F-AAE1-844C04324D75}" type="datetimeFigureOut">
               <a:rPr lang="zh-CN" altLang="en-US" smtClean="0"/>
-              <a:t>17/7/17</a:t>
+              <a:t>17/8/14</a:t>
             </a:fld>
             <a:endParaRPr lang="zh-CN" altLang="en-US"/>
           </a:p>
@@ -3325,7 +3326,7 @@
           <a:p>
             <a:fld id="{D997B5FA-0921-464F-AAE1-844C04324D75}" type="datetimeFigureOut">
               <a:rPr lang="zh-CN" altLang="en-US" smtClean="0"/>
-              <a:t>17/7/17</a:t>
+              <a:t>17/8/14</a:t>
             </a:fld>
             <a:endParaRPr lang="zh-CN" altLang="en-US"/>
           </a:p>
@@ -3533,7 +3534,7 @@
           <a:p>
             <a:fld id="{D997B5FA-0921-464F-AAE1-844C04324D75}" type="datetimeFigureOut">
               <a:rPr lang="zh-CN" altLang="en-US" smtClean="0"/>
-              <a:t>17/7/17</a:t>
+              <a:t>17/8/14</a:t>
             </a:fld>
             <a:endParaRPr lang="zh-CN" altLang="en-US"/>
           </a:p>
@@ -14603,6 +14604,2227 @@
       </p:par>
     </p:tnLst>
   </p:timing>
+</p:sld>
+</file>
+
+<file path=ppt/slides/slide6.xml><?xml version="1.0" encoding="utf-8"?>
+<p:sld xmlns:a="http://schemas.openxmlformats.org/drawingml/2006/main" xmlns:r="http://schemas.openxmlformats.org/officeDocument/2006/relationships" xmlns:p="http://schemas.openxmlformats.org/presentationml/2006/main">
+  <p:cSld>
+    <p:spTree>
+      <p:nvGrpSpPr>
+        <p:cNvPr id="1" name=""/>
+        <p:cNvGrpSpPr/>
+        <p:nvPr/>
+      </p:nvGrpSpPr>
+      <p:grpSpPr>
+        <a:xfrm>
+          <a:off x="0" y="0"/>
+          <a:ext cx="0" cy="0"/>
+          <a:chOff x="0" y="0"/>
+          <a:chExt cx="0" cy="0"/>
+        </a:xfrm>
+      </p:grpSpPr>
+      <p:sp>
+        <p:nvSpPr>
+          <p:cNvPr id="36" name="矩形 35"/>
+          <p:cNvSpPr/>
+          <p:nvPr/>
+        </p:nvSpPr>
+        <p:spPr>
+          <a:xfrm>
+            <a:off x="7688195" y="3631781"/>
+            <a:ext cx="270435" cy="257953"/>
+          </a:xfrm>
+          <a:prstGeom prst="rect">
+            <a:avLst/>
+          </a:prstGeom>
+          <a:noFill/>
+          <a:ln w="9525" cap="flat" cmpd="sng" algn="ctr">
+            <a:solidFill>
+              <a:sysClr val="windowText" lastClr="000000"/>
+            </a:solidFill>
+            <a:prstDash val="solid"/>
+          </a:ln>
+          <a:effectLst>
+            <a:outerShdw blurRad="40000" dist="23000" dir="5400000" rotWithShape="0">
+              <a:srgbClr val="000000">
+                <a:alpha val="35000"/>
+              </a:srgbClr>
+            </a:outerShdw>
+          </a:effectLst>
+        </p:spPr>
+        <p:txBody>
+          <a:bodyPr rtlCol="0" anchor="ctr"/>
+          <a:lstStyle/>
+          <a:p>
+            <a:pPr marL="0" marR="0" lvl="0" indent="0" algn="ctr" defTabSz="457200" eaLnBrk="1" fontAlgn="auto" latinLnBrk="0" hangingPunct="1">
+              <a:lnSpc>
+                <a:spcPct val="100000"/>
+              </a:lnSpc>
+              <a:spcBef>
+                <a:spcPts val="0"/>
+              </a:spcBef>
+              <a:spcAft>
+                <a:spcPts val="0"/>
+              </a:spcAft>
+              <a:buClrTx/>
+              <a:buSzTx/>
+              <a:buFontTx/>
+              <a:buNone/>
+              <a:tabLst/>
+              <a:defRPr/>
+            </a:pPr>
+            <a:endParaRPr kumimoji="1" lang="zh-CN" altLang="en-US" sz="1800" b="0" i="0" u="none" strike="noStrike" kern="0" cap="none" spc="0" normalizeH="0" baseline="0" noProof="0" smtClean="0">
+              <a:ln>
+                <a:noFill/>
+              </a:ln>
+              <a:solidFill>
+                <a:prstClr val="white"/>
+              </a:solidFill>
+              <a:effectLst/>
+              <a:uLnTx/>
+              <a:uFillTx/>
+              <a:latin typeface="Calibri"/>
+              <a:ea typeface="宋体" charset="0"/>
+              <a:cs typeface=""/>
+            </a:endParaRPr>
+          </a:p>
+        </p:txBody>
+      </p:sp>
+      <p:sp>
+        <p:nvSpPr>
+          <p:cNvPr id="37" name="罐形 36"/>
+          <p:cNvSpPr/>
+          <p:nvPr/>
+        </p:nvSpPr>
+        <p:spPr>
+          <a:xfrm>
+            <a:off x="6652456" y="4277386"/>
+            <a:ext cx="1442318" cy="361135"/>
+          </a:xfrm>
+          <a:prstGeom prst="can">
+            <a:avLst/>
+          </a:prstGeom>
+          <a:gradFill rotWithShape="1">
+            <a:gsLst>
+              <a:gs pos="0">
+                <a:sysClr val="windowText" lastClr="000000">
+                  <a:tint val="50000"/>
+                  <a:satMod val="300000"/>
+                </a:sysClr>
+              </a:gs>
+              <a:gs pos="35000">
+                <a:sysClr val="windowText" lastClr="000000">
+                  <a:tint val="37000"/>
+                  <a:satMod val="300000"/>
+                </a:sysClr>
+              </a:gs>
+              <a:gs pos="100000">
+                <a:sysClr val="windowText" lastClr="000000">
+                  <a:tint val="15000"/>
+                  <a:satMod val="350000"/>
+                </a:sysClr>
+              </a:gs>
+            </a:gsLst>
+            <a:lin ang="16200000" scaled="1"/>
+          </a:gradFill>
+          <a:ln w="9525" cap="flat" cmpd="sng" algn="ctr">
+            <a:solidFill>
+              <a:sysClr val="windowText" lastClr="000000">
+                <a:shade val="95000"/>
+                <a:satMod val="105000"/>
+              </a:sysClr>
+            </a:solidFill>
+            <a:prstDash val="solid"/>
+          </a:ln>
+          <a:effectLst>
+            <a:outerShdw blurRad="40000" dist="20000" dir="5400000" rotWithShape="0">
+              <a:srgbClr val="000000">
+                <a:alpha val="38000"/>
+              </a:srgbClr>
+            </a:outerShdw>
+          </a:effectLst>
+        </p:spPr>
+        <p:txBody>
+          <a:bodyPr rtlCol="0" anchor="ctr"/>
+          <a:lstStyle/>
+          <a:p>
+            <a:pPr marL="0" marR="0" lvl="0" indent="0" algn="ctr" defTabSz="457200" eaLnBrk="1" fontAlgn="auto" latinLnBrk="0" hangingPunct="1">
+              <a:lnSpc>
+                <a:spcPct val="100000"/>
+              </a:lnSpc>
+              <a:spcBef>
+                <a:spcPts val="0"/>
+              </a:spcBef>
+              <a:spcAft>
+                <a:spcPts val="0"/>
+              </a:spcAft>
+              <a:buClrTx/>
+              <a:buSzTx/>
+              <a:buFontTx/>
+              <a:buNone/>
+              <a:tabLst/>
+              <a:defRPr/>
+            </a:pPr>
+            <a:r>
+              <a:rPr kumimoji="1" lang="zh-CN" altLang="en-US" sz="1100" b="0" i="0" u="none" strike="noStrike" kern="0" cap="none" spc="0" normalizeH="0" baseline="0" noProof="0" dirty="0" smtClean="0">
+                <a:ln>
+                  <a:noFill/>
+                </a:ln>
+                <a:solidFill>
+                  <a:prstClr val="black"/>
+                </a:solidFill>
+                <a:effectLst/>
+                <a:uLnTx/>
+                <a:uFillTx/>
+                <a:latin typeface="微软雅黑"/>
+                <a:ea typeface="微软雅黑"/>
+                <a:cs typeface="微软雅黑"/>
+              </a:rPr>
+              <a:t>业务数据</a:t>
+            </a:r>
+          </a:p>
+        </p:txBody>
+      </p:sp>
+      <p:sp>
+        <p:nvSpPr>
+          <p:cNvPr id="38" name="矩形 37"/>
+          <p:cNvSpPr/>
+          <p:nvPr/>
+        </p:nvSpPr>
+        <p:spPr>
+          <a:xfrm>
+            <a:off x="7238396" y="3631781"/>
+            <a:ext cx="270435" cy="257953"/>
+          </a:xfrm>
+          <a:prstGeom prst="rect">
+            <a:avLst/>
+          </a:prstGeom>
+          <a:noFill/>
+          <a:ln w="9525" cap="flat" cmpd="sng" algn="ctr">
+            <a:solidFill>
+              <a:sysClr val="windowText" lastClr="000000"/>
+            </a:solidFill>
+            <a:prstDash val="solid"/>
+          </a:ln>
+          <a:effectLst>
+            <a:outerShdw blurRad="40000" dist="23000" dir="5400000" rotWithShape="0">
+              <a:srgbClr val="000000">
+                <a:alpha val="35000"/>
+              </a:srgbClr>
+            </a:outerShdw>
+          </a:effectLst>
+        </p:spPr>
+        <p:txBody>
+          <a:bodyPr rtlCol="0" anchor="ctr"/>
+          <a:lstStyle/>
+          <a:p>
+            <a:pPr marL="0" marR="0" lvl="0" indent="0" algn="ctr" defTabSz="457200" eaLnBrk="1" fontAlgn="auto" latinLnBrk="0" hangingPunct="1">
+              <a:lnSpc>
+                <a:spcPct val="100000"/>
+              </a:lnSpc>
+              <a:spcBef>
+                <a:spcPts val="0"/>
+              </a:spcBef>
+              <a:spcAft>
+                <a:spcPts val="0"/>
+              </a:spcAft>
+              <a:buClrTx/>
+              <a:buSzTx/>
+              <a:buFontTx/>
+              <a:buNone/>
+              <a:tabLst/>
+              <a:defRPr/>
+            </a:pPr>
+            <a:endParaRPr kumimoji="1" lang="zh-CN" altLang="en-US" sz="1800" b="0" i="0" u="none" strike="noStrike" kern="0" cap="none" spc="0" normalizeH="0" baseline="0" noProof="0" smtClean="0">
+              <a:ln>
+                <a:noFill/>
+              </a:ln>
+              <a:solidFill>
+                <a:prstClr val="white"/>
+              </a:solidFill>
+              <a:effectLst/>
+              <a:uLnTx/>
+              <a:uFillTx/>
+              <a:latin typeface="Calibri"/>
+              <a:ea typeface="宋体" charset="0"/>
+              <a:cs typeface=""/>
+            </a:endParaRPr>
+          </a:p>
+        </p:txBody>
+      </p:sp>
+      <p:sp>
+        <p:nvSpPr>
+          <p:cNvPr id="39" name="矩形 38"/>
+          <p:cNvSpPr/>
+          <p:nvPr/>
+        </p:nvSpPr>
+        <p:spPr>
+          <a:xfrm>
+            <a:off x="6788597" y="3631782"/>
+            <a:ext cx="270435" cy="257953"/>
+          </a:xfrm>
+          <a:prstGeom prst="rect">
+            <a:avLst/>
+          </a:prstGeom>
+          <a:noFill/>
+          <a:ln w="9525" cap="flat" cmpd="sng" algn="ctr">
+            <a:solidFill>
+              <a:srgbClr val="FF0000"/>
+            </a:solidFill>
+            <a:prstDash val="solid"/>
+          </a:ln>
+          <a:effectLst>
+            <a:outerShdw blurRad="40000" dist="23000" dir="5400000" rotWithShape="0">
+              <a:srgbClr val="000000">
+                <a:alpha val="35000"/>
+              </a:srgbClr>
+            </a:outerShdw>
+          </a:effectLst>
+        </p:spPr>
+        <p:txBody>
+          <a:bodyPr rtlCol="0" anchor="ctr"/>
+          <a:lstStyle/>
+          <a:p>
+            <a:pPr marL="0" marR="0" lvl="0" indent="0" algn="ctr" defTabSz="457200" eaLnBrk="1" fontAlgn="auto" latinLnBrk="0" hangingPunct="1">
+              <a:lnSpc>
+                <a:spcPct val="100000"/>
+              </a:lnSpc>
+              <a:spcBef>
+                <a:spcPts val="0"/>
+              </a:spcBef>
+              <a:spcAft>
+                <a:spcPts val="0"/>
+              </a:spcAft>
+              <a:buClrTx/>
+              <a:buSzTx/>
+              <a:buFontTx/>
+              <a:buNone/>
+              <a:tabLst/>
+              <a:defRPr/>
+            </a:pPr>
+            <a:endParaRPr kumimoji="1" lang="zh-CN" altLang="en-US" sz="1800" b="0" i="0" u="none" strike="noStrike" kern="0" cap="none" spc="0" normalizeH="0" baseline="0" noProof="0" smtClean="0">
+              <a:ln>
+                <a:noFill/>
+              </a:ln>
+              <a:solidFill>
+                <a:prstClr val="white"/>
+              </a:solidFill>
+              <a:effectLst/>
+              <a:uLnTx/>
+              <a:uFillTx/>
+              <a:latin typeface="Calibri"/>
+              <a:ea typeface="宋体" charset="0"/>
+              <a:cs typeface=""/>
+            </a:endParaRPr>
+          </a:p>
+        </p:txBody>
+      </p:sp>
+      <p:cxnSp>
+        <p:nvCxnSpPr>
+          <p:cNvPr id="40" name="直线箭头连接符 39"/>
+          <p:cNvCxnSpPr/>
+          <p:nvPr/>
+        </p:nvCxnSpPr>
+        <p:spPr>
+          <a:xfrm>
+            <a:off x="7823414" y="3936572"/>
+            <a:ext cx="0" cy="309544"/>
+          </a:xfrm>
+          <a:prstGeom prst="straightConnector1">
+            <a:avLst/>
+          </a:prstGeom>
+          <a:noFill/>
+          <a:ln w="19050" cap="flat" cmpd="sng" algn="ctr">
+            <a:solidFill>
+              <a:srgbClr val="595959"/>
+            </a:solidFill>
+            <a:prstDash val="solid"/>
+            <a:headEnd type="triangle"/>
+            <a:tailEnd type="triangle"/>
+          </a:ln>
+          <a:effectLst>
+            <a:outerShdw blurRad="40000" dist="20000" dir="5400000" rotWithShape="0">
+              <a:srgbClr val="000000">
+                <a:alpha val="38000"/>
+              </a:srgbClr>
+            </a:outerShdw>
+          </a:effectLst>
+        </p:spPr>
+      </p:cxnSp>
+      <p:cxnSp>
+        <p:nvCxnSpPr>
+          <p:cNvPr id="41" name="直线箭头连接符 40"/>
+          <p:cNvCxnSpPr/>
+          <p:nvPr/>
+        </p:nvCxnSpPr>
+        <p:spPr>
+          <a:xfrm>
+            <a:off x="7371126" y="3936572"/>
+            <a:ext cx="0" cy="309544"/>
+          </a:xfrm>
+          <a:prstGeom prst="straightConnector1">
+            <a:avLst/>
+          </a:prstGeom>
+          <a:noFill/>
+          <a:ln w="19050" cap="flat" cmpd="sng" algn="ctr">
+            <a:solidFill>
+              <a:srgbClr val="595959"/>
+            </a:solidFill>
+            <a:prstDash val="solid"/>
+            <a:headEnd type="triangle"/>
+            <a:tailEnd type="triangle"/>
+          </a:ln>
+          <a:effectLst>
+            <a:outerShdw blurRad="40000" dist="20000" dir="5400000" rotWithShape="0">
+              <a:srgbClr val="000000">
+                <a:alpha val="38000"/>
+              </a:srgbClr>
+            </a:outerShdw>
+          </a:effectLst>
+        </p:spPr>
+      </p:cxnSp>
+      <p:cxnSp>
+        <p:nvCxnSpPr>
+          <p:cNvPr id="42" name="直线箭头连接符 41"/>
+          <p:cNvCxnSpPr/>
+          <p:nvPr/>
+        </p:nvCxnSpPr>
+        <p:spPr>
+          <a:xfrm>
+            <a:off x="6923816" y="3936572"/>
+            <a:ext cx="0" cy="309544"/>
+          </a:xfrm>
+          <a:prstGeom prst="straightConnector1">
+            <a:avLst/>
+          </a:prstGeom>
+          <a:noFill/>
+          <a:ln w="12700" cap="flat" cmpd="sng" algn="ctr">
+            <a:solidFill>
+              <a:srgbClr val="EC5044"/>
+            </a:solidFill>
+            <a:prstDash val="solid"/>
+            <a:headEnd type="triangle"/>
+            <a:tailEnd type="triangle"/>
+          </a:ln>
+          <a:effectLst>
+            <a:outerShdw blurRad="40000" dist="20000" dir="5400000" rotWithShape="0">
+              <a:srgbClr val="000000">
+                <a:alpha val="38000"/>
+              </a:srgbClr>
+            </a:outerShdw>
+          </a:effectLst>
+        </p:spPr>
+      </p:cxnSp>
+      <p:sp>
+        <p:nvSpPr>
+          <p:cNvPr id="43" name="椭圆 42"/>
+          <p:cNvSpPr/>
+          <p:nvPr/>
+        </p:nvSpPr>
+        <p:spPr>
+          <a:xfrm>
+            <a:off x="5137130" y="1961461"/>
+            <a:ext cx="901448" cy="309543"/>
+          </a:xfrm>
+          <a:prstGeom prst="ellipse">
+            <a:avLst/>
+          </a:prstGeom>
+          <a:gradFill rotWithShape="1">
+            <a:gsLst>
+              <a:gs pos="0">
+                <a:srgbClr val="4F81BD">
+                  <a:tint val="100000"/>
+                  <a:shade val="100000"/>
+                  <a:satMod val="130000"/>
+                </a:srgbClr>
+              </a:gs>
+              <a:gs pos="100000">
+                <a:srgbClr val="4F81BD">
+                  <a:tint val="50000"/>
+                  <a:shade val="100000"/>
+                  <a:satMod val="350000"/>
+                </a:srgbClr>
+              </a:gs>
+            </a:gsLst>
+            <a:lin ang="16200000" scaled="0"/>
+          </a:gradFill>
+          <a:ln w="9525" cap="flat" cmpd="sng" algn="ctr">
+            <a:solidFill>
+              <a:srgbClr val="4F81BD">
+                <a:shade val="95000"/>
+                <a:satMod val="105000"/>
+              </a:srgbClr>
+            </a:solidFill>
+            <a:prstDash val="solid"/>
+          </a:ln>
+          <a:effectLst>
+            <a:outerShdw blurRad="40000" dist="23000" dir="5400000" rotWithShape="0">
+              <a:srgbClr val="000000">
+                <a:alpha val="35000"/>
+              </a:srgbClr>
+            </a:outerShdw>
+          </a:effectLst>
+        </p:spPr>
+        <p:txBody>
+          <a:bodyPr rtlCol="0" anchor="ctr"/>
+          <a:lstStyle/>
+          <a:p>
+            <a:pPr marL="0" marR="0" lvl="0" indent="0" algn="ctr" defTabSz="457200" eaLnBrk="1" fontAlgn="auto" latinLnBrk="0" hangingPunct="1">
+              <a:lnSpc>
+                <a:spcPct val="100000"/>
+              </a:lnSpc>
+              <a:spcBef>
+                <a:spcPts val="0"/>
+              </a:spcBef>
+              <a:spcAft>
+                <a:spcPts val="0"/>
+              </a:spcAft>
+              <a:buClrTx/>
+              <a:buSzTx/>
+              <a:buFontTx/>
+              <a:buNone/>
+              <a:tabLst/>
+              <a:defRPr/>
+            </a:pPr>
+            <a:r>
+              <a:rPr kumimoji="1" lang="zh-CN" altLang="en-US" sz="900" b="0" i="0" u="none" strike="noStrike" kern="0" cap="none" spc="0" normalizeH="0" baseline="0" noProof="0" dirty="0" smtClean="0">
+                <a:ln>
+                  <a:noFill/>
+                </a:ln>
+                <a:solidFill>
+                  <a:prstClr val="white"/>
+                </a:solidFill>
+                <a:effectLst/>
+                <a:uLnTx/>
+                <a:uFillTx/>
+                <a:latin typeface="微软雅黑"/>
+                <a:ea typeface="微软雅黑"/>
+                <a:cs typeface="微软雅黑"/>
+              </a:rPr>
+              <a:t>执行器</a:t>
+            </a:r>
+            <a:r>
+              <a:rPr kumimoji="1" lang="en-US" altLang="zh-CN" sz="900" b="0" i="0" u="none" strike="noStrike" kern="0" cap="none" spc="0" normalizeH="0" baseline="0" noProof="0" dirty="0" smtClean="0">
+                <a:ln>
+                  <a:noFill/>
+                </a:ln>
+                <a:solidFill>
+                  <a:prstClr val="white"/>
+                </a:solidFill>
+                <a:effectLst/>
+                <a:uLnTx/>
+                <a:uFillTx/>
+                <a:latin typeface="微软雅黑"/>
+                <a:ea typeface="微软雅黑"/>
+                <a:cs typeface="微软雅黑"/>
+              </a:rPr>
+              <a:t>0</a:t>
+            </a:r>
+            <a:endParaRPr kumimoji="1" lang="zh-CN" altLang="en-US" sz="900" b="0" i="0" u="none" strike="noStrike" kern="0" cap="none" spc="0" normalizeH="0" baseline="0" noProof="0" dirty="0" smtClean="0">
+              <a:ln>
+                <a:noFill/>
+              </a:ln>
+              <a:solidFill>
+                <a:prstClr val="white"/>
+              </a:solidFill>
+              <a:effectLst/>
+              <a:uLnTx/>
+              <a:uFillTx/>
+              <a:latin typeface="微软雅黑"/>
+              <a:ea typeface="微软雅黑"/>
+              <a:cs typeface="微软雅黑"/>
+            </a:endParaRPr>
+          </a:p>
+        </p:txBody>
+      </p:sp>
+      <p:sp>
+        <p:nvSpPr>
+          <p:cNvPr id="44" name="椭圆 43"/>
+          <p:cNvSpPr/>
+          <p:nvPr/>
+        </p:nvSpPr>
+        <p:spPr>
+          <a:xfrm>
+            <a:off x="5137130" y="2374186"/>
+            <a:ext cx="901448" cy="309543"/>
+          </a:xfrm>
+          <a:prstGeom prst="ellipse">
+            <a:avLst/>
+          </a:prstGeom>
+          <a:gradFill rotWithShape="1">
+            <a:gsLst>
+              <a:gs pos="0">
+                <a:srgbClr val="4F81BD">
+                  <a:tint val="100000"/>
+                  <a:shade val="100000"/>
+                  <a:satMod val="130000"/>
+                </a:srgbClr>
+              </a:gs>
+              <a:gs pos="100000">
+                <a:srgbClr val="4F81BD">
+                  <a:tint val="50000"/>
+                  <a:shade val="100000"/>
+                  <a:satMod val="350000"/>
+                </a:srgbClr>
+              </a:gs>
+            </a:gsLst>
+            <a:lin ang="16200000" scaled="0"/>
+          </a:gradFill>
+          <a:ln w="9525" cap="flat" cmpd="sng" algn="ctr">
+            <a:solidFill>
+              <a:srgbClr val="4F81BD">
+                <a:shade val="95000"/>
+                <a:satMod val="105000"/>
+              </a:srgbClr>
+            </a:solidFill>
+            <a:prstDash val="solid"/>
+          </a:ln>
+          <a:effectLst>
+            <a:outerShdw blurRad="40000" dist="23000" dir="5400000" rotWithShape="0">
+              <a:srgbClr val="000000">
+                <a:alpha val="35000"/>
+              </a:srgbClr>
+            </a:outerShdw>
+          </a:effectLst>
+        </p:spPr>
+        <p:txBody>
+          <a:bodyPr rtlCol="0" anchor="ctr"/>
+          <a:lstStyle/>
+          <a:p>
+            <a:pPr marL="0" marR="0" lvl="0" indent="0" algn="ctr" defTabSz="457200" eaLnBrk="1" fontAlgn="auto" latinLnBrk="0" hangingPunct="1">
+              <a:lnSpc>
+                <a:spcPct val="100000"/>
+              </a:lnSpc>
+              <a:spcBef>
+                <a:spcPts val="0"/>
+              </a:spcBef>
+              <a:spcAft>
+                <a:spcPts val="0"/>
+              </a:spcAft>
+              <a:buClrTx/>
+              <a:buSzTx/>
+              <a:buFontTx/>
+              <a:buNone/>
+              <a:tabLst/>
+              <a:defRPr/>
+            </a:pPr>
+            <a:r>
+              <a:rPr kumimoji="1" lang="zh-CN" altLang="en-US" sz="900" b="0" i="0" u="none" strike="noStrike" kern="0" cap="none" spc="0" normalizeH="0" baseline="0" noProof="0" dirty="0" smtClean="0">
+                <a:ln>
+                  <a:noFill/>
+                </a:ln>
+                <a:solidFill>
+                  <a:prstClr val="white"/>
+                </a:solidFill>
+                <a:effectLst/>
+                <a:uLnTx/>
+                <a:uFillTx/>
+                <a:latin typeface="微软雅黑"/>
+                <a:ea typeface="微软雅黑"/>
+                <a:cs typeface="微软雅黑"/>
+              </a:rPr>
+              <a:t>执行器</a:t>
+            </a:r>
+            <a:r>
+              <a:rPr kumimoji="1" lang="en-US" altLang="zh-CN" sz="900" b="0" i="0" u="none" strike="noStrike" kern="0" cap="none" spc="0" normalizeH="0" baseline="0" noProof="0" dirty="0" smtClean="0">
+                <a:ln>
+                  <a:noFill/>
+                </a:ln>
+                <a:solidFill>
+                  <a:prstClr val="white"/>
+                </a:solidFill>
+                <a:effectLst/>
+                <a:uLnTx/>
+                <a:uFillTx/>
+                <a:latin typeface="微软雅黑"/>
+                <a:ea typeface="微软雅黑"/>
+                <a:cs typeface="微软雅黑"/>
+              </a:rPr>
+              <a:t>1</a:t>
+            </a:r>
+            <a:endParaRPr kumimoji="1" lang="zh-CN" altLang="en-US" sz="900" b="0" i="0" u="none" strike="noStrike" kern="0" cap="none" spc="0" normalizeH="0" baseline="0" noProof="0" dirty="0" smtClean="0">
+              <a:ln>
+                <a:noFill/>
+              </a:ln>
+              <a:solidFill>
+                <a:prstClr val="white"/>
+              </a:solidFill>
+              <a:effectLst/>
+              <a:uLnTx/>
+              <a:uFillTx/>
+              <a:latin typeface="微软雅黑"/>
+              <a:ea typeface="微软雅黑"/>
+              <a:cs typeface="微软雅黑"/>
+            </a:endParaRPr>
+          </a:p>
+        </p:txBody>
+      </p:sp>
+      <p:sp>
+        <p:nvSpPr>
+          <p:cNvPr id="45" name="椭圆 44"/>
+          <p:cNvSpPr/>
+          <p:nvPr/>
+        </p:nvSpPr>
+        <p:spPr>
+          <a:xfrm>
+            <a:off x="5137130" y="2786912"/>
+            <a:ext cx="901448" cy="309543"/>
+          </a:xfrm>
+          <a:prstGeom prst="ellipse">
+            <a:avLst/>
+          </a:prstGeom>
+          <a:gradFill rotWithShape="1">
+            <a:gsLst>
+              <a:gs pos="0">
+                <a:srgbClr val="4F81BD">
+                  <a:tint val="100000"/>
+                  <a:shade val="100000"/>
+                  <a:satMod val="130000"/>
+                </a:srgbClr>
+              </a:gs>
+              <a:gs pos="100000">
+                <a:srgbClr val="4F81BD">
+                  <a:tint val="50000"/>
+                  <a:shade val="100000"/>
+                  <a:satMod val="350000"/>
+                </a:srgbClr>
+              </a:gs>
+            </a:gsLst>
+            <a:lin ang="16200000" scaled="0"/>
+          </a:gradFill>
+          <a:ln w="9525" cap="flat" cmpd="sng" algn="ctr">
+            <a:solidFill>
+              <a:srgbClr val="FF0000"/>
+            </a:solidFill>
+            <a:prstDash val="solid"/>
+          </a:ln>
+          <a:effectLst>
+            <a:outerShdw blurRad="40000" dist="23000" dir="5400000" rotWithShape="0">
+              <a:srgbClr val="000000">
+                <a:alpha val="35000"/>
+              </a:srgbClr>
+            </a:outerShdw>
+          </a:effectLst>
+        </p:spPr>
+        <p:txBody>
+          <a:bodyPr rtlCol="0" anchor="ctr"/>
+          <a:lstStyle/>
+          <a:p>
+            <a:pPr marL="0" marR="0" lvl="0" indent="0" algn="ctr" defTabSz="457200" eaLnBrk="1" fontAlgn="auto" latinLnBrk="0" hangingPunct="1">
+              <a:lnSpc>
+                <a:spcPct val="100000"/>
+              </a:lnSpc>
+              <a:spcBef>
+                <a:spcPts val="0"/>
+              </a:spcBef>
+              <a:spcAft>
+                <a:spcPts val="0"/>
+              </a:spcAft>
+              <a:buClrTx/>
+              <a:buSzTx/>
+              <a:buFontTx/>
+              <a:buNone/>
+              <a:tabLst/>
+              <a:defRPr/>
+            </a:pPr>
+            <a:r>
+              <a:rPr kumimoji="1" lang="zh-CN" altLang="en-US" sz="900" b="0" i="0" u="none" strike="noStrike" kern="0" cap="none" spc="0" normalizeH="0" baseline="0" noProof="0" dirty="0" smtClean="0">
+                <a:ln>
+                  <a:noFill/>
+                </a:ln>
+                <a:solidFill>
+                  <a:prstClr val="white"/>
+                </a:solidFill>
+                <a:effectLst/>
+                <a:uLnTx/>
+                <a:uFillTx/>
+                <a:latin typeface="微软雅黑"/>
+                <a:ea typeface="微软雅黑"/>
+                <a:cs typeface="微软雅黑"/>
+              </a:rPr>
+              <a:t>执行器</a:t>
+            </a:r>
+            <a:r>
+              <a:rPr kumimoji="1" lang="en-US" altLang="zh-CN" sz="900" b="0" i="0" u="none" strike="noStrike" kern="0" cap="none" spc="0" normalizeH="0" baseline="0" noProof="0" dirty="0" smtClean="0">
+                <a:ln>
+                  <a:noFill/>
+                </a:ln>
+                <a:solidFill>
+                  <a:prstClr val="white"/>
+                </a:solidFill>
+                <a:effectLst/>
+                <a:uLnTx/>
+                <a:uFillTx/>
+                <a:latin typeface="微软雅黑"/>
+                <a:ea typeface="微软雅黑"/>
+                <a:cs typeface="微软雅黑"/>
+              </a:rPr>
+              <a:t>2</a:t>
+            </a:r>
+            <a:endParaRPr kumimoji="1" lang="zh-CN" altLang="en-US" sz="900" b="0" i="0" u="none" strike="noStrike" kern="0" cap="none" spc="0" normalizeH="0" baseline="0" noProof="0" dirty="0" smtClean="0">
+              <a:ln>
+                <a:noFill/>
+              </a:ln>
+              <a:solidFill>
+                <a:prstClr val="white"/>
+              </a:solidFill>
+              <a:effectLst/>
+              <a:uLnTx/>
+              <a:uFillTx/>
+              <a:latin typeface="微软雅黑"/>
+              <a:ea typeface="微软雅黑"/>
+              <a:cs typeface="微软雅黑"/>
+            </a:endParaRPr>
+          </a:p>
+        </p:txBody>
+      </p:sp>
+      <p:cxnSp>
+        <p:nvCxnSpPr>
+          <p:cNvPr id="46" name="肘形连接符 45"/>
+          <p:cNvCxnSpPr/>
+          <p:nvPr/>
+        </p:nvCxnSpPr>
+        <p:spPr>
+          <a:xfrm rot="16200000" flipV="1">
+            <a:off x="6173222" y="1981589"/>
+            <a:ext cx="1515548" cy="1784835"/>
+          </a:xfrm>
+          <a:prstGeom prst="bentConnector2">
+            <a:avLst/>
+          </a:prstGeom>
+          <a:noFill/>
+          <a:ln w="12700" cap="flat" cmpd="sng" algn="ctr">
+            <a:solidFill>
+              <a:sysClr val="windowText" lastClr="000000">
+                <a:lumMod val="75000"/>
+                <a:lumOff val="25000"/>
+              </a:sysClr>
+            </a:solidFill>
+            <a:prstDash val="solid"/>
+            <a:headEnd type="none"/>
+            <a:tailEnd type="triangle"/>
+          </a:ln>
+          <a:effectLst>
+            <a:outerShdw blurRad="40000" dist="20000" dir="5400000" rotWithShape="0">
+              <a:srgbClr val="000000">
+                <a:alpha val="38000"/>
+              </a:srgbClr>
+            </a:outerShdw>
+          </a:effectLst>
+        </p:spPr>
+      </p:cxnSp>
+      <p:cxnSp>
+        <p:nvCxnSpPr>
+          <p:cNvPr id="47" name="肘形连接符 46"/>
+          <p:cNvCxnSpPr/>
+          <p:nvPr/>
+        </p:nvCxnSpPr>
+        <p:spPr>
+          <a:xfrm rot="16200000" flipV="1">
+            <a:off x="6154685" y="2412852"/>
+            <a:ext cx="1102823" cy="1335036"/>
+          </a:xfrm>
+          <a:prstGeom prst="bentConnector2">
+            <a:avLst/>
+          </a:prstGeom>
+          <a:noFill/>
+          <a:ln w="12700" cap="flat" cmpd="sng" algn="ctr">
+            <a:solidFill>
+              <a:srgbClr val="404040"/>
+            </a:solidFill>
+            <a:prstDash val="solid"/>
+            <a:headEnd type="none"/>
+            <a:tailEnd type="triangle"/>
+          </a:ln>
+          <a:effectLst>
+            <a:outerShdw blurRad="40000" dist="20000" dir="5400000" rotWithShape="0">
+              <a:srgbClr val="000000">
+                <a:alpha val="38000"/>
+              </a:srgbClr>
+            </a:outerShdw>
+          </a:effectLst>
+        </p:spPr>
+      </p:cxnSp>
+      <p:cxnSp>
+        <p:nvCxnSpPr>
+          <p:cNvPr id="48" name="肘形连接符 47"/>
+          <p:cNvCxnSpPr/>
+          <p:nvPr/>
+        </p:nvCxnSpPr>
+        <p:spPr>
+          <a:xfrm rot="16200000" flipV="1">
+            <a:off x="6136148" y="2844114"/>
+            <a:ext cx="690098" cy="885237"/>
+          </a:xfrm>
+          <a:prstGeom prst="bentConnector2">
+            <a:avLst/>
+          </a:prstGeom>
+          <a:noFill/>
+          <a:ln w="12700" cap="flat" cmpd="sng" algn="ctr">
+            <a:solidFill>
+              <a:srgbClr val="FF0000"/>
+            </a:solidFill>
+            <a:prstDash val="solid"/>
+            <a:headEnd type="none"/>
+            <a:tailEnd type="triangle"/>
+          </a:ln>
+          <a:effectLst>
+            <a:outerShdw blurRad="40000" dist="20000" dir="5400000" rotWithShape="0">
+              <a:srgbClr val="000000">
+                <a:alpha val="38000"/>
+              </a:srgbClr>
+            </a:outerShdw>
+          </a:effectLst>
+        </p:spPr>
+      </p:cxnSp>
+      <p:sp>
+        <p:nvSpPr>
+          <p:cNvPr id="49" name="矩形 48"/>
+          <p:cNvSpPr/>
+          <p:nvPr/>
+        </p:nvSpPr>
+        <p:spPr>
+          <a:xfrm>
+            <a:off x="3159175" y="2054876"/>
+            <a:ext cx="303651" cy="943219"/>
+          </a:xfrm>
+          <a:prstGeom prst="rect">
+            <a:avLst/>
+          </a:prstGeom>
+          <a:noFill/>
+          <a:ln w="9525" cap="flat" cmpd="sng" algn="ctr">
+            <a:solidFill>
+              <a:sysClr val="windowText" lastClr="000000"/>
+            </a:solidFill>
+            <a:prstDash val="solid"/>
+          </a:ln>
+          <a:effectLst>
+            <a:outerShdw blurRad="40000" dist="23000" dir="5400000" rotWithShape="0">
+              <a:srgbClr val="000000">
+                <a:alpha val="35000"/>
+              </a:srgbClr>
+            </a:outerShdw>
+          </a:effectLst>
+        </p:spPr>
+        <p:txBody>
+          <a:bodyPr rtlCol="0" anchor="ctr"/>
+          <a:lstStyle/>
+          <a:p>
+            <a:pPr marL="0" marR="0" lvl="0" indent="0" algn="ctr" defTabSz="457200" eaLnBrk="1" fontAlgn="auto" latinLnBrk="0" hangingPunct="1">
+              <a:lnSpc>
+                <a:spcPct val="100000"/>
+              </a:lnSpc>
+              <a:spcBef>
+                <a:spcPts val="0"/>
+              </a:spcBef>
+              <a:spcAft>
+                <a:spcPts val="0"/>
+              </a:spcAft>
+              <a:buClrTx/>
+              <a:buSzTx/>
+              <a:buFontTx/>
+              <a:buNone/>
+              <a:tabLst/>
+              <a:defRPr/>
+            </a:pPr>
+            <a:r>
+              <a:rPr kumimoji="1" lang="zh-CN" altLang="en-US" sz="1100" b="0" i="0" u="none" strike="noStrike" kern="0" cap="none" spc="0" normalizeH="0" baseline="0" noProof="0" dirty="0" smtClean="0">
+                <a:ln>
+                  <a:noFill/>
+                </a:ln>
+                <a:solidFill>
+                  <a:prstClr val="black"/>
+                </a:solidFill>
+                <a:effectLst/>
+                <a:uLnTx/>
+                <a:uFillTx/>
+                <a:latin typeface="微软雅黑"/>
+                <a:ea typeface="微软雅黑"/>
+                <a:cs typeface="微软雅黑"/>
+              </a:rPr>
+              <a:t>分片任务</a:t>
+            </a:r>
+            <a:endParaRPr kumimoji="1" lang="zh-CN" altLang="en-US" sz="1800" b="0" i="0" u="none" strike="noStrike" kern="0" cap="none" spc="0" normalizeH="0" baseline="0" noProof="0" dirty="0" smtClean="0">
+              <a:ln>
+                <a:noFill/>
+              </a:ln>
+              <a:solidFill>
+                <a:prstClr val="white"/>
+              </a:solidFill>
+              <a:effectLst/>
+              <a:uLnTx/>
+              <a:uFillTx/>
+              <a:latin typeface="Calibri"/>
+              <a:ea typeface="宋体" charset="0"/>
+              <a:cs typeface=""/>
+            </a:endParaRPr>
+          </a:p>
+        </p:txBody>
+      </p:sp>
+      <p:cxnSp>
+        <p:nvCxnSpPr>
+          <p:cNvPr id="50" name="直线箭头连接符 49"/>
+          <p:cNvCxnSpPr/>
+          <p:nvPr/>
+        </p:nvCxnSpPr>
+        <p:spPr>
+          <a:xfrm>
+            <a:off x="3737396" y="2116232"/>
+            <a:ext cx="1393219" cy="0"/>
+          </a:xfrm>
+          <a:prstGeom prst="straightConnector1">
+            <a:avLst/>
+          </a:prstGeom>
+          <a:noFill/>
+          <a:ln w="19050" cap="flat" cmpd="sng" algn="ctr">
+            <a:solidFill>
+              <a:srgbClr val="595959"/>
+            </a:solidFill>
+            <a:prstDash val="solid"/>
+            <a:headEnd type="none"/>
+            <a:tailEnd type="triangle"/>
+          </a:ln>
+          <a:effectLst>
+            <a:outerShdw blurRad="40000" dist="20000" dir="5400000" rotWithShape="0">
+              <a:srgbClr val="000000">
+                <a:alpha val="38000"/>
+              </a:srgbClr>
+            </a:outerShdw>
+          </a:effectLst>
+        </p:spPr>
+      </p:cxnSp>
+      <p:sp>
+        <p:nvSpPr>
+          <p:cNvPr id="51" name="矩形 50"/>
+          <p:cNvSpPr/>
+          <p:nvPr/>
+        </p:nvSpPr>
+        <p:spPr>
+          <a:xfrm>
+            <a:off x="5001913" y="1703508"/>
+            <a:ext cx="1126810" cy="1496129"/>
+          </a:xfrm>
+          <a:prstGeom prst="rect">
+            <a:avLst/>
+          </a:prstGeom>
+          <a:noFill/>
+          <a:ln w="12700" cap="flat" cmpd="sng" algn="ctr">
+            <a:solidFill>
+              <a:sysClr val="windowText" lastClr="000000"/>
+            </a:solidFill>
+            <a:prstDash val="dash"/>
+          </a:ln>
+          <a:effectLst>
+            <a:outerShdw blurRad="40000" dist="23000" dir="5400000" rotWithShape="0">
+              <a:srgbClr val="000000">
+                <a:alpha val="35000"/>
+              </a:srgbClr>
+            </a:outerShdw>
+          </a:effectLst>
+        </p:spPr>
+        <p:txBody>
+          <a:bodyPr rtlCol="0" anchor="ctr"/>
+          <a:lstStyle/>
+          <a:p>
+            <a:pPr marL="0" marR="0" lvl="0" indent="0" algn="ctr" defTabSz="457200" eaLnBrk="1" fontAlgn="auto" latinLnBrk="0" hangingPunct="1">
+              <a:lnSpc>
+                <a:spcPct val="100000"/>
+              </a:lnSpc>
+              <a:spcBef>
+                <a:spcPts val="0"/>
+              </a:spcBef>
+              <a:spcAft>
+                <a:spcPts val="0"/>
+              </a:spcAft>
+              <a:buClrTx/>
+              <a:buSzTx/>
+              <a:buFontTx/>
+              <a:buNone/>
+              <a:tabLst/>
+              <a:defRPr/>
+            </a:pPr>
+            <a:endParaRPr kumimoji="1" lang="zh-CN" altLang="en-US" sz="1800" b="0" i="0" u="none" strike="noStrike" kern="0" cap="none" spc="0" normalizeH="0" baseline="0" noProof="0" smtClean="0">
+              <a:ln>
+                <a:noFill/>
+              </a:ln>
+              <a:solidFill>
+                <a:prstClr val="white"/>
+              </a:solidFill>
+              <a:effectLst/>
+              <a:uLnTx/>
+              <a:uFillTx/>
+              <a:latin typeface="Calibri"/>
+              <a:ea typeface="宋体" charset="0"/>
+              <a:cs typeface=""/>
+            </a:endParaRPr>
+          </a:p>
+        </p:txBody>
+      </p:sp>
+      <p:sp>
+        <p:nvSpPr>
+          <p:cNvPr id="52" name="文本框 51"/>
+          <p:cNvSpPr txBox="1"/>
+          <p:nvPr/>
+        </p:nvSpPr>
+        <p:spPr>
+          <a:xfrm>
+            <a:off x="5120324" y="1690537"/>
+            <a:ext cx="889987" cy="261610"/>
+          </a:xfrm>
+          <a:prstGeom prst="rect">
+            <a:avLst/>
+          </a:prstGeom>
+          <a:noFill/>
+        </p:spPr>
+        <p:txBody>
+          <a:bodyPr wrap="none" rtlCol="0">
+            <a:spAutoFit/>
+          </a:bodyPr>
+          <a:lstStyle/>
+          <a:p>
+            <a:pPr defTabSz="457200"/>
+            <a:r>
+              <a:rPr kumimoji="1" lang="zh-CN" altLang="en-US" sz="1100" smtClean="0">
+                <a:solidFill>
+                  <a:prstClr val="black"/>
+                </a:solidFill>
+                <a:latin typeface="微软雅黑"/>
+                <a:ea typeface="微软雅黑"/>
+                <a:cs typeface="微软雅黑"/>
+              </a:rPr>
+              <a:t>执行器集群</a:t>
+            </a:r>
+            <a:endParaRPr kumimoji="1" lang="zh-CN" altLang="en-US" sz="1100" dirty="0">
+              <a:solidFill>
+                <a:prstClr val="black"/>
+              </a:solidFill>
+              <a:latin typeface="微软雅黑"/>
+              <a:ea typeface="微软雅黑"/>
+              <a:cs typeface="微软雅黑"/>
+            </a:endParaRPr>
+          </a:p>
+        </p:txBody>
+      </p:sp>
+      <p:cxnSp>
+        <p:nvCxnSpPr>
+          <p:cNvPr id="53" name="直线箭头连接符 52"/>
+          <p:cNvCxnSpPr/>
+          <p:nvPr/>
+        </p:nvCxnSpPr>
+        <p:spPr>
+          <a:xfrm>
+            <a:off x="3737396" y="2536989"/>
+            <a:ext cx="1393219" cy="0"/>
+          </a:xfrm>
+          <a:prstGeom prst="straightConnector1">
+            <a:avLst/>
+          </a:prstGeom>
+          <a:noFill/>
+          <a:ln w="19050" cap="flat" cmpd="sng" algn="ctr">
+            <a:solidFill>
+              <a:srgbClr val="595959"/>
+            </a:solidFill>
+            <a:prstDash val="solid"/>
+            <a:headEnd type="none"/>
+            <a:tailEnd type="triangle"/>
+          </a:ln>
+          <a:effectLst>
+            <a:outerShdw blurRad="40000" dist="20000" dir="5400000" rotWithShape="0">
+              <a:srgbClr val="000000">
+                <a:alpha val="38000"/>
+              </a:srgbClr>
+            </a:outerShdw>
+          </a:effectLst>
+        </p:spPr>
+      </p:cxnSp>
+      <p:cxnSp>
+        <p:nvCxnSpPr>
+          <p:cNvPr id="54" name="肘形连接符 104"/>
+          <p:cNvCxnSpPr/>
+          <p:nvPr/>
+        </p:nvCxnSpPr>
+        <p:spPr>
+          <a:xfrm flipV="1">
+            <a:off x="3724695" y="2941683"/>
+            <a:ext cx="1393219" cy="0"/>
+          </a:xfrm>
+          <a:prstGeom prst="straightConnector1">
+            <a:avLst/>
+          </a:prstGeom>
+          <a:noFill/>
+          <a:ln w="12700" cap="flat" cmpd="sng" algn="ctr">
+            <a:solidFill>
+              <a:srgbClr val="FF0000"/>
+            </a:solidFill>
+            <a:prstDash val="solid"/>
+            <a:headEnd type="none"/>
+            <a:tailEnd type="triangle"/>
+          </a:ln>
+          <a:effectLst>
+            <a:outerShdw blurRad="40000" dist="20000" dir="5400000" rotWithShape="0">
+              <a:srgbClr val="000000">
+                <a:alpha val="38000"/>
+              </a:srgbClr>
+            </a:outerShdw>
+          </a:effectLst>
+        </p:spPr>
+      </p:cxnSp>
+      <p:sp>
+        <p:nvSpPr>
+          <p:cNvPr id="55" name="矩形 54"/>
+          <p:cNvSpPr/>
+          <p:nvPr/>
+        </p:nvSpPr>
+        <p:spPr>
+          <a:xfrm>
+            <a:off x="2929601" y="1692409"/>
+            <a:ext cx="738941" cy="2946112"/>
+          </a:xfrm>
+          <a:prstGeom prst="rect">
+            <a:avLst/>
+          </a:prstGeom>
+          <a:noFill/>
+          <a:ln w="12700" cap="flat" cmpd="sng" algn="ctr">
+            <a:solidFill>
+              <a:sysClr val="windowText" lastClr="000000"/>
+            </a:solidFill>
+            <a:prstDash val="dash"/>
+          </a:ln>
+          <a:effectLst>
+            <a:outerShdw blurRad="40000" dist="23000" dir="5400000" rotWithShape="0">
+              <a:srgbClr val="000000">
+                <a:alpha val="35000"/>
+              </a:srgbClr>
+            </a:outerShdw>
+          </a:effectLst>
+        </p:spPr>
+        <p:txBody>
+          <a:bodyPr rtlCol="0" anchor="ctr"/>
+          <a:lstStyle/>
+          <a:p>
+            <a:pPr marL="0" marR="0" lvl="0" indent="0" algn="ctr" defTabSz="457200" eaLnBrk="1" fontAlgn="auto" latinLnBrk="0" hangingPunct="1">
+              <a:lnSpc>
+                <a:spcPct val="100000"/>
+              </a:lnSpc>
+              <a:spcBef>
+                <a:spcPts val="0"/>
+              </a:spcBef>
+              <a:spcAft>
+                <a:spcPts val="0"/>
+              </a:spcAft>
+              <a:buClrTx/>
+              <a:buSzTx/>
+              <a:buFontTx/>
+              <a:buNone/>
+              <a:tabLst/>
+              <a:defRPr/>
+            </a:pPr>
+            <a:endParaRPr kumimoji="1" lang="zh-CN" altLang="en-US" sz="1800" b="0" i="0" u="none" strike="noStrike" kern="0" cap="none" spc="0" normalizeH="0" baseline="0" noProof="0" smtClean="0">
+              <a:ln>
+                <a:noFill/>
+              </a:ln>
+              <a:solidFill>
+                <a:prstClr val="white"/>
+              </a:solidFill>
+              <a:effectLst/>
+              <a:uLnTx/>
+              <a:uFillTx/>
+              <a:latin typeface="Calibri"/>
+              <a:ea typeface="宋体" charset="0"/>
+              <a:cs typeface=""/>
+            </a:endParaRPr>
+          </a:p>
+        </p:txBody>
+      </p:sp>
+      <p:sp>
+        <p:nvSpPr>
+          <p:cNvPr id="56" name="文本框 55"/>
+          <p:cNvSpPr txBox="1"/>
+          <p:nvPr/>
+        </p:nvSpPr>
+        <p:spPr>
+          <a:xfrm>
+            <a:off x="2946595" y="1664863"/>
+            <a:ext cx="748923" cy="261610"/>
+          </a:xfrm>
+          <a:prstGeom prst="rect">
+            <a:avLst/>
+          </a:prstGeom>
+          <a:noFill/>
+        </p:spPr>
+        <p:txBody>
+          <a:bodyPr wrap="none" rtlCol="0">
+            <a:spAutoFit/>
+          </a:bodyPr>
+          <a:lstStyle/>
+          <a:p>
+            <a:pPr defTabSz="457200"/>
+            <a:r>
+              <a:rPr kumimoji="1" lang="zh-CN" altLang="en-US" sz="1100" dirty="0" smtClean="0">
+                <a:solidFill>
+                  <a:prstClr val="black"/>
+                </a:solidFill>
+                <a:latin typeface="微软雅黑"/>
+                <a:ea typeface="微软雅黑"/>
+                <a:cs typeface="微软雅黑"/>
+              </a:rPr>
+              <a:t>调度中心</a:t>
+            </a:r>
+            <a:endParaRPr kumimoji="1" lang="zh-CN" altLang="en-US" sz="1100" dirty="0">
+              <a:solidFill>
+                <a:prstClr val="black"/>
+              </a:solidFill>
+              <a:latin typeface="微软雅黑"/>
+              <a:ea typeface="微软雅黑"/>
+              <a:cs typeface="微软雅黑"/>
+            </a:endParaRPr>
+          </a:p>
+        </p:txBody>
+      </p:sp>
+      <p:sp>
+        <p:nvSpPr>
+          <p:cNvPr id="57" name="文本框 56"/>
+          <p:cNvSpPr txBox="1"/>
+          <p:nvPr/>
+        </p:nvSpPr>
+        <p:spPr>
+          <a:xfrm>
+            <a:off x="3785520" y="1844218"/>
+            <a:ext cx="1132041" cy="261610"/>
+          </a:xfrm>
+          <a:prstGeom prst="rect">
+            <a:avLst/>
+          </a:prstGeom>
+          <a:noFill/>
+        </p:spPr>
+        <p:txBody>
+          <a:bodyPr wrap="none" rtlCol="0">
+            <a:spAutoFit/>
+          </a:bodyPr>
+          <a:lstStyle/>
+          <a:p>
+            <a:pPr defTabSz="457200"/>
+            <a:r>
+              <a:rPr kumimoji="1" lang="zh-CN" altLang="en-US" sz="1100" dirty="0" smtClean="0">
+                <a:solidFill>
+                  <a:prstClr val="black"/>
+                </a:solidFill>
+                <a:latin typeface="微软雅黑"/>
+                <a:ea typeface="微软雅黑"/>
+                <a:cs typeface="微软雅黑"/>
+              </a:rPr>
+              <a:t>分片参数：</a:t>
+            </a:r>
+            <a:r>
+              <a:rPr kumimoji="1" lang="en-US" altLang="zh-CN" sz="1100" dirty="0" smtClean="0">
+                <a:solidFill>
+                  <a:prstClr val="black"/>
+                </a:solidFill>
+                <a:latin typeface="微软雅黑"/>
+                <a:ea typeface="微软雅黑"/>
+                <a:cs typeface="微软雅黑"/>
+              </a:rPr>
+              <a:t>0,</a:t>
+            </a:r>
+            <a:r>
+              <a:rPr kumimoji="1" lang="zh-CN" altLang="en-US" sz="1100" dirty="0" smtClean="0">
+                <a:solidFill>
+                  <a:prstClr val="black"/>
+                </a:solidFill>
+                <a:latin typeface="微软雅黑"/>
+                <a:ea typeface="微软雅黑"/>
+                <a:cs typeface="微软雅黑"/>
+              </a:rPr>
+              <a:t> </a:t>
+            </a:r>
+            <a:r>
+              <a:rPr kumimoji="1" lang="en-US" altLang="zh-CN" sz="1100" dirty="0" smtClean="0">
+                <a:solidFill>
+                  <a:prstClr val="black"/>
+                </a:solidFill>
+                <a:latin typeface="微软雅黑"/>
+                <a:ea typeface="微软雅黑"/>
+                <a:cs typeface="微软雅黑"/>
+              </a:rPr>
+              <a:t>3</a:t>
+            </a:r>
+            <a:endParaRPr kumimoji="1" lang="zh-CN" altLang="en-US" sz="1100" dirty="0">
+              <a:solidFill>
+                <a:prstClr val="black"/>
+              </a:solidFill>
+              <a:latin typeface="微软雅黑"/>
+              <a:ea typeface="微软雅黑"/>
+              <a:cs typeface="微软雅黑"/>
+            </a:endParaRPr>
+          </a:p>
+        </p:txBody>
+      </p:sp>
+      <p:sp>
+        <p:nvSpPr>
+          <p:cNvPr id="58" name="文本框 57"/>
+          <p:cNvSpPr txBox="1"/>
+          <p:nvPr/>
+        </p:nvSpPr>
+        <p:spPr>
+          <a:xfrm>
+            <a:off x="3785519" y="2260653"/>
+            <a:ext cx="1132041" cy="261610"/>
+          </a:xfrm>
+          <a:prstGeom prst="rect">
+            <a:avLst/>
+          </a:prstGeom>
+          <a:noFill/>
+        </p:spPr>
+        <p:txBody>
+          <a:bodyPr wrap="none" rtlCol="0">
+            <a:spAutoFit/>
+          </a:bodyPr>
+          <a:lstStyle/>
+          <a:p>
+            <a:pPr defTabSz="457200"/>
+            <a:r>
+              <a:rPr kumimoji="1" lang="zh-CN" altLang="en-US" sz="1100" dirty="0" smtClean="0">
+                <a:solidFill>
+                  <a:prstClr val="black"/>
+                </a:solidFill>
+                <a:latin typeface="微软雅黑"/>
+                <a:ea typeface="微软雅黑"/>
+                <a:cs typeface="微软雅黑"/>
+              </a:rPr>
+              <a:t>分片参数：</a:t>
+            </a:r>
+            <a:r>
+              <a:rPr kumimoji="1" lang="en-US" altLang="zh-CN" sz="1100" dirty="0">
+                <a:solidFill>
+                  <a:prstClr val="black"/>
+                </a:solidFill>
+                <a:latin typeface="微软雅黑"/>
+                <a:ea typeface="微软雅黑"/>
+                <a:cs typeface="微软雅黑"/>
+              </a:rPr>
+              <a:t>1</a:t>
+            </a:r>
+            <a:r>
+              <a:rPr kumimoji="1" lang="en-US" altLang="zh-CN" sz="1100" dirty="0" smtClean="0">
+                <a:solidFill>
+                  <a:prstClr val="black"/>
+                </a:solidFill>
+                <a:latin typeface="微软雅黑"/>
+                <a:ea typeface="微软雅黑"/>
+                <a:cs typeface="微软雅黑"/>
+              </a:rPr>
+              <a:t>,</a:t>
+            </a:r>
+            <a:r>
+              <a:rPr kumimoji="1" lang="zh-CN" altLang="en-US" sz="1100" dirty="0" smtClean="0">
+                <a:solidFill>
+                  <a:prstClr val="black"/>
+                </a:solidFill>
+                <a:latin typeface="微软雅黑"/>
+                <a:ea typeface="微软雅黑"/>
+                <a:cs typeface="微软雅黑"/>
+              </a:rPr>
+              <a:t> </a:t>
+            </a:r>
+            <a:r>
+              <a:rPr kumimoji="1" lang="en-US" altLang="zh-CN" sz="1100" dirty="0" smtClean="0">
+                <a:solidFill>
+                  <a:prstClr val="black"/>
+                </a:solidFill>
+                <a:latin typeface="微软雅黑"/>
+                <a:ea typeface="微软雅黑"/>
+                <a:cs typeface="微软雅黑"/>
+              </a:rPr>
+              <a:t>3</a:t>
+            </a:r>
+            <a:endParaRPr kumimoji="1" lang="zh-CN" altLang="en-US" sz="1100" dirty="0">
+              <a:solidFill>
+                <a:prstClr val="black"/>
+              </a:solidFill>
+              <a:latin typeface="微软雅黑"/>
+              <a:ea typeface="微软雅黑"/>
+              <a:cs typeface="微软雅黑"/>
+            </a:endParaRPr>
+          </a:p>
+        </p:txBody>
+      </p:sp>
+      <p:sp>
+        <p:nvSpPr>
+          <p:cNvPr id="59" name="文本框 58"/>
+          <p:cNvSpPr txBox="1"/>
+          <p:nvPr/>
+        </p:nvSpPr>
+        <p:spPr>
+          <a:xfrm>
+            <a:off x="3785518" y="2681507"/>
+            <a:ext cx="1132041" cy="261610"/>
+          </a:xfrm>
+          <a:prstGeom prst="rect">
+            <a:avLst/>
+          </a:prstGeom>
+          <a:noFill/>
+        </p:spPr>
+        <p:txBody>
+          <a:bodyPr wrap="none" rtlCol="0">
+            <a:spAutoFit/>
+          </a:bodyPr>
+          <a:lstStyle/>
+          <a:p>
+            <a:pPr defTabSz="457200"/>
+            <a:r>
+              <a:rPr kumimoji="1" lang="zh-CN" altLang="en-US" sz="1100" dirty="0" smtClean="0">
+                <a:solidFill>
+                  <a:srgbClr val="FF0000"/>
+                </a:solidFill>
+                <a:latin typeface="微软雅黑"/>
+                <a:ea typeface="微软雅黑"/>
+                <a:cs typeface="微软雅黑"/>
+              </a:rPr>
+              <a:t>分片参数：</a:t>
+            </a:r>
+            <a:r>
+              <a:rPr kumimoji="1" lang="en-US" altLang="zh-CN" sz="1100" dirty="0" smtClean="0">
+                <a:solidFill>
+                  <a:srgbClr val="FF0000"/>
+                </a:solidFill>
+                <a:latin typeface="微软雅黑"/>
+                <a:ea typeface="微软雅黑"/>
+                <a:cs typeface="微软雅黑"/>
+              </a:rPr>
+              <a:t>2,</a:t>
+            </a:r>
+            <a:r>
+              <a:rPr kumimoji="1" lang="zh-CN" altLang="en-US" sz="1100" dirty="0" smtClean="0">
+                <a:solidFill>
+                  <a:srgbClr val="FF0000"/>
+                </a:solidFill>
+                <a:latin typeface="微软雅黑"/>
+                <a:ea typeface="微软雅黑"/>
+                <a:cs typeface="微软雅黑"/>
+              </a:rPr>
+              <a:t> </a:t>
+            </a:r>
+            <a:r>
+              <a:rPr kumimoji="1" lang="en-US" altLang="zh-CN" sz="1100" dirty="0" smtClean="0">
+                <a:solidFill>
+                  <a:srgbClr val="FF0000"/>
+                </a:solidFill>
+                <a:latin typeface="微软雅黑"/>
+                <a:ea typeface="微软雅黑"/>
+                <a:cs typeface="微软雅黑"/>
+              </a:rPr>
+              <a:t>3</a:t>
+            </a:r>
+            <a:endParaRPr kumimoji="1" lang="zh-CN" altLang="en-US" sz="1100" dirty="0">
+              <a:solidFill>
+                <a:srgbClr val="FF0000"/>
+              </a:solidFill>
+              <a:latin typeface="微软雅黑"/>
+              <a:ea typeface="微软雅黑"/>
+              <a:cs typeface="微软雅黑"/>
+            </a:endParaRPr>
+          </a:p>
+        </p:txBody>
+      </p:sp>
+      <p:sp>
+        <p:nvSpPr>
+          <p:cNvPr id="60" name="文本框 59"/>
+          <p:cNvSpPr txBox="1"/>
+          <p:nvPr/>
+        </p:nvSpPr>
+        <p:spPr>
+          <a:xfrm>
+            <a:off x="6762374" y="4686017"/>
+            <a:ext cx="1306768" cy="261610"/>
+          </a:xfrm>
+          <a:prstGeom prst="rect">
+            <a:avLst/>
+          </a:prstGeom>
+          <a:noFill/>
+        </p:spPr>
+        <p:txBody>
+          <a:bodyPr wrap="none" rtlCol="0">
+            <a:spAutoFit/>
+          </a:bodyPr>
+          <a:lstStyle/>
+          <a:p>
+            <a:pPr defTabSz="457200"/>
+            <a:r>
+              <a:rPr kumimoji="1" lang="zh-CN" altLang="en-US" sz="1100" dirty="0" smtClean="0">
+                <a:solidFill>
+                  <a:prstClr val="black"/>
+                </a:solidFill>
+                <a:latin typeface="微软雅黑"/>
+                <a:ea typeface="微软雅黑"/>
+                <a:cs typeface="微软雅黑"/>
+              </a:rPr>
+              <a:t>总数据量</a:t>
+            </a:r>
+            <a:r>
+              <a:rPr kumimoji="1" lang="en-US" altLang="zh-CN" sz="1100" dirty="0" smtClean="0">
+                <a:solidFill>
+                  <a:prstClr val="black"/>
+                </a:solidFill>
+                <a:latin typeface="微软雅黑"/>
+                <a:ea typeface="微软雅黑"/>
+                <a:cs typeface="微软雅黑"/>
+              </a:rPr>
+              <a:t>30000</a:t>
+            </a:r>
+            <a:r>
+              <a:rPr kumimoji="1" lang="zh-CN" altLang="en-US" sz="1100" dirty="0" smtClean="0">
+                <a:solidFill>
+                  <a:prstClr val="black"/>
+                </a:solidFill>
+                <a:latin typeface="微软雅黑"/>
+                <a:ea typeface="微软雅黑"/>
+                <a:cs typeface="微软雅黑"/>
+              </a:rPr>
+              <a:t>条</a:t>
+            </a:r>
+            <a:endParaRPr kumimoji="1" lang="zh-CN" altLang="en-US" sz="1100" dirty="0">
+              <a:solidFill>
+                <a:prstClr val="black"/>
+              </a:solidFill>
+              <a:latin typeface="微软雅黑"/>
+              <a:ea typeface="微软雅黑"/>
+              <a:cs typeface="微软雅黑"/>
+            </a:endParaRPr>
+          </a:p>
+        </p:txBody>
+      </p:sp>
+      <p:sp>
+        <p:nvSpPr>
+          <p:cNvPr id="61" name="文本框 60"/>
+          <p:cNvSpPr txBox="1"/>
+          <p:nvPr/>
+        </p:nvSpPr>
+        <p:spPr>
+          <a:xfrm>
+            <a:off x="6177731" y="1808755"/>
+            <a:ext cx="872355" cy="261610"/>
+          </a:xfrm>
+          <a:prstGeom prst="rect">
+            <a:avLst/>
+          </a:prstGeom>
+          <a:noFill/>
+        </p:spPr>
+        <p:txBody>
+          <a:bodyPr wrap="none" rtlCol="0">
+            <a:spAutoFit/>
+          </a:bodyPr>
+          <a:lstStyle/>
+          <a:p>
+            <a:pPr defTabSz="457200"/>
+            <a:r>
+              <a:rPr kumimoji="1" lang="en-US" altLang="zh-CN" sz="1100" dirty="0">
+                <a:solidFill>
+                  <a:prstClr val="black"/>
+                </a:solidFill>
+                <a:latin typeface="微软雅黑"/>
+                <a:ea typeface="微软雅黑"/>
+                <a:cs typeface="微软雅黑"/>
+              </a:rPr>
+              <a:t>1</a:t>
+            </a:r>
+            <a:r>
+              <a:rPr kumimoji="1" lang="zh-CN" altLang="en-US" sz="1100" dirty="0" smtClean="0">
+                <a:solidFill>
+                  <a:prstClr val="black"/>
+                </a:solidFill>
+                <a:latin typeface="微软雅黑"/>
+                <a:ea typeface="微软雅黑"/>
+                <a:cs typeface="微软雅黑"/>
+              </a:rPr>
+              <a:t> </a:t>
+            </a:r>
+            <a:r>
+              <a:rPr kumimoji="1" lang="en-US" altLang="zh-CN" sz="1100" dirty="0" smtClean="0">
+                <a:solidFill>
+                  <a:prstClr val="black"/>
+                </a:solidFill>
+                <a:latin typeface="微软雅黑"/>
+                <a:ea typeface="微软雅黑"/>
+                <a:cs typeface="微软雅黑"/>
+              </a:rPr>
+              <a:t>~</a:t>
+            </a:r>
+            <a:r>
+              <a:rPr kumimoji="1" lang="zh-CN" altLang="en-US" sz="1100" dirty="0" smtClean="0">
+                <a:solidFill>
+                  <a:prstClr val="black"/>
+                </a:solidFill>
+                <a:latin typeface="微软雅黑"/>
+                <a:ea typeface="微软雅黑"/>
+                <a:cs typeface="微软雅黑"/>
+              </a:rPr>
+              <a:t> </a:t>
+            </a:r>
+            <a:r>
+              <a:rPr kumimoji="1" lang="en-US" altLang="zh-CN" sz="1100" dirty="0" smtClean="0">
+                <a:solidFill>
+                  <a:prstClr val="black"/>
+                </a:solidFill>
+                <a:latin typeface="微软雅黑"/>
+                <a:ea typeface="微软雅黑"/>
+                <a:cs typeface="微软雅黑"/>
+              </a:rPr>
+              <a:t>10000</a:t>
+            </a:r>
+            <a:endParaRPr kumimoji="1" lang="zh-CN" altLang="en-US" sz="1100" dirty="0">
+              <a:solidFill>
+                <a:prstClr val="black"/>
+              </a:solidFill>
+              <a:latin typeface="微软雅黑"/>
+              <a:ea typeface="微软雅黑"/>
+              <a:cs typeface="微软雅黑"/>
+            </a:endParaRPr>
+          </a:p>
+        </p:txBody>
+      </p:sp>
+      <p:sp>
+        <p:nvSpPr>
+          <p:cNvPr id="62" name="文本框 61"/>
+          <p:cNvSpPr txBox="1"/>
+          <p:nvPr/>
+        </p:nvSpPr>
+        <p:spPr>
+          <a:xfrm>
+            <a:off x="6177731" y="2251713"/>
+            <a:ext cx="1205779" cy="261610"/>
+          </a:xfrm>
+          <a:prstGeom prst="rect">
+            <a:avLst/>
+          </a:prstGeom>
+          <a:noFill/>
+        </p:spPr>
+        <p:txBody>
+          <a:bodyPr wrap="none" rtlCol="0">
+            <a:spAutoFit/>
+          </a:bodyPr>
+          <a:lstStyle/>
+          <a:p>
+            <a:pPr defTabSz="457200"/>
+            <a:r>
+              <a:rPr kumimoji="1" lang="en-US" altLang="zh-CN" sz="1100" dirty="0" smtClean="0">
+                <a:solidFill>
+                  <a:prstClr val="black"/>
+                </a:solidFill>
+                <a:latin typeface="微软雅黑"/>
+                <a:ea typeface="微软雅黑"/>
+                <a:cs typeface="微软雅黑"/>
+              </a:rPr>
+              <a:t>10001</a:t>
+            </a:r>
+            <a:r>
+              <a:rPr kumimoji="1" lang="zh-CN" altLang="en-US" sz="1100" dirty="0" smtClean="0">
+                <a:solidFill>
+                  <a:prstClr val="black"/>
+                </a:solidFill>
+                <a:latin typeface="微软雅黑"/>
+                <a:ea typeface="微软雅黑"/>
+                <a:cs typeface="微软雅黑"/>
+              </a:rPr>
+              <a:t> </a:t>
+            </a:r>
+            <a:r>
+              <a:rPr kumimoji="1" lang="en-US" altLang="zh-CN" sz="1100" dirty="0" smtClean="0">
+                <a:solidFill>
+                  <a:prstClr val="black"/>
+                </a:solidFill>
+                <a:latin typeface="微软雅黑"/>
+                <a:ea typeface="微软雅黑"/>
+                <a:cs typeface="微软雅黑"/>
+              </a:rPr>
+              <a:t>~</a:t>
+            </a:r>
+            <a:r>
+              <a:rPr kumimoji="1" lang="zh-CN" altLang="en-US" sz="1100" dirty="0" smtClean="0">
+                <a:solidFill>
+                  <a:prstClr val="black"/>
+                </a:solidFill>
+                <a:latin typeface="微软雅黑"/>
+                <a:ea typeface="微软雅黑"/>
+                <a:cs typeface="微软雅黑"/>
+              </a:rPr>
+              <a:t> </a:t>
+            </a:r>
+            <a:r>
+              <a:rPr kumimoji="1" lang="en-US" altLang="zh-CN" sz="1100" dirty="0">
+                <a:solidFill>
+                  <a:prstClr val="black"/>
+                </a:solidFill>
+                <a:latin typeface="微软雅黑"/>
+                <a:ea typeface="微软雅黑"/>
+                <a:cs typeface="微软雅黑"/>
+              </a:rPr>
+              <a:t>2</a:t>
+            </a:r>
+            <a:r>
+              <a:rPr kumimoji="1" lang="en-US" altLang="zh-CN" sz="1100" dirty="0" smtClean="0">
+                <a:solidFill>
+                  <a:prstClr val="black"/>
+                </a:solidFill>
+                <a:latin typeface="微软雅黑"/>
+                <a:ea typeface="微软雅黑"/>
+                <a:cs typeface="微软雅黑"/>
+              </a:rPr>
+              <a:t>0000</a:t>
+            </a:r>
+            <a:endParaRPr kumimoji="1" lang="zh-CN" altLang="en-US" sz="1100" dirty="0">
+              <a:solidFill>
+                <a:prstClr val="black"/>
+              </a:solidFill>
+              <a:latin typeface="微软雅黑"/>
+              <a:ea typeface="微软雅黑"/>
+              <a:cs typeface="微软雅黑"/>
+            </a:endParaRPr>
+          </a:p>
+        </p:txBody>
+      </p:sp>
+      <p:sp>
+        <p:nvSpPr>
+          <p:cNvPr id="63" name="文本框 62"/>
+          <p:cNvSpPr txBox="1"/>
+          <p:nvPr/>
+        </p:nvSpPr>
+        <p:spPr>
+          <a:xfrm>
+            <a:off x="6177731" y="2669901"/>
+            <a:ext cx="1205779" cy="261610"/>
+          </a:xfrm>
+          <a:prstGeom prst="rect">
+            <a:avLst/>
+          </a:prstGeom>
+          <a:noFill/>
+        </p:spPr>
+        <p:txBody>
+          <a:bodyPr wrap="none" rtlCol="0">
+            <a:spAutoFit/>
+          </a:bodyPr>
+          <a:lstStyle/>
+          <a:p>
+            <a:pPr defTabSz="457200"/>
+            <a:r>
+              <a:rPr kumimoji="1" lang="en-US" altLang="zh-CN" sz="1100" dirty="0" smtClean="0">
+                <a:solidFill>
+                  <a:srgbClr val="FF0000"/>
+                </a:solidFill>
+                <a:latin typeface="微软雅黑"/>
+                <a:ea typeface="微软雅黑"/>
+                <a:cs typeface="微软雅黑"/>
+              </a:rPr>
+              <a:t>20001</a:t>
+            </a:r>
+            <a:r>
+              <a:rPr kumimoji="1" lang="zh-CN" altLang="en-US" sz="1100" dirty="0" smtClean="0">
+                <a:solidFill>
+                  <a:srgbClr val="FF0000"/>
+                </a:solidFill>
+                <a:latin typeface="微软雅黑"/>
+                <a:ea typeface="微软雅黑"/>
+                <a:cs typeface="微软雅黑"/>
+              </a:rPr>
+              <a:t> </a:t>
+            </a:r>
+            <a:r>
+              <a:rPr kumimoji="1" lang="en-US" altLang="zh-CN" sz="1100" dirty="0" smtClean="0">
+                <a:solidFill>
+                  <a:srgbClr val="FF0000"/>
+                </a:solidFill>
+                <a:latin typeface="微软雅黑"/>
+                <a:ea typeface="微软雅黑"/>
+                <a:cs typeface="微软雅黑"/>
+              </a:rPr>
+              <a:t>~</a:t>
+            </a:r>
+            <a:r>
+              <a:rPr kumimoji="1" lang="zh-CN" altLang="en-US" sz="1100" dirty="0" smtClean="0">
+                <a:solidFill>
+                  <a:srgbClr val="FF0000"/>
+                </a:solidFill>
+                <a:latin typeface="微软雅黑"/>
+                <a:ea typeface="微软雅黑"/>
+                <a:cs typeface="微软雅黑"/>
+              </a:rPr>
+              <a:t> </a:t>
+            </a:r>
+            <a:r>
+              <a:rPr kumimoji="1" lang="en-US" altLang="zh-CN" sz="1100" dirty="0" smtClean="0">
+                <a:solidFill>
+                  <a:srgbClr val="FF0000"/>
+                </a:solidFill>
+                <a:latin typeface="微软雅黑"/>
+                <a:ea typeface="微软雅黑"/>
+                <a:cs typeface="微软雅黑"/>
+              </a:rPr>
+              <a:t>30000</a:t>
+            </a:r>
+            <a:endParaRPr kumimoji="1" lang="zh-CN" altLang="en-US" sz="1100" dirty="0">
+              <a:solidFill>
+                <a:srgbClr val="FF0000"/>
+              </a:solidFill>
+              <a:latin typeface="微软雅黑"/>
+              <a:ea typeface="微软雅黑"/>
+              <a:cs typeface="微软雅黑"/>
+            </a:endParaRPr>
+          </a:p>
+        </p:txBody>
+      </p:sp>
+      <p:sp>
+        <p:nvSpPr>
+          <p:cNvPr id="64" name="矩形 63"/>
+          <p:cNvSpPr/>
+          <p:nvPr/>
+        </p:nvSpPr>
+        <p:spPr>
+          <a:xfrm>
+            <a:off x="8523288" y="1290489"/>
+            <a:ext cx="1825159" cy="1246595"/>
+          </a:xfrm>
+          <a:prstGeom prst="rect">
+            <a:avLst/>
+          </a:prstGeom>
+          <a:solidFill>
+            <a:srgbClr val="FFFF00"/>
+          </a:solidFill>
+          <a:ln w="9525" cap="flat" cmpd="sng" algn="ctr">
+            <a:solidFill>
+              <a:sysClr val="windowText" lastClr="000000">
+                <a:lumMod val="65000"/>
+                <a:lumOff val="35000"/>
+              </a:sysClr>
+            </a:solidFill>
+            <a:prstDash val="solid"/>
+            <a:headEnd type="none"/>
+            <a:tailEnd type="triangle"/>
+          </a:ln>
+          <a:effectLst/>
+        </p:spPr>
+        <p:txBody>
+          <a:bodyPr rot="0" spcFirstLastPara="0" vertOverflow="overflow" horzOverflow="overflow" vert="horz" wrap="square" lIns="91440" tIns="45720" rIns="91440" bIns="45720" numCol="1" spcCol="0" rtlCol="0" fromWordArt="0" anchor="t" anchorCtr="0" forceAA="0" compatLnSpc="1">
+            <a:prstTxWarp prst="textNoShape">
+              <a:avLst/>
+            </a:prstTxWarp>
+            <a:noAutofit/>
+          </a:bodyPr>
+          <a:lstStyle/>
+          <a:p>
+            <a:pPr marL="0" marR="0" lvl="0" indent="0" defTabSz="457200" eaLnBrk="1" fontAlgn="auto" latinLnBrk="0" hangingPunct="1">
+              <a:lnSpc>
+                <a:spcPct val="100000"/>
+              </a:lnSpc>
+              <a:spcBef>
+                <a:spcPts val="0"/>
+              </a:spcBef>
+              <a:spcAft>
+                <a:spcPts val="0"/>
+              </a:spcAft>
+              <a:buClrTx/>
+              <a:buSzTx/>
+              <a:buFontTx/>
+              <a:buNone/>
+              <a:tabLst/>
+              <a:defRPr/>
+            </a:pPr>
+            <a:r>
+              <a:rPr kumimoji="1" lang="zh-CN" altLang="en-US" sz="1600" b="0" i="0" u="none" strike="noStrike" kern="0" cap="none" spc="0" normalizeH="0" baseline="0" noProof="0" dirty="0" smtClean="0">
+                <a:ln>
+                  <a:noFill/>
+                </a:ln>
+                <a:solidFill>
+                  <a:srgbClr val="FF0000"/>
+                </a:solidFill>
+                <a:effectLst/>
+                <a:uLnTx/>
+                <a:uFillTx/>
+                <a:latin typeface="Microsoft YaHei" charset="0"/>
+                <a:ea typeface="Microsoft YaHei" charset="0"/>
+                <a:cs typeface="Microsoft YaHei" charset="0"/>
+              </a:rPr>
+              <a:t>意义：</a:t>
+            </a:r>
+          </a:p>
+          <a:p>
+            <a:pPr marL="0" marR="0" lvl="0" indent="0" defTabSz="457200" eaLnBrk="1" fontAlgn="auto" latinLnBrk="0" hangingPunct="1">
+              <a:lnSpc>
+                <a:spcPct val="100000"/>
+              </a:lnSpc>
+              <a:spcBef>
+                <a:spcPts val="0"/>
+              </a:spcBef>
+              <a:spcAft>
+                <a:spcPts val="0"/>
+              </a:spcAft>
+              <a:buClrTx/>
+              <a:buSzTx/>
+              <a:buFontTx/>
+              <a:buNone/>
+              <a:tabLst/>
+              <a:defRPr/>
+            </a:pPr>
+            <a:r>
+              <a:rPr kumimoji="1" lang="en-US" altLang="zh-CN" sz="1200" b="0" i="0" u="none" strike="noStrike" kern="0" cap="none" spc="0" normalizeH="0" baseline="0" noProof="0" dirty="0" smtClean="0">
+                <a:ln>
+                  <a:noFill/>
+                </a:ln>
+                <a:solidFill>
+                  <a:prstClr val="black"/>
+                </a:solidFill>
+                <a:effectLst/>
+                <a:uLnTx/>
+                <a:uFillTx/>
+                <a:latin typeface="Microsoft YaHei" charset="0"/>
+                <a:ea typeface="Microsoft YaHei" charset="0"/>
+                <a:cs typeface="Microsoft YaHei" charset="0"/>
+              </a:rPr>
+              <a:t>1</a:t>
+            </a:r>
+            <a:r>
+              <a:rPr kumimoji="1" lang="zh-CN" altLang="en-US" sz="1200" b="0" i="0" u="none" strike="noStrike" kern="0" cap="none" spc="0" normalizeH="0" baseline="0" noProof="0" dirty="0" smtClean="0">
+                <a:ln>
+                  <a:noFill/>
+                </a:ln>
+                <a:solidFill>
+                  <a:prstClr val="black"/>
+                </a:solidFill>
+                <a:effectLst/>
+                <a:uLnTx/>
+                <a:uFillTx/>
+                <a:latin typeface="Microsoft YaHei" charset="0"/>
+                <a:ea typeface="Microsoft YaHei" charset="0"/>
+                <a:cs typeface="Microsoft YaHei" charset="0"/>
+              </a:rPr>
+              <a:t>、协同处理大量数据</a:t>
+            </a:r>
+          </a:p>
+          <a:p>
+            <a:pPr marL="0" marR="0" lvl="0" indent="0" defTabSz="457200" eaLnBrk="1" fontAlgn="auto" latinLnBrk="0" hangingPunct="1">
+              <a:lnSpc>
+                <a:spcPct val="100000"/>
+              </a:lnSpc>
+              <a:spcBef>
+                <a:spcPts val="0"/>
+              </a:spcBef>
+              <a:spcAft>
+                <a:spcPts val="0"/>
+              </a:spcAft>
+              <a:buClrTx/>
+              <a:buSzTx/>
+              <a:buFontTx/>
+              <a:buNone/>
+              <a:tabLst/>
+              <a:defRPr/>
+            </a:pPr>
+            <a:r>
+              <a:rPr kumimoji="1" lang="en-US" altLang="zh-CN" sz="1200" b="0" i="0" u="none" strike="noStrike" kern="0" cap="none" spc="0" normalizeH="0" baseline="0" noProof="0" dirty="0" smtClean="0">
+                <a:ln>
+                  <a:noFill/>
+                </a:ln>
+                <a:solidFill>
+                  <a:prstClr val="black"/>
+                </a:solidFill>
+                <a:effectLst/>
+                <a:uLnTx/>
+                <a:uFillTx/>
+                <a:latin typeface="Microsoft YaHei" charset="0"/>
+                <a:ea typeface="Microsoft YaHei" charset="0"/>
+                <a:cs typeface="Microsoft YaHei" charset="0"/>
+              </a:rPr>
+              <a:t>2</a:t>
+            </a:r>
+            <a:r>
+              <a:rPr kumimoji="1" lang="zh-CN" altLang="en-US" sz="1200" b="0" i="0" u="none" strike="noStrike" kern="0" cap="none" spc="0" normalizeH="0" baseline="0" noProof="0" dirty="0" smtClean="0">
+                <a:ln>
+                  <a:noFill/>
+                </a:ln>
+                <a:solidFill>
+                  <a:prstClr val="black"/>
+                </a:solidFill>
+                <a:effectLst/>
+                <a:uLnTx/>
+                <a:uFillTx/>
+                <a:latin typeface="Microsoft YaHei" charset="0"/>
+                <a:ea typeface="Microsoft YaHei" charset="0"/>
+                <a:cs typeface="Microsoft YaHei" charset="0"/>
+              </a:rPr>
+              <a:t>、动态扩容，动态分片</a:t>
+            </a:r>
+          </a:p>
+        </p:txBody>
+      </p:sp>
+      <p:sp>
+        <p:nvSpPr>
+          <p:cNvPr id="65" name="矩形 64"/>
+          <p:cNvSpPr/>
+          <p:nvPr/>
+        </p:nvSpPr>
+        <p:spPr>
+          <a:xfrm>
+            <a:off x="3159175" y="3349165"/>
+            <a:ext cx="303651" cy="943219"/>
+          </a:xfrm>
+          <a:prstGeom prst="rect">
+            <a:avLst/>
+          </a:prstGeom>
+          <a:noFill/>
+          <a:ln w="9525" cap="flat" cmpd="sng" algn="ctr">
+            <a:solidFill>
+              <a:sysClr val="windowText" lastClr="000000"/>
+            </a:solidFill>
+            <a:prstDash val="solid"/>
+          </a:ln>
+          <a:effectLst>
+            <a:outerShdw blurRad="40000" dist="23000" dir="5400000" rotWithShape="0">
+              <a:srgbClr val="000000">
+                <a:alpha val="35000"/>
+              </a:srgbClr>
+            </a:outerShdw>
+          </a:effectLst>
+        </p:spPr>
+        <p:txBody>
+          <a:bodyPr rtlCol="0" anchor="ctr"/>
+          <a:lstStyle/>
+          <a:p>
+            <a:pPr marL="0" marR="0" lvl="0" indent="0" algn="ctr" defTabSz="457200" eaLnBrk="1" fontAlgn="auto" latinLnBrk="0" hangingPunct="1">
+              <a:lnSpc>
+                <a:spcPct val="100000"/>
+              </a:lnSpc>
+              <a:spcBef>
+                <a:spcPts val="0"/>
+              </a:spcBef>
+              <a:spcAft>
+                <a:spcPts val="0"/>
+              </a:spcAft>
+              <a:buClrTx/>
+              <a:buSzTx/>
+              <a:buFontTx/>
+              <a:buNone/>
+              <a:tabLst/>
+              <a:defRPr/>
+            </a:pPr>
+            <a:r>
+              <a:rPr kumimoji="1" lang="zh-CN" altLang="en-US" sz="1100" b="0" i="0" u="none" strike="noStrike" kern="0" cap="none" spc="0" normalizeH="0" baseline="0" noProof="0" dirty="0" smtClean="0">
+                <a:ln>
+                  <a:noFill/>
+                </a:ln>
+                <a:solidFill>
+                  <a:prstClr val="black"/>
+                </a:solidFill>
+                <a:effectLst/>
+                <a:uLnTx/>
+                <a:uFillTx/>
+                <a:latin typeface="微软雅黑"/>
+                <a:ea typeface="微软雅黑"/>
+                <a:cs typeface="微软雅黑"/>
+              </a:rPr>
+              <a:t>注册中心</a:t>
+            </a:r>
+            <a:endParaRPr kumimoji="1" lang="zh-CN" altLang="en-US" sz="1800" b="0" i="0" u="none" strike="noStrike" kern="0" cap="none" spc="0" normalizeH="0" baseline="0" noProof="0" dirty="0" smtClean="0">
+              <a:ln>
+                <a:noFill/>
+              </a:ln>
+              <a:solidFill>
+                <a:prstClr val="white"/>
+              </a:solidFill>
+              <a:effectLst/>
+              <a:uLnTx/>
+              <a:uFillTx/>
+              <a:latin typeface="Calibri"/>
+              <a:ea typeface="宋体" charset="0"/>
+              <a:cs typeface=""/>
+            </a:endParaRPr>
+          </a:p>
+        </p:txBody>
+      </p:sp>
+      <p:cxnSp>
+        <p:nvCxnSpPr>
+          <p:cNvPr id="66" name="肘形连接符 65"/>
+          <p:cNvCxnSpPr/>
+          <p:nvPr/>
+        </p:nvCxnSpPr>
+        <p:spPr>
+          <a:xfrm rot="5400000">
+            <a:off x="4277968" y="2510887"/>
+            <a:ext cx="724319" cy="1895454"/>
+          </a:xfrm>
+          <a:prstGeom prst="bentConnector2">
+            <a:avLst/>
+          </a:prstGeom>
+          <a:noFill/>
+          <a:ln w="12700" cap="flat" cmpd="sng" algn="ctr">
+            <a:solidFill>
+              <a:srgbClr val="FF0000"/>
+            </a:solidFill>
+            <a:prstDash val="solid"/>
+            <a:headEnd type="none"/>
+            <a:tailEnd type="triangle"/>
+          </a:ln>
+          <a:effectLst>
+            <a:outerShdw blurRad="40000" dist="20000" dir="5400000" rotWithShape="0">
+              <a:srgbClr val="000000">
+                <a:alpha val="38000"/>
+              </a:srgbClr>
+            </a:outerShdw>
+          </a:effectLst>
+        </p:spPr>
+      </p:cxnSp>
+      <p:sp>
+        <p:nvSpPr>
+          <p:cNvPr id="67" name="文本框 66"/>
+          <p:cNvSpPr txBox="1"/>
+          <p:nvPr/>
+        </p:nvSpPr>
+        <p:spPr>
+          <a:xfrm>
+            <a:off x="4185027" y="3533075"/>
+            <a:ext cx="748923" cy="261610"/>
+          </a:xfrm>
+          <a:prstGeom prst="rect">
+            <a:avLst/>
+          </a:prstGeom>
+          <a:noFill/>
+        </p:spPr>
+        <p:txBody>
+          <a:bodyPr wrap="none" rtlCol="0">
+            <a:spAutoFit/>
+          </a:bodyPr>
+          <a:lstStyle/>
+          <a:p>
+            <a:pPr defTabSz="457200"/>
+            <a:r>
+              <a:rPr kumimoji="1" lang="zh-CN" altLang="en-US" sz="1100" smtClean="0">
+                <a:solidFill>
+                  <a:srgbClr val="FF0000"/>
+                </a:solidFill>
+                <a:latin typeface="微软雅黑"/>
+                <a:ea typeface="微软雅黑"/>
+                <a:cs typeface="微软雅黑"/>
+              </a:rPr>
+              <a:t>心跳注册</a:t>
+            </a:r>
+            <a:endParaRPr kumimoji="1" lang="zh-CN" altLang="en-US" sz="1100" dirty="0">
+              <a:solidFill>
+                <a:srgbClr val="FF0000"/>
+              </a:solidFill>
+              <a:latin typeface="微软雅黑"/>
+              <a:ea typeface="微软雅黑"/>
+              <a:cs typeface="微软雅黑"/>
+            </a:endParaRPr>
+          </a:p>
+        </p:txBody>
+      </p:sp>
+    </p:spTree>
+    <p:extLst>
+      <p:ext uri="{BB962C8B-B14F-4D97-AF65-F5344CB8AC3E}">
+        <p14:creationId xmlns:p14="http://schemas.microsoft.com/office/powerpoint/2010/main" val="259284420"/>
+      </p:ext>
+    </p:extLst>
+  </p:cSld>
+  <p:clrMapOvr>
+    <a:masterClrMapping/>
+  </p:clrMapOvr>
 </p:sld>
 </file>
 
